--- a/teaching/2022_spring_Math_II_ppt/3.4 隐函数与参数方程确定函数的求导方法.pptx
+++ b/teaching/2022_spring_Math_II_ppt/3.4 隐函数与参数方程确定函数的求导方法.pptx
@@ -2191,8 +2191,8 @@
           </a:p>
         </p:txBody>
       </p:sp>
-      <mc:AlternateContent xmlns:mc="http://schemas.openxmlformats.org/markup-compatibility/2006" xmlns:a14="http://schemas.microsoft.com/office/drawing/2010/main">
-        <mc:Choice Requires="a14">
+      <mc:AlternateContent xmlns:mc="http://schemas.openxmlformats.org/markup-compatibility/2006">
+        <mc:Choice xmlns:a14="http://schemas.microsoft.com/office/drawing/2010/main" Requires="a14">
           <p:sp>
             <p:nvSpPr>
               <p:cNvPr id="3" name="内容占位符 2"/>
@@ -2607,103 +2607,146 @@
                 </a:r>
                 <a:r>
                   <a:rPr lang="zh-CN" altLang="en-US" dirty="0" smtClean="0"/>
-                  <a:t>例如开普勒方程 </a:t>
-                </a:r>
+                  <a:t>例如开普勒方程</a:t>
+                </a:r>
+                <a:endParaRPr lang="en-US" altLang="zh-CN" dirty="0" smtClean="0"/>
+              </a:p>
+              <a:p>
+                <a:pPr marL="0" indent="0">
+                  <a:lnSpc>
+                    <a:spcPct val="120000"/>
+                  </a:lnSpc>
+                  <a:spcAft>
+                    <a:spcPts val="600"/>
+                  </a:spcAft>
+                  <a:buNone/>
+                </a:pPr>
                 <a14:m>
-                  <m:oMath xmlns:m="http://schemas.openxmlformats.org/officeDocument/2006/math">
-                    <m:r>
-                      <a:rPr lang="en-US" altLang="zh-CN" b="0" i="1" smtClean="0">
-                        <a:latin typeface="Cambria Math" panose="02040503050406030204" pitchFamily="18" charset="0"/>
-                      </a:rPr>
-                      <m:t>𝑥</m:t>
-                    </m:r>
-                    <m:r>
-                      <a:rPr lang="en-US" altLang="zh-CN" b="0" i="1" smtClean="0">
-                        <a:latin typeface="Cambria Math" panose="02040503050406030204" pitchFamily="18" charset="0"/>
-                      </a:rPr>
-                      <m:t>−</m:t>
-                    </m:r>
-                    <m:r>
-                      <a:rPr lang="en-US" altLang="zh-CN" b="0" i="1" smtClean="0">
-                        <a:latin typeface="Cambria Math" panose="02040503050406030204" pitchFamily="18" charset="0"/>
-                      </a:rPr>
-                      <m:t>𝑦</m:t>
-                    </m:r>
-                    <m:r>
-                      <a:rPr lang="en-US" altLang="zh-CN" b="0" i="1" smtClean="0">
-                        <a:latin typeface="Cambria Math" panose="02040503050406030204" pitchFamily="18" charset="0"/>
-                      </a:rPr>
-                      <m:t>+</m:t>
-                    </m:r>
-                    <m:r>
-                      <a:rPr lang="en-US" altLang="zh-CN" b="0" i="1" smtClean="0">
-                        <a:latin typeface="Cambria Math" panose="02040503050406030204" pitchFamily="18" charset="0"/>
-                      </a:rPr>
-                      <m:t>𝜀</m:t>
-                    </m:r>
-                    <m:func>
-                      <m:funcPr>
-                        <m:ctrlPr>
-                          <a:rPr lang="en-US" altLang="zh-CN" b="0" i="1" smtClean="0">
-                            <a:latin typeface="Cambria Math" panose="02040503050406030204" pitchFamily="18" charset="0"/>
-                          </a:rPr>
-                        </m:ctrlPr>
-                      </m:funcPr>
-                      <m:fName>
-                        <m:r>
-                          <m:rPr>
-                            <m:sty m:val="p"/>
-                          </m:rPr>
-                          <a:rPr lang="en-US" altLang="zh-CN" b="0" i="0" smtClean="0">
-                            <a:latin typeface="Cambria Math" panose="02040503050406030204" pitchFamily="18" charset="0"/>
-                          </a:rPr>
-                          <m:t>sin</m:t>
-                        </m:r>
-                      </m:fName>
-                      <m:e>
-                        <m:r>
-                          <a:rPr lang="en-US" altLang="zh-CN" b="0" i="1" smtClean="0">
-                            <a:latin typeface="Cambria Math" panose="02040503050406030204" pitchFamily="18" charset="0"/>
-                          </a:rPr>
-                          <m:t>𝑦</m:t>
-                        </m:r>
-                      </m:e>
-                    </m:func>
-                    <m:r>
-                      <a:rPr lang="en-US" altLang="zh-CN" b="0" i="1" smtClean="0">
-                        <a:latin typeface="Cambria Math" panose="02040503050406030204" pitchFamily="18" charset="0"/>
-                      </a:rPr>
-                      <m:t>=0 (0&lt;</m:t>
-                    </m:r>
-                    <m:r>
-                      <a:rPr lang="en-US" altLang="zh-CN" b="0" i="1" smtClean="0">
-                        <a:latin typeface="Cambria Math" panose="02040503050406030204" pitchFamily="18" charset="0"/>
-                      </a:rPr>
-                      <m:t>𝜀</m:t>
-                    </m:r>
-                    <m:r>
-                      <a:rPr lang="en-US" altLang="zh-CN" b="0" i="1" smtClean="0">
-                        <a:latin typeface="Cambria Math" panose="02040503050406030204" pitchFamily="18" charset="0"/>
-                      </a:rPr>
-                      <m:t>&lt;1)</m:t>
-                    </m:r>
-                  </m:oMath>
+                  <m:oMathPara xmlns:m="http://schemas.openxmlformats.org/officeDocument/2006/math">
+                    <m:oMathParaPr>
+                      <m:jc m:val="centerGroup"/>
+                    </m:oMathParaPr>
+                    <m:oMath xmlns:m="http://schemas.openxmlformats.org/officeDocument/2006/math">
+                      <m:r>
+                        <a:rPr lang="en-US" altLang="zh-CN" b="0" i="1" smtClean="0">
+                          <a:latin typeface="Cambria Math" panose="02040503050406030204" pitchFamily="18" charset="0"/>
+                        </a:rPr>
+                        <m:t>𝑥</m:t>
+                      </m:r>
+                      <m:r>
+                        <a:rPr lang="en-US" altLang="zh-CN" b="0" i="1" smtClean="0">
+                          <a:latin typeface="Cambria Math" panose="02040503050406030204" pitchFamily="18" charset="0"/>
+                        </a:rPr>
+                        <m:t>−</m:t>
+                      </m:r>
+                      <m:r>
+                        <a:rPr lang="en-US" altLang="zh-CN" b="0" i="1" smtClean="0">
+                          <a:latin typeface="Cambria Math" panose="02040503050406030204" pitchFamily="18" charset="0"/>
+                        </a:rPr>
+                        <m:t>𝑦</m:t>
+                      </m:r>
+                      <m:r>
+                        <a:rPr lang="en-US" altLang="zh-CN" b="0" i="1" smtClean="0">
+                          <a:latin typeface="Cambria Math" panose="02040503050406030204" pitchFamily="18" charset="0"/>
+                        </a:rPr>
+                        <m:t>+</m:t>
+                      </m:r>
+                      <m:r>
+                        <a:rPr lang="en-US" altLang="zh-CN" b="0" i="1" smtClean="0">
+                          <a:latin typeface="Cambria Math" panose="02040503050406030204" pitchFamily="18" charset="0"/>
+                        </a:rPr>
+                        <m:t>𝜀</m:t>
+                      </m:r>
+                      <m:func>
+                        <m:funcPr>
+                          <m:ctrlPr>
+                            <a:rPr lang="en-US" altLang="zh-CN" b="0" i="1" smtClean="0">
+                              <a:latin typeface="Cambria Math" panose="02040503050406030204" pitchFamily="18" charset="0"/>
+                            </a:rPr>
+                          </m:ctrlPr>
+                        </m:funcPr>
+                        <m:fName>
+                          <m:r>
+                            <m:rPr>
+                              <m:sty m:val="p"/>
+                            </m:rPr>
+                            <a:rPr lang="en-US" altLang="zh-CN" b="0" i="0" smtClean="0">
+                              <a:latin typeface="Cambria Math" panose="02040503050406030204" pitchFamily="18" charset="0"/>
+                            </a:rPr>
+                            <m:t>sin</m:t>
+                          </m:r>
+                        </m:fName>
+                        <m:e>
+                          <m:r>
+                            <a:rPr lang="en-US" altLang="zh-CN" b="0" i="1" smtClean="0">
+                              <a:latin typeface="Cambria Math" panose="02040503050406030204" pitchFamily="18" charset="0"/>
+                            </a:rPr>
+                            <m:t>𝑦</m:t>
+                          </m:r>
+                        </m:e>
+                      </m:func>
+                      <m:r>
+                        <a:rPr lang="en-US" altLang="zh-CN" b="0" i="1" smtClean="0">
+                          <a:latin typeface="Cambria Math" panose="02040503050406030204" pitchFamily="18" charset="0"/>
+                        </a:rPr>
+                        <m:t>=0 </m:t>
+                      </m:r>
+                      <m:d>
+                        <m:dPr>
+                          <m:ctrlPr>
+                            <a:rPr lang="en-US" altLang="zh-CN" b="0" i="1" smtClean="0">
+                              <a:latin typeface="Cambria Math" panose="02040503050406030204" pitchFamily="18" charset="0"/>
+                            </a:rPr>
+                          </m:ctrlPr>
+                        </m:dPr>
+                        <m:e>
+                          <m:r>
+                            <a:rPr lang="en-US" altLang="zh-CN" b="0" i="1" smtClean="0">
+                              <a:latin typeface="Cambria Math" panose="02040503050406030204" pitchFamily="18" charset="0"/>
+                            </a:rPr>
+                            <m:t>0&lt;</m:t>
+                          </m:r>
+                          <m:r>
+                            <a:rPr lang="en-US" altLang="zh-CN" b="0" i="1" smtClean="0">
+                              <a:latin typeface="Cambria Math" panose="02040503050406030204" pitchFamily="18" charset="0"/>
+                            </a:rPr>
+                            <m:t>𝜀</m:t>
+                          </m:r>
+                          <m:r>
+                            <a:rPr lang="en-US" altLang="zh-CN" b="0" i="1" smtClean="0">
+                              <a:latin typeface="Cambria Math" panose="02040503050406030204" pitchFamily="18" charset="0"/>
+                            </a:rPr>
+                            <m:t>&lt;1</m:t>
+                          </m:r>
+                        </m:e>
+                      </m:d>
+                      <m:r>
+                        <a:rPr lang="en-US" altLang="zh-CN" b="0" i="0" smtClean="0">
+                          <a:latin typeface="Cambria Math" panose="02040503050406030204" pitchFamily="18" charset="0"/>
+                        </a:rPr>
+                        <m:t>.</m:t>
+                      </m:r>
+                    </m:oMath>
+                  </m:oMathPara>
                 </a14:m>
-                <a:r>
-                  <a:rPr lang="en-US" altLang="zh-CN" dirty="0" smtClean="0"/>
-                  <a:t>. </a:t>
-                </a:r>
+                <a:endParaRPr lang="en-US" altLang="zh-CN" dirty="0" smtClean="0"/>
+              </a:p>
+              <a:p>
+                <a:pPr>
+                  <a:lnSpc>
+                    <a:spcPct val="120000"/>
+                  </a:lnSpc>
+                  <a:spcAft>
+                    <a:spcPts val="600"/>
+                  </a:spcAft>
+                </a:pPr>
                 <a:r>
                   <a:rPr lang="zh-CN" altLang="en-US" dirty="0" smtClean="0"/>
-                  <a:t>此时我们该</a:t>
-                </a:r>
-                <a:r>
-                  <a:rPr lang="zh-CN" altLang="en-US" dirty="0" smtClean="0">
-                    <a:solidFill>
-                      <a:srgbClr val="FF0000"/>
-                    </a:solidFill>
-                  </a:rPr>
-                  <a:t>如何求其导数</a:t>
+                  <a:t>此时</a:t>
+                </a:r>
+                <a:r>
+                  <a:rPr lang="zh-CN" altLang="en-US" dirty="0" smtClean="0"/>
+                  <a:t>我们该如何求其导数</a:t>
                 </a:r>
                 <a:r>
                   <a:rPr lang="en-US" altLang="zh-CN" dirty="0" smtClean="0"/>
@@ -2713,7 +2756,7 @@
             </p:txBody>
           </p:sp>
         </mc:Choice>
-        <mc:Fallback xmlns="">
+        <mc:Fallback>
           <p:sp>
             <p:nvSpPr>
               <p:cNvPr id="3" name="内容占位符 2"/>
@@ -2728,7 +2771,7 @@
               <a:blipFill>
                 <a:blip r:embed="rId2"/>
                 <a:stretch>
-                  <a:fillRect l="-734" t="-260" r="-508"/>
+                  <a:fillRect l="-734" r="-508"/>
                 </a:stretch>
               </a:blipFill>
             </p:spPr>
@@ -3068,6 +3111,128 @@
                       </p:childTnLst>
                     </p:cTn>
                   </p:par>
+                  <p:par>
+                    <p:cTn id="28" fill="hold">
+                      <p:stCondLst>
+                        <p:cond delay="indefinite"/>
+                      </p:stCondLst>
+                      <p:childTnLst>
+                        <p:par>
+                          <p:cTn id="29" fill="hold">
+                            <p:stCondLst>
+                              <p:cond delay="0"/>
+                            </p:stCondLst>
+                            <p:childTnLst>
+                              <p:par>
+                                <p:cTn id="30" presetID="10" presetClass="entr" presetSubtype="0" fill="hold" grpId="0" nodeType="clickEffect">
+                                  <p:stCondLst>
+                                    <p:cond delay="0"/>
+                                  </p:stCondLst>
+                                  <p:childTnLst>
+                                    <p:set>
+                                      <p:cBhvr>
+                                        <p:cTn id="31" dur="1" fill="hold">
+                                          <p:stCondLst>
+                                            <p:cond delay="0"/>
+                                          </p:stCondLst>
+                                        </p:cTn>
+                                        <p:tgtEl>
+                                          <p:spTgt spid="3">
+                                            <p:txEl>
+                                              <p:pRg st="4" end="4"/>
+                                            </p:txEl>
+                                          </p:spTgt>
+                                        </p:tgtEl>
+                                        <p:attrNameLst>
+                                          <p:attrName>style.visibility</p:attrName>
+                                        </p:attrNameLst>
+                                      </p:cBhvr>
+                                      <p:to>
+                                        <p:strVal val="visible"/>
+                                      </p:to>
+                                    </p:set>
+                                    <p:animEffect transition="in" filter="fade">
+                                      <p:cBhvr>
+                                        <p:cTn id="32" dur="500"/>
+                                        <p:tgtEl>
+                                          <p:spTgt spid="3">
+                                            <p:txEl>
+                                              <p:pRg st="4" end="4"/>
+                                            </p:txEl>
+                                          </p:spTgt>
+                                        </p:tgtEl>
+                                      </p:cBhvr>
+                                    </p:animEffect>
+                                  </p:childTnLst>
+                                </p:cTn>
+                              </p:par>
+                            </p:childTnLst>
+                          </p:cTn>
+                        </p:par>
+                      </p:childTnLst>
+                    </p:cTn>
+                  </p:par>
+                  <p:par>
+                    <p:cTn id="33" fill="hold">
+                      <p:stCondLst>
+                        <p:cond delay="indefinite"/>
+                      </p:stCondLst>
+                      <p:childTnLst>
+                        <p:par>
+                          <p:cTn id="34" fill="hold">
+                            <p:stCondLst>
+                              <p:cond delay="0"/>
+                            </p:stCondLst>
+                            <p:childTnLst>
+                              <p:par>
+                                <p:cTn id="35" presetID="10" presetClass="entr" presetSubtype="0" fill="hold" grpId="0" nodeType="clickEffect">
+                                  <p:stCondLst>
+                                    <p:cond delay="0"/>
+                                  </p:stCondLst>
+                                  <p:childTnLst>
+                                    <p:set>
+                                      <p:cBhvr>
+                                        <p:cTn id="36" dur="1" fill="hold">
+                                          <p:stCondLst>
+                                            <p:cond delay="0"/>
+                                          </p:stCondLst>
+                                        </p:cTn>
+                                        <p:tgtEl>
+                                          <p:spTgt spid="3">
+                                            <p:txEl>
+                                              <p:pRg st="5" end="5"/>
+                                            </p:txEl>
+                                          </p:spTgt>
+                                        </p:tgtEl>
+                                        <p:attrNameLst>
+                                          <p:attrName>style.visibility</p:attrName>
+                                        </p:attrNameLst>
+                                      </p:cBhvr>
+                                      <p:to>
+                                        <p:strVal val="visible"/>
+                                      </p:to>
+                                    </p:set>
+                                    <p:animEffect transition="in" filter="fade">
+                                      <p:cBhvr>
+                                        <p:cTn id="37" dur="500"/>
+                                        <p:tgtEl>
+                                          <p:spTgt spid="3">
+                                            <p:txEl>
+                                              <p:pRg st="5" end="5"/>
+                                            </p:txEl>
+                                          </p:spTgt>
+                                        </p:tgtEl>
+                                      </p:cBhvr>
+                                    </p:animEffect>
+                                  </p:childTnLst>
+                                </p:cTn>
+                              </p:par>
+                            </p:childTnLst>
+                          </p:cTn>
+                        </p:par>
+                      </p:childTnLst>
+                    </p:cTn>
+                  </p:par>
                 </p:childTnLst>
               </p:cTn>
               <p:prevCondLst>
@@ -3114,8 +3279,8 @@
           <a:chExt cx="0" cy="0"/>
         </a:xfrm>
       </p:grpSpPr>
-      <mc:AlternateContent xmlns:mc="http://schemas.openxmlformats.org/markup-compatibility/2006">
-        <mc:Choice xmlns:a14="http://schemas.microsoft.com/office/drawing/2010/main" Requires="a14">
+      <mc:AlternateContent xmlns:mc="http://schemas.openxmlformats.org/markup-compatibility/2006" xmlns:a14="http://schemas.microsoft.com/office/drawing/2010/main">
+        <mc:Choice Requires="a14">
           <p:sp>
             <p:nvSpPr>
               <p:cNvPr id="4" name="文本占位符 3"/>
@@ -4286,7 +4451,7 @@
             </p:txBody>
           </p:sp>
         </mc:Choice>
-        <mc:Fallback>
+        <mc:Fallback xmlns="">
           <p:sp>
             <p:nvSpPr>
               <p:cNvPr id="4" name="文本占位符 3"/>
@@ -4749,8 +4914,8 @@
           <a:chExt cx="0" cy="0"/>
         </a:xfrm>
       </p:grpSpPr>
-      <mc:AlternateContent xmlns:mc="http://schemas.openxmlformats.org/markup-compatibility/2006">
-        <mc:Choice xmlns:a14="http://schemas.microsoft.com/office/drawing/2010/main" Requires="a14">
+      <mc:AlternateContent xmlns:mc="http://schemas.openxmlformats.org/markup-compatibility/2006" xmlns:a14="http://schemas.microsoft.com/office/drawing/2010/main">
+        <mc:Choice Requires="a14">
           <p:sp>
             <p:nvSpPr>
               <p:cNvPr id="4" name="文本占位符 3"/>
@@ -4808,110 +4973,89 @@
                         </m:ctrlPr>
                       </m:dPr>
                       <m:e>
-                        <m:m>
-                          <m:mPr>
-                            <m:plcHide m:val="on"/>
-                            <m:mcs>
-                              <m:mc>
-                                <m:mcPr>
-                                  <m:count m:val="2"/>
-                                  <m:mcJc m:val="center"/>
-                                </m:mcPr>
-                              </m:mc>
-                            </m:mcs>
+                        <m:eqArr>
+                          <m:eqArrPr>
                             <m:ctrlPr>
                               <a:rPr lang="en-US" altLang="zh-CN" b="0" i="1" smtClean="0">
                                 <a:latin typeface="Cambria Math" panose="02040503050406030204" pitchFamily="18" charset="0"/>
                               </a:rPr>
                             </m:ctrlPr>
-                          </m:mPr>
-                          <m:mr>
-                            <m:e>
-                              <m:r>
-                                <a:rPr lang="en-US" altLang="zh-CN" b="0" i="1" smtClean="0">
-                                  <a:latin typeface="Cambria Math" panose="02040503050406030204" pitchFamily="18" charset="0"/>
-                                </a:rPr>
-                                <m:t>𝑥</m:t>
-                              </m:r>
-                              <m:r>
-                                <a:rPr lang="en-US" altLang="zh-CN" b="0" i="1" smtClean="0">
-                                  <a:latin typeface="Cambria Math" panose="02040503050406030204" pitchFamily="18" charset="0"/>
-                                </a:rPr>
-                                <m:t>=</m:t>
-                              </m:r>
-                              <m:r>
-                                <a:rPr lang="en-US" altLang="zh-CN" b="0" i="1" smtClean="0">
-                                  <a:latin typeface="Cambria Math" panose="02040503050406030204" pitchFamily="18" charset="0"/>
-                                </a:rPr>
-                                <m:t>𝜑</m:t>
-                              </m:r>
-                              <m:d>
-                                <m:dPr>
-                                  <m:ctrlPr>
-                                    <a:rPr lang="en-US" altLang="zh-CN" b="0" i="1" smtClean="0">
-                                      <a:latin typeface="Cambria Math" panose="02040503050406030204" pitchFamily="18" charset="0"/>
-                                    </a:rPr>
-                                  </m:ctrlPr>
-                                </m:dPr>
-                                <m:e>
-                                  <m:r>
-                                    <a:rPr lang="en-US" altLang="zh-CN" b="0" i="1" smtClean="0">
-                                      <a:latin typeface="Cambria Math" panose="02040503050406030204" pitchFamily="18" charset="0"/>
-                                    </a:rPr>
-                                    <m:t>𝑡</m:t>
-                                  </m:r>
-                                </m:e>
-                              </m:d>
-                              <m:r>
-                                <a:rPr lang="en-US" altLang="zh-CN" b="0" i="1" smtClean="0">
-                                  <a:latin typeface="Cambria Math" panose="02040503050406030204" pitchFamily="18" charset="0"/>
-                                </a:rPr>
-                                <m:t>,</m:t>
-                              </m:r>
-                            </m:e>
-                            <m:e/>
-                          </m:mr>
-                          <m:mr>
-                            <m:e>
-                              <m:r>
-                                <a:rPr lang="en-US" altLang="zh-CN" b="0" i="1" smtClean="0">
-                                  <a:latin typeface="Cambria Math" panose="02040503050406030204" pitchFamily="18" charset="0"/>
-                                </a:rPr>
-                                <m:t>𝑦</m:t>
-                              </m:r>
-                              <m:r>
-                                <a:rPr lang="en-US" altLang="zh-CN" b="0" i="1" smtClean="0">
-                                  <a:latin typeface="Cambria Math" panose="02040503050406030204" pitchFamily="18" charset="0"/>
-                                </a:rPr>
-                                <m:t>=</m:t>
-                              </m:r>
-                              <m:r>
-                                <a:rPr lang="en-US" altLang="zh-CN" b="0" i="1" smtClean="0">
-                                  <a:latin typeface="Cambria Math" panose="02040503050406030204" pitchFamily="18" charset="0"/>
-                                </a:rPr>
-                                <m:t>𝜓</m:t>
-                              </m:r>
-                              <m:d>
-                                <m:dPr>
-                                  <m:ctrlPr>
-                                    <a:rPr lang="en-US" altLang="zh-CN" b="0" i="1" smtClean="0">
-                                      <a:latin typeface="Cambria Math" panose="02040503050406030204" pitchFamily="18" charset="0"/>
-                                    </a:rPr>
-                                  </m:ctrlPr>
-                                </m:dPr>
-                                <m:e>
-                                  <m:r>
-                                    <a:rPr lang="en-US" altLang="zh-CN" b="0" i="1" smtClean="0">
-                                      <a:latin typeface="Cambria Math" panose="02040503050406030204" pitchFamily="18" charset="0"/>
-                                    </a:rPr>
-                                    <m:t>𝑡</m:t>
-                                  </m:r>
-                                </m:e>
-                              </m:d>
-                            </m:e>
-                            <m:e/>
-                          </m:mr>
-                        </m:m>
+                          </m:eqArrPr>
+                          <m:e>
+                            <m:r>
+                              <a:rPr lang="en-US" altLang="zh-CN" b="0" i="1" smtClean="0">
+                                <a:latin typeface="Cambria Math" panose="02040503050406030204" pitchFamily="18" charset="0"/>
+                              </a:rPr>
+                              <m:t>𝑥</m:t>
+                            </m:r>
+                            <m:r>
+                              <a:rPr lang="en-US" altLang="zh-CN" b="0" i="1" smtClean="0">
+                                <a:latin typeface="Cambria Math" panose="02040503050406030204" pitchFamily="18" charset="0"/>
+                              </a:rPr>
+                              <m:t>&amp;=&amp;</m:t>
+                            </m:r>
+                            <m:r>
+                              <a:rPr lang="en-US" altLang="zh-CN" b="0" i="1" smtClean="0">
+                                <a:latin typeface="Cambria Math" panose="02040503050406030204" pitchFamily="18" charset="0"/>
+                              </a:rPr>
+                              <m:t>𝜑</m:t>
+                            </m:r>
+                            <m:d>
+                              <m:dPr>
+                                <m:ctrlPr>
+                                  <a:rPr lang="en-US" altLang="zh-CN" b="0" i="1" smtClean="0">
+                                    <a:latin typeface="Cambria Math" panose="02040503050406030204" pitchFamily="18" charset="0"/>
+                                  </a:rPr>
+                                </m:ctrlPr>
+                              </m:dPr>
+                              <m:e>
+                                <m:r>
+                                  <a:rPr lang="en-US" altLang="zh-CN" b="0" i="1" smtClean="0">
+                                    <a:latin typeface="Cambria Math" panose="02040503050406030204" pitchFamily="18" charset="0"/>
+                                  </a:rPr>
+                                  <m:t>𝑡</m:t>
+                                </m:r>
+                              </m:e>
+                            </m:d>
+                          </m:e>
+                          <m:e>
+                            <m:r>
+                              <a:rPr lang="en-US" altLang="zh-CN" b="0" i="1" smtClean="0">
+                                <a:latin typeface="Cambria Math" panose="02040503050406030204" pitchFamily="18" charset="0"/>
+                              </a:rPr>
+                              <m:t>𝑦</m:t>
+                            </m:r>
+                            <m:r>
+                              <a:rPr lang="en-US" altLang="zh-CN" b="0" i="1" smtClean="0">
+                                <a:latin typeface="Cambria Math" panose="02040503050406030204" pitchFamily="18" charset="0"/>
+                              </a:rPr>
+                              <m:t>&amp;=&amp;</m:t>
+                            </m:r>
+                            <m:r>
+                              <a:rPr lang="en-US" altLang="zh-CN" b="0" i="1" smtClean="0">
+                                <a:latin typeface="Cambria Math" panose="02040503050406030204" pitchFamily="18" charset="0"/>
+                              </a:rPr>
+                              <m:t>𝜓</m:t>
+                            </m:r>
+                            <m:d>
+                              <m:dPr>
+                                <m:ctrlPr>
+                                  <a:rPr lang="en-US" altLang="zh-CN" b="0" i="1" smtClean="0">
+                                    <a:latin typeface="Cambria Math" panose="02040503050406030204" pitchFamily="18" charset="0"/>
+                                  </a:rPr>
+                                </m:ctrlPr>
+                              </m:dPr>
+                              <m:e>
+                                <m:r>
+                                  <a:rPr lang="en-US" altLang="zh-CN" b="0" i="1" smtClean="0">
+                                    <a:latin typeface="Cambria Math" panose="02040503050406030204" pitchFamily="18" charset="0"/>
+                                  </a:rPr>
+                                  <m:t>𝑡</m:t>
+                                </m:r>
+                              </m:e>
+                            </m:d>
+                          </m:e>
+                        </m:eqArr>
                       </m:e>
                     </m:d>
                     <m:r>
@@ -4919,6 +5063,12 @@
                         <a:latin typeface="Cambria Math" panose="02040503050406030204" pitchFamily="18" charset="0"/>
                       </a:rPr>
                       <m:t>,</m:t>
+                    </m:r>
+                    <m:r>
+                      <a:rPr lang="en-US" altLang="zh-CN" b="0" i="1" smtClean="0">
+                        <a:latin typeface="Cambria Math" panose="02040503050406030204" pitchFamily="18" charset="0"/>
+                      </a:rPr>
+                      <m:t>  </m:t>
                     </m:r>
                     <m:r>
                       <a:rPr lang="en-US" altLang="zh-CN" b="0" i="1" smtClean="0">
@@ -5656,7 +5806,7 @@
             </p:txBody>
           </p:sp>
         </mc:Choice>
-        <mc:Fallback>
+        <mc:Fallback xmlns="">
           <p:sp>
             <p:nvSpPr>
               <p:cNvPr id="4" name="文本占位符 3"/>
@@ -6503,17 +6653,16 @@
                         </m:fPr>
                         <m:num>
                           <m:r>
-                            <m:rPr>
-                              <m:sty m:val="p"/>
-                            </m:rPr>
-                            <a:rPr lang="en-US" altLang="zh-CN" b="0" i="0" smtClean="0">
+                            <a:rPr lang="en-US" altLang="zh-CN" b="0" i="1" smtClean="0">
                               <a:solidFill>
                                 <a:srgbClr val="FF0000"/>
                               </a:solidFill>
                               <a:latin typeface="Cambria Math" panose="02040503050406030204" pitchFamily="18" charset="0"/>
                             </a:rPr>
-                            <m:t>d</m:t>
+                            <m:t>𝑑𝑦</m:t>
                           </m:r>
+                        </m:num>
+                        <m:den>
                           <m:r>
                             <a:rPr lang="en-US" altLang="zh-CN" b="0" i="1" smtClean="0">
                               <a:solidFill>
@@ -6521,30 +6670,7 @@
                               </a:solidFill>
                               <a:latin typeface="Cambria Math" panose="02040503050406030204" pitchFamily="18" charset="0"/>
                             </a:rPr>
-                            <m:t>𝑦</m:t>
-                          </m:r>
-                        </m:num>
-                        <m:den>
-                          <m:r>
-                            <m:rPr>
-                              <m:sty m:val="p"/>
-                            </m:rPr>
-                            <a:rPr lang="en-US" altLang="zh-CN" b="0" i="0" smtClean="0">
-                              <a:solidFill>
-                                <a:srgbClr val="FF0000"/>
-                              </a:solidFill>
-                              <a:latin typeface="Cambria Math" panose="02040503050406030204" pitchFamily="18" charset="0"/>
-                            </a:rPr>
-                            <m:t>d</m:t>
-                          </m:r>
-                          <m:r>
-                            <a:rPr lang="en-US" altLang="zh-CN" b="0" i="1" smtClean="0">
-                              <a:solidFill>
-                                <a:srgbClr val="FF0000"/>
-                              </a:solidFill>
-                              <a:latin typeface="Cambria Math" panose="02040503050406030204" pitchFamily="18" charset="0"/>
-                            </a:rPr>
-                            <m:t>𝑥</m:t>
+                            <m:t>𝑑𝑥</m:t>
                           </m:r>
                         </m:den>
                       </m:f>
@@ -6564,30 +6690,18 @@
                         </m:fPr>
                         <m:num>
                           <m:r>
-                            <m:rPr>
-                              <m:sty m:val="p"/>
-                            </m:rPr>
-                            <a:rPr lang="en-US" altLang="zh-CN">
-                              <a:latin typeface="Cambria Math" panose="02040503050406030204" pitchFamily="18" charset="0"/>
-                            </a:rPr>
-                            <m:t>d</m:t>
-                          </m:r>
-                          <m:r>
                             <a:rPr lang="en-US" altLang="zh-CN" i="1">
                               <a:latin typeface="Cambria Math" panose="02040503050406030204" pitchFamily="18" charset="0"/>
                             </a:rPr>
-                            <m:t>𝑦</m:t>
+                            <m:t>𝑑𝑦</m:t>
                           </m:r>
                         </m:num>
                         <m:den>
                           <m:r>
-                            <m:rPr>
-                              <m:sty m:val="p"/>
-                            </m:rPr>
-                            <a:rPr lang="en-US" altLang="zh-CN">
-                              <a:latin typeface="Cambria Math" panose="02040503050406030204" pitchFamily="18" charset="0"/>
-                            </a:rPr>
-                            <m:t>d</m:t>
+                            <a:rPr lang="en-US" altLang="zh-CN" i="1">
+                              <a:latin typeface="Cambria Math" panose="02040503050406030204" pitchFamily="18" charset="0"/>
+                            </a:rPr>
+                            <m:t>𝑑</m:t>
                           </m:r>
                           <m:r>
                             <a:rPr lang="en-US" altLang="zh-CN" b="0" i="1" smtClean="0">
@@ -6613,13 +6727,10 @@
                         </m:fPr>
                         <m:num>
                           <m:r>
-                            <m:rPr>
-                              <m:sty m:val="p"/>
-                            </m:rPr>
-                            <a:rPr lang="en-US" altLang="zh-CN">
-                              <a:latin typeface="Cambria Math" panose="02040503050406030204" pitchFamily="18" charset="0"/>
-                            </a:rPr>
-                            <m:t>d</m:t>
+                            <a:rPr lang="en-US" altLang="zh-CN" i="1">
+                              <a:latin typeface="Cambria Math" panose="02040503050406030204" pitchFamily="18" charset="0"/>
+                            </a:rPr>
+                            <m:t>𝑑</m:t>
                           </m:r>
                           <m:r>
                             <a:rPr lang="en-US" altLang="zh-CN" b="0" i="1" smtClean="0">
@@ -6630,19 +6741,10 @@
                         </m:num>
                         <m:den>
                           <m:r>
-                            <m:rPr>
-                              <m:sty m:val="p"/>
-                            </m:rPr>
-                            <a:rPr lang="en-US" altLang="zh-CN">
-                              <a:latin typeface="Cambria Math" panose="02040503050406030204" pitchFamily="18" charset="0"/>
-                            </a:rPr>
-                            <m:t>d</m:t>
-                          </m:r>
-                          <m:r>
                             <a:rPr lang="en-US" altLang="zh-CN" i="1">
                               <a:latin typeface="Cambria Math" panose="02040503050406030204" pitchFamily="18" charset="0"/>
                             </a:rPr>
-                            <m:t>𝑥</m:t>
+                            <m:t>𝑑𝑥</m:t>
                           </m:r>
                         </m:den>
                       </m:f>
@@ -6665,16 +6767,13 @@
                         </m:fPr>
                         <m:num>
                           <m:r>
-                            <m:rPr>
-                              <m:sty m:val="p"/>
-                            </m:rPr>
-                            <a:rPr lang="en-US" altLang="zh-CN" b="0" i="0" smtClean="0">
+                            <a:rPr lang="en-US" altLang="zh-CN" b="0" i="1" smtClean="0">
                               <a:solidFill>
                                 <a:srgbClr val="FF0000"/>
                               </a:solidFill>
                               <a:latin typeface="Cambria Math" panose="02040503050406030204" pitchFamily="18" charset="0"/>
                             </a:rPr>
-                            <m:t>d</m:t>
+                            <m:t>𝑑𝑦</m:t>
                           </m:r>
                           <m:r>
                             <a:rPr lang="en-US" altLang="zh-CN" b="0" i="1" smtClean="0">
@@ -6683,7 +6782,7 @@
                               </a:solidFill>
                               <a:latin typeface="Cambria Math" panose="02040503050406030204" pitchFamily="18" charset="0"/>
                             </a:rPr>
-                            <m:t>𝑦</m:t>
+                            <m:t>/</m:t>
                           </m:r>
                           <m:r>
                             <a:rPr lang="en-US" altLang="zh-CN" b="0" i="1" smtClean="0">
@@ -6692,19 +6791,18 @@
                               </a:solidFill>
                               <a:latin typeface="Cambria Math" panose="02040503050406030204" pitchFamily="18" charset="0"/>
                             </a:rPr>
-                            <m:t>/</m:t>
+                            <m:t>𝑑𝑡</m:t>
                           </m:r>
+                        </m:num>
+                        <m:den>
                           <m:r>
-                            <m:rPr>
-                              <m:sty m:val="p"/>
-                            </m:rPr>
-                            <a:rPr lang="en-US" altLang="zh-CN" b="0" i="0" smtClean="0">
+                            <a:rPr lang="en-US" altLang="zh-CN" b="0" i="1" smtClean="0">
                               <a:solidFill>
                                 <a:srgbClr val="FF0000"/>
                               </a:solidFill>
                               <a:latin typeface="Cambria Math" panose="02040503050406030204" pitchFamily="18" charset="0"/>
                             </a:rPr>
-                            <m:t>d</m:t>
+                            <m:t>𝑑𝑥</m:t>
                           </m:r>
                           <m:r>
                             <a:rPr lang="en-US" altLang="zh-CN" b="0" i="1" smtClean="0">
@@ -6713,21 +6811,7 @@
                               </a:solidFill>
                               <a:latin typeface="Cambria Math" panose="02040503050406030204" pitchFamily="18" charset="0"/>
                             </a:rPr>
-                            <m:t>𝑡</m:t>
-                          </m:r>
-                        </m:num>
-                        <m:den>
-                          <m:r>
-                            <m:rPr>
-                              <m:sty m:val="p"/>
-                            </m:rPr>
-                            <a:rPr lang="en-US" altLang="zh-CN" b="0" i="0" smtClean="0">
-                              <a:solidFill>
-                                <a:srgbClr val="FF0000"/>
-                              </a:solidFill>
-                              <a:latin typeface="Cambria Math" panose="02040503050406030204" pitchFamily="18" charset="0"/>
-                            </a:rPr>
-                            <m:t>d</m:t>
+                            <m:t>/</m:t>
                           </m:r>
                           <m:r>
                             <a:rPr lang="en-US" altLang="zh-CN" b="0" i="1" smtClean="0">
@@ -6736,37 +6820,7 @@
                               </a:solidFill>
                               <a:latin typeface="Cambria Math" panose="02040503050406030204" pitchFamily="18" charset="0"/>
                             </a:rPr>
-                            <m:t>𝑥</m:t>
-                          </m:r>
-                          <m:r>
-                            <a:rPr lang="en-US" altLang="zh-CN" b="0" i="1" smtClean="0">
-                              <a:solidFill>
-                                <a:srgbClr val="FF0000"/>
-                              </a:solidFill>
-                              <a:latin typeface="Cambria Math" panose="02040503050406030204" pitchFamily="18" charset="0"/>
-                            </a:rPr>
-                            <m:t>/</m:t>
-                          </m:r>
-                          <m:r>
-                            <m:rPr>
-                              <m:sty m:val="p"/>
-                            </m:rPr>
-                            <a:rPr lang="en-US" altLang="zh-CN" b="0" i="0" smtClean="0">
-                              <a:solidFill>
-                                <a:srgbClr val="FF0000"/>
-                              </a:solidFill>
-                              <a:latin typeface="Cambria Math" panose="02040503050406030204" pitchFamily="18" charset="0"/>
-                            </a:rPr>
-                            <m:t>d</m:t>
-                          </m:r>
-                          <m:r>
-                            <a:rPr lang="en-US" altLang="zh-CN" b="0" i="1" smtClean="0">
-                              <a:solidFill>
-                                <a:srgbClr val="FF0000"/>
-                              </a:solidFill>
-                              <a:latin typeface="Cambria Math" panose="02040503050406030204" pitchFamily="18" charset="0"/>
-                            </a:rPr>
-                            <m:t>𝑡</m:t>
+                            <m:t>𝑑𝑡</m:t>
                           </m:r>
                         </m:den>
                       </m:f>
@@ -7021,17 +7075,16 @@
                         </m:fPr>
                         <m:num>
                           <m:r>
-                            <m:rPr>
-                              <m:sty m:val="p"/>
-                            </m:rPr>
-                            <a:rPr lang="en-US" altLang="zh-CN">
+                            <a:rPr lang="en-US" altLang="zh-CN" i="1">
                               <a:solidFill>
                                 <a:schemeClr val="tx1"/>
                               </a:solidFill>
                               <a:latin typeface="Cambria Math" panose="02040503050406030204" pitchFamily="18" charset="0"/>
                             </a:rPr>
-                            <m:t>d</m:t>
+                            <m:t>𝑑𝑦</m:t>
                           </m:r>
+                        </m:num>
+                        <m:den>
                           <m:r>
                             <a:rPr lang="en-US" altLang="zh-CN" i="1">
                               <a:solidFill>
@@ -7039,30 +7092,7 @@
                               </a:solidFill>
                               <a:latin typeface="Cambria Math" panose="02040503050406030204" pitchFamily="18" charset="0"/>
                             </a:rPr>
-                            <m:t>𝑦</m:t>
-                          </m:r>
-                        </m:num>
-                        <m:den>
-                          <m:r>
-                            <m:rPr>
-                              <m:sty m:val="p"/>
-                            </m:rPr>
-                            <a:rPr lang="en-US" altLang="zh-CN">
-                              <a:solidFill>
-                                <a:schemeClr val="tx1"/>
-                              </a:solidFill>
-                              <a:latin typeface="Cambria Math" panose="02040503050406030204" pitchFamily="18" charset="0"/>
-                            </a:rPr>
-                            <m:t>d</m:t>
-                          </m:r>
-                          <m:r>
-                            <a:rPr lang="en-US" altLang="zh-CN" i="1">
-                              <a:solidFill>
-                                <a:schemeClr val="tx1"/>
-                              </a:solidFill>
-                              <a:latin typeface="Cambria Math" panose="02040503050406030204" pitchFamily="18" charset="0"/>
-                            </a:rPr>
-                            <m:t>𝑥</m:t>
+                            <m:t>𝑑𝑥</m:t>
                           </m:r>
                         </m:den>
                       </m:f>
@@ -7874,16 +7904,13 @@
                         </m:fPr>
                         <m:num>
                           <m:r>
-                            <m:rPr>
-                              <m:sty m:val="p"/>
-                            </m:rPr>
-                            <a:rPr lang="en-US" altLang="zh-CN">
+                            <a:rPr lang="en-US" altLang="zh-CN" i="1">
                               <a:solidFill>
                                 <a:schemeClr val="tx1"/>
                               </a:solidFill>
                               <a:latin typeface="Cambria Math" panose="02040503050406030204" pitchFamily="18" charset="0"/>
                             </a:rPr>
-                            <m:t>d</m:t>
+                            <m:t>𝑑𝑦</m:t>
                           </m:r>
                           <m:r>
                             <a:rPr lang="en-US" altLang="zh-CN" i="1">
@@ -7892,7 +7919,7 @@
                               </a:solidFill>
                               <a:latin typeface="Cambria Math" panose="02040503050406030204" pitchFamily="18" charset="0"/>
                             </a:rPr>
-                            <m:t>𝑦</m:t>
+                            <m:t>/</m:t>
                           </m:r>
                           <m:r>
                             <a:rPr lang="en-US" altLang="zh-CN" i="1">
@@ -7901,19 +7928,18 @@
                               </a:solidFill>
                               <a:latin typeface="Cambria Math" panose="02040503050406030204" pitchFamily="18" charset="0"/>
                             </a:rPr>
-                            <m:t>/</m:t>
+                            <m:t>𝑑𝑡</m:t>
                           </m:r>
+                        </m:num>
+                        <m:den>
                           <m:r>
-                            <m:rPr>
-                              <m:sty m:val="p"/>
-                            </m:rPr>
-                            <a:rPr lang="en-US" altLang="zh-CN">
+                            <a:rPr lang="en-US" altLang="zh-CN" i="1">
                               <a:solidFill>
                                 <a:schemeClr val="tx1"/>
                               </a:solidFill>
                               <a:latin typeface="Cambria Math" panose="02040503050406030204" pitchFamily="18" charset="0"/>
                             </a:rPr>
-                            <m:t>d</m:t>
+                            <m:t>𝑑𝑥</m:t>
                           </m:r>
                           <m:r>
                             <a:rPr lang="en-US" altLang="zh-CN" i="1">
@@ -7922,21 +7948,7 @@
                               </a:solidFill>
                               <a:latin typeface="Cambria Math" panose="02040503050406030204" pitchFamily="18" charset="0"/>
                             </a:rPr>
-                            <m:t>𝑡</m:t>
-                          </m:r>
-                        </m:num>
-                        <m:den>
-                          <m:r>
-                            <m:rPr>
-                              <m:sty m:val="p"/>
-                            </m:rPr>
-                            <a:rPr lang="en-US" altLang="zh-CN">
-                              <a:solidFill>
-                                <a:schemeClr val="tx1"/>
-                              </a:solidFill>
-                              <a:latin typeface="Cambria Math" panose="02040503050406030204" pitchFamily="18" charset="0"/>
-                            </a:rPr>
-                            <m:t>d</m:t>
+                            <m:t>/</m:t>
                           </m:r>
                           <m:r>
                             <a:rPr lang="en-US" altLang="zh-CN" i="1">
@@ -7945,37 +7957,7 @@
                               </a:solidFill>
                               <a:latin typeface="Cambria Math" panose="02040503050406030204" pitchFamily="18" charset="0"/>
                             </a:rPr>
-                            <m:t>𝑥</m:t>
-                          </m:r>
-                          <m:r>
-                            <a:rPr lang="en-US" altLang="zh-CN" i="1">
-                              <a:solidFill>
-                                <a:schemeClr val="tx1"/>
-                              </a:solidFill>
-                              <a:latin typeface="Cambria Math" panose="02040503050406030204" pitchFamily="18" charset="0"/>
-                            </a:rPr>
-                            <m:t>/</m:t>
-                          </m:r>
-                          <m:r>
-                            <m:rPr>
-                              <m:sty m:val="p"/>
-                            </m:rPr>
-                            <a:rPr lang="en-US" altLang="zh-CN">
-                              <a:solidFill>
-                                <a:schemeClr val="tx1"/>
-                              </a:solidFill>
-                              <a:latin typeface="Cambria Math" panose="02040503050406030204" pitchFamily="18" charset="0"/>
-                            </a:rPr>
-                            <m:t>d</m:t>
-                          </m:r>
-                          <m:r>
-                            <a:rPr lang="en-US" altLang="zh-CN" i="1">
-                              <a:solidFill>
-                                <a:schemeClr val="tx1"/>
-                              </a:solidFill>
-                              <a:latin typeface="Cambria Math" panose="02040503050406030204" pitchFamily="18" charset="0"/>
-                            </a:rPr>
-                            <m:t>𝑡</m:t>
+                            <m:t>𝑑𝑡</m:t>
                           </m:r>
                         </m:den>
                       </m:f>
@@ -8466,21 +8448,18 @@
                             </m:sSupPr>
                             <m:e>
                               <m:r>
-                                <m:rPr>
-                                  <m:sty m:val="p"/>
-                                </m:rPr>
-                                <a:rPr lang="en-US" altLang="zh-CN">
+                                <a:rPr lang="en-US" altLang="zh-CN" i="1">
                                   <a:solidFill>
                                     <a:srgbClr val="FF0000"/>
                                   </a:solidFill>
                                   <a:latin typeface="Cambria Math" panose="02040503050406030204" pitchFamily="18" charset="0"/>
                                 </a:rPr>
-                                <m:t>d</m:t>
+                                <m:t>𝑑</m:t>
                               </m:r>
                             </m:e>
                             <m:sup>
                               <m:r>
-                                <a:rPr lang="en-US" altLang="zh-CN" b="0" i="0" smtClean="0">
+                                <a:rPr lang="en-US" altLang="zh-CN" b="0" i="1" smtClean="0">
                                   <a:solidFill>
                                     <a:srgbClr val="FF0000"/>
                                   </a:solidFill>
@@ -8502,16 +8481,13 @@
                         </m:num>
                         <m:den>
                           <m:r>
-                            <m:rPr>
-                              <m:sty m:val="p"/>
-                            </m:rPr>
-                            <a:rPr lang="en-US" altLang="zh-CN">
+                            <a:rPr lang="en-US" altLang="zh-CN" i="1">
                               <a:solidFill>
                                 <a:srgbClr val="FF0000"/>
                               </a:solidFill>
                               <a:latin typeface="Cambria Math" panose="02040503050406030204" pitchFamily="18" charset="0"/>
                             </a:rPr>
-                            <m:t>d</m:t>
+                            <m:t>𝑑</m:t>
                           </m:r>
                           <m:sSup>
                             <m:sSupPr>
@@ -8565,30 +8541,18 @@
                         </m:fPr>
                         <m:num>
                           <m:r>
-                            <m:rPr>
-                              <m:sty m:val="p"/>
-                            </m:rPr>
-                            <a:rPr lang="en-US" altLang="zh-CN">
-                              <a:latin typeface="Cambria Math" panose="02040503050406030204" pitchFamily="18" charset="0"/>
-                            </a:rPr>
-                            <m:t>d</m:t>
+                            <a:rPr lang="en-US" altLang="zh-CN" i="1">
+                              <a:latin typeface="Cambria Math" panose="02040503050406030204" pitchFamily="18" charset="0"/>
+                            </a:rPr>
+                            <m:t>𝑑</m:t>
                           </m:r>
                         </m:num>
                         <m:den>
                           <m:r>
-                            <m:rPr>
-                              <m:sty m:val="p"/>
-                            </m:rPr>
-                            <a:rPr lang="en-US" altLang="zh-CN">
-                              <a:latin typeface="Cambria Math" panose="02040503050406030204" pitchFamily="18" charset="0"/>
-                            </a:rPr>
-                            <m:t>d</m:t>
-                          </m:r>
-                          <m:r>
                             <a:rPr lang="en-US" altLang="zh-CN" i="1">
                               <a:latin typeface="Cambria Math" panose="02040503050406030204" pitchFamily="18" charset="0"/>
                             </a:rPr>
-                            <m:t>𝑥</m:t>
+                            <m:t>𝑑𝑥</m:t>
                           </m:r>
                         </m:den>
                       </m:f>
@@ -8611,36 +8575,18 @@
                             </m:fPr>
                             <m:num>
                               <m:r>
-                                <m:rPr>
-                                  <m:sty m:val="p"/>
-                                </m:rPr>
-                                <a:rPr lang="en-US" altLang="zh-CN">
+                                <a:rPr lang="en-US" altLang="zh-CN" i="1">
                                   <a:latin typeface="Cambria Math" panose="02040503050406030204" pitchFamily="18" charset="0"/>
                                 </a:rPr>
-                                <m:t>d</m:t>
+                                <m:t>𝑑𝑦</m:t>
                               </m:r>
+                            </m:num>
+                            <m:den>
                               <m:r>
                                 <a:rPr lang="en-US" altLang="zh-CN" i="1">
                                   <a:latin typeface="Cambria Math" panose="02040503050406030204" pitchFamily="18" charset="0"/>
                                 </a:rPr>
-                                <m:t>𝑦</m:t>
-                              </m:r>
-                            </m:num>
-                            <m:den>
-                              <m:r>
-                                <m:rPr>
-                                  <m:sty m:val="p"/>
-                                </m:rPr>
-                                <a:rPr lang="en-US" altLang="zh-CN">
-                                  <a:latin typeface="Cambria Math" panose="02040503050406030204" pitchFamily="18" charset="0"/>
-                                </a:rPr>
-                                <m:t>d</m:t>
-                              </m:r>
-                              <m:r>
-                                <a:rPr lang="en-US" altLang="zh-CN" i="1">
-                                  <a:latin typeface="Cambria Math" panose="02040503050406030204" pitchFamily="18" charset="0"/>
-                                </a:rPr>
-                                <m:t>𝑥</m:t>
+                                <m:t>𝑑𝑥</m:t>
                               </m:r>
                             </m:den>
                           </m:f>
@@ -8662,30 +8608,18 @@
                         </m:fPr>
                         <m:num>
                           <m:r>
-                            <m:rPr>
-                              <m:sty m:val="p"/>
-                            </m:rPr>
-                            <a:rPr lang="en-US" altLang="zh-CN">
-                              <a:latin typeface="Cambria Math" panose="02040503050406030204" pitchFamily="18" charset="0"/>
-                            </a:rPr>
-                            <m:t>d</m:t>
+                            <a:rPr lang="en-US" altLang="zh-CN" i="1">
+                              <a:latin typeface="Cambria Math" panose="02040503050406030204" pitchFamily="18" charset="0"/>
+                            </a:rPr>
+                            <m:t>𝑑</m:t>
                           </m:r>
                         </m:num>
                         <m:den>
                           <m:r>
-                            <m:rPr>
-                              <m:sty m:val="p"/>
-                            </m:rPr>
-                            <a:rPr lang="en-US" altLang="zh-CN">
-                              <a:latin typeface="Cambria Math" panose="02040503050406030204" pitchFamily="18" charset="0"/>
-                            </a:rPr>
-                            <m:t>d</m:t>
-                          </m:r>
-                          <m:r>
                             <a:rPr lang="en-US" altLang="zh-CN" i="1">
                               <a:latin typeface="Cambria Math" panose="02040503050406030204" pitchFamily="18" charset="0"/>
                             </a:rPr>
-                            <m:t>𝑡</m:t>
+                            <m:t>𝑑𝑡</m:t>
                           </m:r>
                         </m:den>
                       </m:f>
@@ -8708,36 +8642,18 @@
                             </m:fPr>
                             <m:num>
                               <m:r>
-                                <m:rPr>
-                                  <m:sty m:val="p"/>
-                                </m:rPr>
-                                <a:rPr lang="en-US" altLang="zh-CN">
+                                <a:rPr lang="en-US" altLang="zh-CN" i="1">
                                   <a:latin typeface="Cambria Math" panose="02040503050406030204" pitchFamily="18" charset="0"/>
                                 </a:rPr>
-                                <m:t>d</m:t>
+                                <m:t>𝑑𝑦</m:t>
                               </m:r>
+                            </m:num>
+                            <m:den>
                               <m:r>
                                 <a:rPr lang="en-US" altLang="zh-CN" i="1">
                                   <a:latin typeface="Cambria Math" panose="02040503050406030204" pitchFamily="18" charset="0"/>
                                 </a:rPr>
-                                <m:t>𝑦</m:t>
-                              </m:r>
-                            </m:num>
-                            <m:den>
-                              <m:r>
-                                <m:rPr>
-                                  <m:sty m:val="p"/>
-                                </m:rPr>
-                                <a:rPr lang="en-US" altLang="zh-CN">
-                                  <a:latin typeface="Cambria Math" panose="02040503050406030204" pitchFamily="18" charset="0"/>
-                                </a:rPr>
-                                <m:t>d</m:t>
-                              </m:r>
-                              <m:r>
-                                <a:rPr lang="en-US" altLang="zh-CN" i="1">
-                                  <a:latin typeface="Cambria Math" panose="02040503050406030204" pitchFamily="18" charset="0"/>
-                                </a:rPr>
-                                <m:t>𝑥</m:t>
+                                <m:t>𝑑𝑥</m:t>
                               </m:r>
                             </m:den>
                           </m:f>
@@ -8759,56 +8675,31 @@
                         </m:fPr>
                         <m:num>
                           <m:r>
-                            <a:rPr lang="en-US" altLang="zh-CN" b="0" i="0" smtClean="0">
+                            <a:rPr lang="en-US" altLang="zh-CN" b="0" i="1" smtClean="0">
                               <a:latin typeface="Cambria Math" panose="02040503050406030204" pitchFamily="18" charset="0"/>
                             </a:rPr>
                             <m:t>1</m:t>
                           </m:r>
                         </m:num>
                         <m:den>
-                          <m:f>
-                            <m:fPr>
-                              <m:ctrlPr>
-                                <a:rPr lang="en-US" altLang="zh-CN" i="1">
-                                  <a:latin typeface="Cambria Math" panose="02040503050406030204" pitchFamily="18" charset="0"/>
-                                </a:rPr>
-                              </m:ctrlPr>
-                            </m:fPr>
-                            <m:num>
-                              <m:r>
-                                <m:rPr>
-                                  <m:sty m:val="p"/>
-                                </m:rPr>
-                                <a:rPr lang="en-US" altLang="zh-CN">
-                                  <a:latin typeface="Cambria Math" panose="02040503050406030204" pitchFamily="18" charset="0"/>
-                                </a:rPr>
-                                <m:t>d</m:t>
-                              </m:r>
-                              <m:r>
-                                <a:rPr lang="en-US" altLang="zh-CN" i="1">
-                                  <a:latin typeface="Cambria Math" panose="02040503050406030204" pitchFamily="18" charset="0"/>
-                                </a:rPr>
-                                <m:t>𝑥</m:t>
-                              </m:r>
-                            </m:num>
-                            <m:den>
-                              <m:r>
-                                <m:rPr>
-                                  <m:sty m:val="p"/>
-                                </m:rPr>
-                                <a:rPr lang="en-US" altLang="zh-CN">
-                                  <a:latin typeface="Cambria Math" panose="02040503050406030204" pitchFamily="18" charset="0"/>
-                                </a:rPr>
-                                <m:t>d</m:t>
-                              </m:r>
-                              <m:r>
-                                <a:rPr lang="en-US" altLang="zh-CN" i="1">
-                                  <a:latin typeface="Cambria Math" panose="02040503050406030204" pitchFamily="18" charset="0"/>
-                                </a:rPr>
-                                <m:t>𝑡</m:t>
-                              </m:r>
-                            </m:den>
-                          </m:f>
+                          <m:r>
+                            <a:rPr lang="en-US" altLang="zh-CN" b="0" i="1" smtClean="0">
+                              <a:latin typeface="Cambria Math" panose="02040503050406030204" pitchFamily="18" charset="0"/>
+                            </a:rPr>
+                            <m:t>𝑑𝑥</m:t>
+                          </m:r>
+                          <m:r>
+                            <a:rPr lang="en-US" altLang="zh-CN" b="0" i="1" smtClean="0">
+                              <a:latin typeface="Cambria Math" panose="02040503050406030204" pitchFamily="18" charset="0"/>
+                            </a:rPr>
+                            <m:t>/</m:t>
+                          </m:r>
+                          <m:r>
+                            <a:rPr lang="en-US" altLang="zh-CN" b="0" i="1" smtClean="0">
+                              <a:latin typeface="Cambria Math" panose="02040503050406030204" pitchFamily="18" charset="0"/>
+                            </a:rPr>
+                            <m:t>𝑑𝑡</m:t>
+                          </m:r>
                         </m:den>
                       </m:f>
                       <m:r>
@@ -8831,6 +8722,8 @@
                         <m:e>
                           <m:d>
                             <m:dPr>
+                              <m:begChr m:val="["/>
+                              <m:endChr m:val="]"/>
                               <m:ctrlPr>
                                 <a:rPr lang="en-US" altLang="zh-CN" b="0" i="1" smtClean="0">
                                   <a:solidFill>
@@ -9448,11 +9341,6 @@
                   </a:rPr>
                   <a:t>.</a:t>
                 </a:r>
-                <a:endParaRPr lang="en-US" altLang="zh-CN" dirty="0" smtClean="0">
-                  <a:solidFill>
-                    <a:schemeClr val="tx1"/>
-                  </a:solidFill>
-                </a:endParaRPr>
               </a:p>
             </p:txBody>
           </p:sp>
@@ -9617,6 +9505,67 @@
                                           <p:spTgt spid="4">
                                             <p:txEl>
                                               <p:pRg st="1" end="1"/>
+                                            </p:txEl>
+                                          </p:spTgt>
+                                        </p:tgtEl>
+                                      </p:cBhvr>
+                                    </p:animEffect>
+                                  </p:childTnLst>
+                                </p:cTn>
+                              </p:par>
+                            </p:childTnLst>
+                          </p:cTn>
+                        </p:par>
+                      </p:childTnLst>
+                    </p:cTn>
+                  </p:par>
+                  <p:par>
+                    <p:cTn id="13" fill="hold">
+                      <p:stCondLst>
+                        <p:cond delay="indefinite"/>
+                      </p:stCondLst>
+                      <p:childTnLst>
+                        <p:par>
+                          <p:cTn id="14" fill="hold">
+                            <p:stCondLst>
+                              <p:cond delay="0"/>
+                            </p:stCondLst>
+                            <p:childTnLst>
+                              <p:par>
+                                <p:cTn id="15" presetID="10" presetClass="entr" presetSubtype="0" fill="hold" grpId="0" nodeType="clickEffect">
+                                  <p:stCondLst>
+                                    <p:cond delay="0"/>
+                                  </p:stCondLst>
+                                  <p:childTnLst>
+                                    <p:set>
+                                      <p:cBhvr>
+                                        <p:cTn id="16" dur="1" fill="hold">
+                                          <p:stCondLst>
+                                            <p:cond delay="0"/>
+                                          </p:stCondLst>
+                                        </p:cTn>
+                                        <p:tgtEl>
+                                          <p:spTgt spid="4">
+                                            <p:txEl>
+                                              <p:pRg st="2" end="2"/>
+                                            </p:txEl>
+                                          </p:spTgt>
+                                        </p:tgtEl>
+                                        <p:attrNameLst>
+                                          <p:attrName>style.visibility</p:attrName>
+                                        </p:attrNameLst>
+                                      </p:cBhvr>
+                                      <p:to>
+                                        <p:strVal val="visible"/>
+                                      </p:to>
+                                    </p:set>
+                                    <p:animEffect transition="in" filter="fade">
+                                      <p:cBhvr>
+                                        <p:cTn id="17" dur="500"/>
+                                        <p:tgtEl>
+                                          <p:spTgt spid="4">
+                                            <p:txEl>
+                                              <p:pRg st="2" end="2"/>
                                             </p:txEl>
                                           </p:spTgt>
                                         </p:tgtEl>
@@ -9932,14 +9881,14 @@
                       <m:sSup>
                         <m:sSupPr>
                           <m:ctrlPr>
-                            <a:rPr lang="en-US" altLang="zh-CN" sz="2800" b="0" i="1" smtClean="0">
+                            <a:rPr lang="en-US" altLang="zh-CN" b="0" i="1" smtClean="0">
                               <a:latin typeface="Cambria Math" panose="02040503050406030204" pitchFamily="18" charset="0"/>
                             </a:rPr>
                           </m:ctrlPr>
                         </m:sSupPr>
                         <m:e>
                           <m:r>
-                            <a:rPr lang="en-US" altLang="zh-CN" sz="2800" b="0" i="1" smtClean="0">
+                            <a:rPr lang="en-US" altLang="zh-CN" b="0" i="1" smtClean="0">
                               <a:latin typeface="Cambria Math" panose="02040503050406030204" pitchFamily="18" charset="0"/>
                             </a:rPr>
                             <m:t>𝑦</m:t>
@@ -9947,7 +9896,7 @@
                         </m:e>
                         <m:sup>
                           <m:r>
-                            <a:rPr lang="en-US" altLang="zh-CN" sz="2800" b="0" i="1" smtClean="0">
+                            <a:rPr lang="en-US" altLang="zh-CN" b="0" i="1" smtClean="0">
                               <a:latin typeface="Cambria Math" panose="02040503050406030204" pitchFamily="18" charset="0"/>
                             </a:rPr>
                             <m:t>′</m:t>
@@ -9955,7 +9904,10 @@
                         </m:sup>
                       </m:sSup>
                       <m:r>
-                        <a:rPr lang="en-US" altLang="zh-CN" sz="2800" b="0" i="1" smtClean="0">
+                        <m:rPr>
+                          <m:aln/>
+                        </m:rPr>
+                        <a:rPr lang="en-US" altLang="zh-CN" b="0" i="1" smtClean="0">
                           <a:latin typeface="Cambria Math" panose="02040503050406030204" pitchFamily="18" charset="0"/>
                         </a:rPr>
                         <m:t>=</m:t>
@@ -9963,7 +9915,7 @@
                       <m:f>
                         <m:fPr>
                           <m:ctrlPr>
-                            <a:rPr lang="en-US" altLang="zh-CN" sz="2800" i="1" smtClean="0">
+                            <a:rPr lang="en-US" altLang="zh-CN" i="1" smtClean="0">
                               <a:solidFill>
                                 <a:schemeClr val="tx1"/>
                               </a:solidFill>
@@ -9973,53 +9925,29 @@
                         </m:fPr>
                         <m:num>
                           <m:r>
-                            <m:rPr>
-                              <m:sty m:val="p"/>
-                            </m:rPr>
-                            <a:rPr lang="en-US" altLang="zh-CN" sz="2800">
+                            <a:rPr lang="en-US" altLang="zh-CN" i="1">
                               <a:solidFill>
                                 <a:schemeClr val="tx1"/>
                               </a:solidFill>
                               <a:latin typeface="Cambria Math" panose="02040503050406030204" pitchFamily="18" charset="0"/>
                             </a:rPr>
-                            <m:t>d</m:t>
-                          </m:r>
-                          <m:r>
-                            <a:rPr lang="en-US" altLang="zh-CN" sz="2800" i="1">
-                              <a:solidFill>
-                                <a:schemeClr val="tx1"/>
-                              </a:solidFill>
-                              <a:latin typeface="Cambria Math" panose="02040503050406030204" pitchFamily="18" charset="0"/>
-                            </a:rPr>
-                            <m:t>𝑦</m:t>
+                            <m:t>𝑑𝑦</m:t>
                           </m:r>
                         </m:num>
                         <m:den>
                           <m:r>
-                            <m:rPr>
-                              <m:sty m:val="p"/>
-                            </m:rPr>
-                            <a:rPr lang="en-US" altLang="zh-CN" sz="2800">
+                            <a:rPr lang="en-US" altLang="zh-CN" i="1">
                               <a:solidFill>
                                 <a:schemeClr val="tx1"/>
                               </a:solidFill>
                               <a:latin typeface="Cambria Math" panose="02040503050406030204" pitchFamily="18" charset="0"/>
                             </a:rPr>
-                            <m:t>d</m:t>
-                          </m:r>
-                          <m:r>
-                            <a:rPr lang="en-US" altLang="zh-CN" sz="2800" i="1">
-                              <a:solidFill>
-                                <a:schemeClr val="tx1"/>
-                              </a:solidFill>
-                              <a:latin typeface="Cambria Math" panose="02040503050406030204" pitchFamily="18" charset="0"/>
-                            </a:rPr>
-                            <m:t>𝑥</m:t>
+                            <m:t>𝑑𝑥</m:t>
                           </m:r>
                         </m:den>
                       </m:f>
                       <m:r>
-                        <a:rPr lang="en-US" altLang="zh-CN" sz="2800" i="1">
+                        <a:rPr lang="en-US" altLang="zh-CN" i="1">
                           <a:solidFill>
                             <a:schemeClr val="tx1"/>
                           </a:solidFill>
@@ -10030,7 +9958,7 @@
                       <m:f>
                         <m:fPr>
                           <m:ctrlPr>
-                            <a:rPr lang="en-US" altLang="zh-CN" sz="2800" i="1" smtClean="0">
+                            <a:rPr lang="en-US" altLang="zh-CN" i="1" smtClean="0">
                               <a:solidFill>
                                 <a:schemeClr val="tx1"/>
                               </a:solidFill>
@@ -10040,113 +9968,65 @@
                         </m:fPr>
                         <m:num>
                           <m:r>
-                            <m:rPr>
-                              <m:sty m:val="p"/>
-                            </m:rPr>
-                            <a:rPr lang="en-US" altLang="zh-CN" sz="2800">
+                            <a:rPr lang="en-US" altLang="zh-CN" b="0" i="1" smtClean="0">
                               <a:solidFill>
                                 <a:schemeClr val="tx1"/>
                               </a:solidFill>
                               <a:latin typeface="Cambria Math" panose="02040503050406030204" pitchFamily="18" charset="0"/>
                             </a:rPr>
-                            <m:t>d</m:t>
+                            <m:t>𝑑𝑦</m:t>
                           </m:r>
                           <m:r>
-                            <a:rPr lang="en-US" altLang="zh-CN" sz="2800" i="1">
+                            <a:rPr lang="en-US" altLang="zh-CN" b="0" i="1" smtClean="0">
                               <a:solidFill>
                                 <a:schemeClr val="tx1"/>
                               </a:solidFill>
                               <a:latin typeface="Cambria Math" panose="02040503050406030204" pitchFamily="18" charset="0"/>
                             </a:rPr>
-                            <m:t>𝑦</m:t>
+                            <m:t>/</m:t>
                           </m:r>
                           <m:r>
-                            <a:rPr lang="en-US" altLang="zh-CN" sz="2800" i="1">
+                            <a:rPr lang="en-US" altLang="zh-CN" b="0" i="1" smtClean="0">
                               <a:solidFill>
                                 <a:schemeClr val="tx1"/>
                               </a:solidFill>
                               <a:latin typeface="Cambria Math" panose="02040503050406030204" pitchFamily="18" charset="0"/>
                             </a:rPr>
-                            <m:t>/</m:t>
-                          </m:r>
-                          <m:r>
-                            <m:rPr>
-                              <m:sty m:val="p"/>
-                            </m:rPr>
-                            <a:rPr lang="en-US" altLang="zh-CN" sz="2800">
-                              <a:solidFill>
-                                <a:schemeClr val="tx1"/>
-                              </a:solidFill>
-                              <a:latin typeface="Cambria Math" panose="02040503050406030204" pitchFamily="18" charset="0"/>
-                            </a:rPr>
-                            <m:t>d</m:t>
-                          </m:r>
-                          <m:r>
-                            <a:rPr lang="en-US" altLang="zh-CN" sz="2800" i="1">
-                              <a:solidFill>
-                                <a:schemeClr val="tx1"/>
-                              </a:solidFill>
-                              <a:latin typeface="Cambria Math" panose="02040503050406030204" pitchFamily="18" charset="0"/>
-                            </a:rPr>
-                            <m:t>𝑡</m:t>
+                            <m:t>𝑑𝑡</m:t>
                           </m:r>
                         </m:num>
                         <m:den>
                           <m:r>
-                            <m:rPr>
-                              <m:sty m:val="p"/>
-                            </m:rPr>
-                            <a:rPr lang="en-US" altLang="zh-CN" sz="2800">
+                            <a:rPr lang="en-US" altLang="zh-CN" b="0" i="1" smtClean="0">
                               <a:solidFill>
                                 <a:schemeClr val="tx1"/>
                               </a:solidFill>
                               <a:latin typeface="Cambria Math" panose="02040503050406030204" pitchFamily="18" charset="0"/>
                             </a:rPr>
-                            <m:t>d</m:t>
+                            <m:t>𝑑𝑥</m:t>
                           </m:r>
                           <m:r>
-                            <a:rPr lang="en-US" altLang="zh-CN" sz="2800" i="1">
+                            <a:rPr lang="en-US" altLang="zh-CN" b="0" i="1" smtClean="0">
                               <a:solidFill>
                                 <a:schemeClr val="tx1"/>
                               </a:solidFill>
                               <a:latin typeface="Cambria Math" panose="02040503050406030204" pitchFamily="18" charset="0"/>
                             </a:rPr>
-                            <m:t>𝑥</m:t>
+                            <m:t>/</m:t>
                           </m:r>
                           <m:r>
-                            <a:rPr lang="en-US" altLang="zh-CN" sz="2800" i="1">
+                            <a:rPr lang="en-US" altLang="zh-CN" b="0" i="1" smtClean="0">
                               <a:solidFill>
                                 <a:schemeClr val="tx1"/>
                               </a:solidFill>
                               <a:latin typeface="Cambria Math" panose="02040503050406030204" pitchFamily="18" charset="0"/>
                             </a:rPr>
-                            <m:t>/</m:t>
-                          </m:r>
-                          <m:r>
-                            <m:rPr>
-                              <m:sty m:val="p"/>
-                            </m:rPr>
-                            <a:rPr lang="en-US" altLang="zh-CN" sz="2800">
-                              <a:solidFill>
-                                <a:schemeClr val="tx1"/>
-                              </a:solidFill>
-                              <a:latin typeface="Cambria Math" panose="02040503050406030204" pitchFamily="18" charset="0"/>
-                            </a:rPr>
-                            <m:t>d</m:t>
-                          </m:r>
-                          <m:r>
-                            <a:rPr lang="en-US" altLang="zh-CN" sz="2800" i="1">
-                              <a:solidFill>
-                                <a:schemeClr val="tx1"/>
-                              </a:solidFill>
-                              <a:latin typeface="Cambria Math" panose="02040503050406030204" pitchFamily="18" charset="0"/>
-                            </a:rPr>
-                            <m:t>𝑡</m:t>
+                            <m:t>𝑑𝑡</m:t>
                           </m:r>
                         </m:den>
                       </m:f>
                       <m:r>
-                        <a:rPr lang="en-US" altLang="zh-CN" sz="2800" i="1">
+                        <a:rPr lang="en-US" altLang="zh-CN" i="1">
                           <a:solidFill>
                             <a:schemeClr val="tx1"/>
                           </a:solidFill>
@@ -10157,7 +10037,7 @@
                       <m:f>
                         <m:fPr>
                           <m:ctrlPr>
-                            <a:rPr lang="en-US" altLang="zh-CN" sz="2800" i="1">
+                            <a:rPr lang="en-US" altLang="zh-CN" i="1">
                               <a:solidFill>
                                 <a:schemeClr val="tx1"/>
                               </a:solidFill>
@@ -10167,7 +10047,7 @@
                         </m:fPr>
                         <m:num>
                           <m:r>
-                            <a:rPr lang="en-US" altLang="zh-CN" sz="2800" b="0" i="1" smtClean="0">
+                            <a:rPr lang="en-US" altLang="zh-CN" b="0" i="1" smtClean="0">
                               <a:solidFill>
                                 <a:schemeClr val="tx1"/>
                               </a:solidFill>
@@ -10178,7 +10058,7 @@
                           <m:sSup>
                             <m:sSupPr>
                               <m:ctrlPr>
-                                <a:rPr lang="en-US" altLang="zh-CN" sz="2800" b="0" i="1" smtClean="0">
+                                <a:rPr lang="en-US" altLang="zh-CN" b="0" i="1" smtClean="0">
                                   <a:solidFill>
                                     <a:schemeClr val="tx1"/>
                                   </a:solidFill>
@@ -10188,7 +10068,7 @@
                             </m:sSupPr>
                             <m:e>
                               <m:r>
-                                <a:rPr lang="en-US" altLang="zh-CN" sz="2800" b="0" i="1" smtClean="0">
+                                <a:rPr lang="en-US" altLang="zh-CN" b="0" i="1" smtClean="0">
                                   <a:solidFill>
                                     <a:schemeClr val="tx1"/>
                                   </a:solidFill>
@@ -10199,7 +10079,7 @@
                             </m:e>
                             <m:sup>
                               <m:r>
-                                <a:rPr lang="en-US" altLang="zh-CN" sz="2800" b="0" i="1" smtClean="0">
+                                <a:rPr lang="en-US" altLang="zh-CN" b="0" i="1" smtClean="0">
                                   <a:solidFill>
                                     <a:schemeClr val="tx1"/>
                                   </a:solidFill>
@@ -10210,7 +10090,7 @@
                             </m:sup>
                           </m:sSup>
                           <m:r>
-                            <a:rPr lang="en-US" altLang="zh-CN" sz="2800" b="0" i="1" smtClean="0">
+                            <a:rPr lang="en-US" altLang="zh-CN" b="0" i="1" smtClean="0">
                               <a:solidFill>
                                 <a:schemeClr val="tx1"/>
                               </a:solidFill>
@@ -10221,7 +10101,7 @@
                         </m:num>
                         <m:den>
                           <m:r>
-                            <a:rPr lang="en-US" altLang="zh-CN" sz="2800" b="0" i="1" smtClean="0">
+                            <a:rPr lang="en-US" altLang="zh-CN" b="0" i="1" smtClean="0">
                               <a:solidFill>
                                 <a:schemeClr val="tx1"/>
                               </a:solidFill>
@@ -10232,7 +10112,7 @@
                           <m:sSup>
                             <m:sSupPr>
                               <m:ctrlPr>
-                                <a:rPr lang="en-US" altLang="zh-CN" sz="2800" b="0" i="1" smtClean="0">
+                                <a:rPr lang="en-US" altLang="zh-CN" b="0" i="1" smtClean="0">
                                   <a:solidFill>
                                     <a:schemeClr val="tx1"/>
                                   </a:solidFill>
@@ -10242,7 +10122,7 @@
                             </m:sSupPr>
                             <m:e>
                               <m:r>
-                                <a:rPr lang="en-US" altLang="zh-CN" sz="2800" b="0" i="1" smtClean="0">
+                                <a:rPr lang="en-US" altLang="zh-CN" b="0" i="1" smtClean="0">
                                   <a:solidFill>
                                     <a:schemeClr val="tx1"/>
                                   </a:solidFill>
@@ -10253,7 +10133,7 @@
                             </m:e>
                             <m:sup>
                               <m:r>
-                                <a:rPr lang="en-US" altLang="zh-CN" sz="2800" b="0" i="1" smtClean="0">
+                                <a:rPr lang="en-US" altLang="zh-CN" b="0" i="1" smtClean="0">
                                   <a:solidFill>
                                     <a:schemeClr val="tx1"/>
                                   </a:solidFill>
@@ -10264,7 +10144,7 @@
                             </m:sup>
                           </m:sSup>
                           <m:r>
-                            <a:rPr lang="en-US" altLang="zh-CN" sz="2800" b="0" i="1" smtClean="0">
+                            <a:rPr lang="en-US" altLang="zh-CN" b="0" i="1" smtClean="0">
                               <a:solidFill>
                                 <a:schemeClr val="tx1"/>
                               </a:solidFill>
@@ -10275,7 +10155,7 @@
                         </m:den>
                       </m:f>
                       <m:r>
-                        <a:rPr lang="en-US" altLang="zh-CN" sz="2800" b="0" i="1" smtClean="0">
+                        <a:rPr lang="en-US" altLang="zh-CN" b="0" i="1" smtClean="0">
                           <a:solidFill>
                             <a:schemeClr val="tx1"/>
                           </a:solidFill>
@@ -10286,7 +10166,7 @@
                       <m:f>
                         <m:fPr>
                           <m:ctrlPr>
-                            <a:rPr lang="en-US" altLang="zh-CN" sz="2800" b="0" i="1" smtClean="0">
+                            <a:rPr lang="en-US" altLang="zh-CN" b="0" i="1" smtClean="0">
                               <a:solidFill>
                                 <a:schemeClr val="tx1"/>
                               </a:solidFill>
@@ -10298,7 +10178,7 @@
                           <m:sSup>
                             <m:sSupPr>
                               <m:ctrlPr>
-                                <a:rPr lang="en-US" altLang="zh-CN" sz="2800" b="0" i="1" smtClean="0">
+                                <a:rPr lang="en-US" altLang="zh-CN" b="0" i="1" smtClean="0">
                                   <a:solidFill>
                                     <a:schemeClr val="tx1"/>
                                   </a:solidFill>
@@ -10308,7 +10188,7 @@
                             </m:sSupPr>
                             <m:e>
                               <m:r>
-                                <a:rPr lang="en-US" altLang="zh-CN" sz="2800" b="0" i="1" smtClean="0">
+                                <a:rPr lang="en-US" altLang="zh-CN" b="0" i="1" smtClean="0">
                                   <a:solidFill>
                                     <a:schemeClr val="tx1"/>
                                   </a:solidFill>
@@ -10319,7 +10199,7 @@
                             </m:e>
                             <m:sup>
                               <m:r>
-                                <a:rPr lang="en-US" altLang="zh-CN" sz="2800" b="0" i="1" smtClean="0">
+                                <a:rPr lang="en-US" altLang="zh-CN" b="0" i="1" smtClean="0">
                                   <a:solidFill>
                                     <a:schemeClr val="tx1"/>
                                   </a:solidFill>
@@ -10330,7 +10210,7 @@
                             </m:sup>
                           </m:sSup>
                           <m:r>
-                            <a:rPr lang="en-US" altLang="zh-CN" sz="2800" b="0" i="1" smtClean="0">
+                            <a:rPr lang="en-US" altLang="zh-CN" b="0" i="1" smtClean="0">
                               <a:solidFill>
                                 <a:schemeClr val="tx1"/>
                               </a:solidFill>
@@ -10343,7 +10223,7 @@
                           <m:sSup>
                             <m:sSupPr>
                               <m:ctrlPr>
-                                <a:rPr lang="en-US" altLang="zh-CN" sz="2800" b="0" i="1" smtClean="0">
+                                <a:rPr lang="en-US" altLang="zh-CN" b="0" i="1" smtClean="0">
                                   <a:solidFill>
                                     <a:schemeClr val="tx1"/>
                                   </a:solidFill>
@@ -10353,7 +10233,7 @@
                             </m:sSupPr>
                             <m:e>
                               <m:r>
-                                <a:rPr lang="en-US" altLang="zh-CN" sz="2800" b="0" i="1" smtClean="0">
+                                <a:rPr lang="en-US" altLang="zh-CN" b="0" i="1" smtClean="0">
                                   <a:solidFill>
                                     <a:schemeClr val="tx1"/>
                                   </a:solidFill>
@@ -10364,7 +10244,7 @@
                             </m:e>
                             <m:sup>
                               <m:r>
-                                <a:rPr lang="en-US" altLang="zh-CN" sz="2800" b="0" i="1" smtClean="0">
+                                <a:rPr lang="en-US" altLang="zh-CN" b="0" i="1" smtClean="0">
                                   <a:solidFill>
                                     <a:schemeClr val="tx1"/>
                                   </a:solidFill>
@@ -10375,7 +10255,7 @@
                             </m:sup>
                           </m:sSup>
                           <m:r>
-                            <a:rPr lang="en-US" altLang="zh-CN" sz="2800" b="0" i="1" smtClean="0">
+                            <a:rPr lang="en-US" altLang="zh-CN" b="0" i="1" smtClean="0">
                               <a:solidFill>
                                 <a:schemeClr val="tx1"/>
                               </a:solidFill>
@@ -10386,7 +10266,7 @@
                         </m:den>
                       </m:f>
                       <m:r>
-                        <a:rPr lang="en-US" altLang="zh-CN" sz="2800" b="0" i="1" smtClean="0">
+                        <a:rPr lang="en-US" altLang="zh-CN" b="0" i="1" smtClean="0">
                           <a:solidFill>
                             <a:schemeClr val="tx1"/>
                           </a:solidFill>
@@ -10397,7 +10277,7 @@
                       <m:f>
                         <m:fPr>
                           <m:ctrlPr>
-                            <a:rPr lang="en-US" altLang="zh-CN" sz="2800" b="0" i="1" smtClean="0">
+                            <a:rPr lang="en-US" altLang="zh-CN" b="0" i="1" smtClean="0">
                               <a:solidFill>
                                 <a:schemeClr val="tx1"/>
                               </a:solidFill>
@@ -10407,7 +10287,7 @@
                         </m:fPr>
                         <m:num>
                           <m:r>
-                            <a:rPr lang="en-US" altLang="zh-CN" sz="2800" b="0" i="1" smtClean="0">
+                            <a:rPr lang="en-US" altLang="zh-CN" b="0" i="1" smtClean="0">
                               <a:solidFill>
                                 <a:schemeClr val="tx1"/>
                               </a:solidFill>
@@ -10420,7 +10300,7 @@
                           <m:sSup>
                             <m:sSupPr>
                               <m:ctrlPr>
-                                <a:rPr lang="en-US" altLang="zh-CN" sz="2800" b="0" i="1" smtClean="0">
+                                <a:rPr lang="en-US" altLang="zh-CN" b="0" i="1" smtClean="0">
                                   <a:solidFill>
                                     <a:schemeClr val="tx1"/>
                                   </a:solidFill>
@@ -10430,7 +10310,7 @@
                             </m:sSupPr>
                             <m:e>
                               <m:r>
-                                <a:rPr lang="en-US" altLang="zh-CN" sz="2800" b="0" i="1" smtClean="0">
+                                <a:rPr lang="en-US" altLang="zh-CN" b="0" i="1" smtClean="0">
                                   <a:solidFill>
                                     <a:schemeClr val="tx1"/>
                                   </a:solidFill>
@@ -10441,7 +10321,7 @@
                             </m:e>
                             <m:sup>
                               <m:r>
-                                <a:rPr lang="en-US" altLang="zh-CN" sz="2800" b="0" i="1" smtClean="0">
+                                <a:rPr lang="en-US" altLang="zh-CN" b="0" i="1" smtClean="0">
                                   <a:solidFill>
                                     <a:schemeClr val="tx1"/>
                                   </a:solidFill>
@@ -10452,7 +10332,7 @@
                             </m:sup>
                           </m:sSup>
                           <m:r>
-                            <a:rPr lang="en-US" altLang="zh-CN" sz="2800" b="0" i="1" smtClean="0">
+                            <a:rPr lang="en-US" altLang="zh-CN" b="0" i="1" smtClean="0">
                               <a:solidFill>
                                 <a:schemeClr val="tx1"/>
                               </a:solidFill>
@@ -10463,37 +10343,24 @@
                         </m:den>
                       </m:f>
                       <m:r>
-                        <a:rPr lang="en-US" altLang="zh-CN" sz="2800" i="1">
+                        <a:rPr lang="en-US" altLang="zh-CN" i="1">
                           <a:latin typeface="Cambria Math" panose="02040503050406030204" pitchFamily="18" charset="0"/>
                         </a:rPr>
                         <m:t>,</m:t>
                       </m:r>
                     </m:oMath>
-                  </m:oMathPara>
-                </a14:m>
-                <a:endParaRPr lang="en-US" altLang="zh-CN" dirty="0" smtClean="0"/>
-              </a:p>
-              <a:p>
-                <a:pPr marL="0" indent="0">
-                  <a:buNone/>
-                </a:pPr>
-                <a14:m>
-                  <m:oMathPara xmlns:m="http://schemas.openxmlformats.org/officeDocument/2006/math">
-                    <m:oMathParaPr>
-                      <m:jc m:val="centerGroup"/>
-                    </m:oMathParaPr>
                     <m:oMath xmlns:m="http://schemas.openxmlformats.org/officeDocument/2006/math">
                       <m:sSup>
                         <m:sSupPr>
                           <m:ctrlPr>
-                            <a:rPr lang="en-US" altLang="zh-CN" sz="2800" i="1">
+                            <a:rPr lang="en-US" altLang="zh-CN" i="1">
                               <a:latin typeface="Cambria Math" panose="02040503050406030204" pitchFamily="18" charset="0"/>
                             </a:rPr>
                           </m:ctrlPr>
                         </m:sSupPr>
                         <m:e>
                           <m:r>
-                            <a:rPr lang="en-US" altLang="zh-CN" sz="2800" i="1">
+                            <a:rPr lang="en-US" altLang="zh-CN" i="1">
                               <a:latin typeface="Cambria Math" panose="02040503050406030204" pitchFamily="18" charset="0"/>
                             </a:rPr>
                             <m:t>𝑦</m:t>
@@ -10501,13 +10368,13 @@
                         </m:e>
                         <m:sup>
                           <m:r>
-                            <a:rPr lang="en-US" altLang="zh-CN" sz="2800" i="1">
+                            <a:rPr lang="en-US" altLang="zh-CN" i="1">
                               <a:latin typeface="Cambria Math" panose="02040503050406030204" pitchFamily="18" charset="0"/>
                             </a:rPr>
                             <m:t>′</m:t>
                           </m:r>
                           <m:r>
-                            <a:rPr lang="en-US" altLang="zh-CN" sz="2800" b="0" i="1" smtClean="0">
+                            <a:rPr lang="en-US" altLang="zh-CN" b="0" i="1" smtClean="0">
                               <a:latin typeface="Cambria Math" panose="02040503050406030204" pitchFamily="18" charset="0"/>
                             </a:rPr>
                             <m:t>′</m:t>
@@ -10515,7 +10382,10 @@
                         </m:sup>
                       </m:sSup>
                       <m:r>
-                        <a:rPr lang="en-US" altLang="zh-CN" sz="2800" i="1">
+                        <m:rPr>
+                          <m:aln/>
+                        </m:rPr>
+                        <a:rPr lang="en-US" altLang="zh-CN" i="1">
                           <a:latin typeface="Cambria Math" panose="02040503050406030204" pitchFamily="18" charset="0"/>
                         </a:rPr>
                         <m:t>=</m:t>
@@ -10523,32 +10393,29 @@
                       <m:f>
                         <m:fPr>
                           <m:ctrlPr>
-                            <a:rPr lang="en-US" altLang="zh-CN" sz="2800" i="1">
+                            <a:rPr lang="en-US" altLang="zh-CN" i="1">
                               <a:latin typeface="Cambria Math" panose="02040503050406030204" pitchFamily="18" charset="0"/>
                             </a:rPr>
                           </m:ctrlPr>
                         </m:fPr>
                         <m:num>
                           <m:r>
-                            <m:rPr>
-                              <m:sty m:val="p"/>
-                            </m:rPr>
-                            <a:rPr lang="en-US" altLang="zh-CN" sz="2800">
-                              <a:latin typeface="Cambria Math" panose="02040503050406030204" pitchFamily="18" charset="0"/>
-                            </a:rPr>
-                            <m:t>d</m:t>
+                            <a:rPr lang="en-US" altLang="zh-CN" i="1">
+                              <a:latin typeface="Cambria Math" panose="02040503050406030204" pitchFamily="18" charset="0"/>
+                            </a:rPr>
+                            <m:t>𝑑</m:t>
                           </m:r>
                           <m:sSup>
                             <m:sSupPr>
                               <m:ctrlPr>
-                                <a:rPr lang="en-US" altLang="zh-CN" sz="2800" b="0" i="1" smtClean="0">
+                                <a:rPr lang="en-US" altLang="zh-CN" b="0" i="1" smtClean="0">
                                   <a:latin typeface="Cambria Math" panose="02040503050406030204" pitchFamily="18" charset="0"/>
                                 </a:rPr>
                               </m:ctrlPr>
                             </m:sSupPr>
                             <m:e>
                               <m:r>
-                                <a:rPr lang="en-US" altLang="zh-CN" sz="2800" i="1">
+                                <a:rPr lang="en-US" altLang="zh-CN" i="1">
                                   <a:latin typeface="Cambria Math" panose="02040503050406030204" pitchFamily="18" charset="0"/>
                                 </a:rPr>
                                 <m:t>𝑦</m:t>
@@ -10556,7 +10423,7 @@
                             </m:e>
                             <m:sup>
                               <m:r>
-                                <a:rPr lang="en-US" altLang="zh-CN" sz="2800" b="0" i="1" smtClean="0">
+                                <a:rPr lang="en-US" altLang="zh-CN" b="0" i="1" smtClean="0">
                                   <a:latin typeface="Cambria Math" panose="02040503050406030204" pitchFamily="18" charset="0"/>
                                 </a:rPr>
                                 <m:t>′</m:t>
@@ -10566,24 +10433,15 @@
                         </m:num>
                         <m:den>
                           <m:r>
-                            <m:rPr>
-                              <m:sty m:val="p"/>
-                            </m:rPr>
-                            <a:rPr lang="en-US" altLang="zh-CN" sz="2800">
-                              <a:latin typeface="Cambria Math" panose="02040503050406030204" pitchFamily="18" charset="0"/>
-                            </a:rPr>
-                            <m:t>d</m:t>
-                          </m:r>
-                          <m:r>
-                            <a:rPr lang="en-US" altLang="zh-CN" sz="2800" i="1">
-                              <a:latin typeface="Cambria Math" panose="02040503050406030204" pitchFamily="18" charset="0"/>
-                            </a:rPr>
-                            <m:t>𝑥</m:t>
+                            <a:rPr lang="en-US" altLang="zh-CN" i="1">
+                              <a:latin typeface="Cambria Math" panose="02040503050406030204" pitchFamily="18" charset="0"/>
+                            </a:rPr>
+                            <m:t>𝑑𝑥</m:t>
                           </m:r>
                         </m:den>
                       </m:f>
                       <m:r>
-                        <a:rPr lang="en-US" altLang="zh-CN" sz="2800" i="1">
+                        <a:rPr lang="en-US" altLang="zh-CN" i="1">
                           <a:latin typeface="Cambria Math" panose="02040503050406030204" pitchFamily="18" charset="0"/>
                         </a:rPr>
                         <m:t>=</m:t>
@@ -10591,32 +10449,29 @@
                       <m:f>
                         <m:fPr>
                           <m:ctrlPr>
-                            <a:rPr lang="en-US" altLang="zh-CN" sz="2800" i="1">
+                            <a:rPr lang="en-US" altLang="zh-CN" i="1">
                               <a:latin typeface="Cambria Math" panose="02040503050406030204" pitchFamily="18" charset="0"/>
                             </a:rPr>
                           </m:ctrlPr>
                         </m:fPr>
                         <m:num>
                           <m:r>
-                            <m:rPr>
-                              <m:sty m:val="p"/>
-                            </m:rPr>
-                            <a:rPr lang="en-US" altLang="zh-CN" sz="2800">
-                              <a:latin typeface="Cambria Math" panose="02040503050406030204" pitchFamily="18" charset="0"/>
-                            </a:rPr>
-                            <m:t>d</m:t>
+                            <a:rPr lang="en-US" altLang="zh-CN" i="1" smtClean="0">
+                              <a:latin typeface="Cambria Math" panose="02040503050406030204" pitchFamily="18" charset="0"/>
+                            </a:rPr>
+                            <m:t>𝑑</m:t>
                           </m:r>
                           <m:sSup>
                             <m:sSupPr>
                               <m:ctrlPr>
-                                <a:rPr lang="en-US" altLang="zh-CN" sz="2800" b="0" i="1" smtClean="0">
+                                <a:rPr lang="en-US" altLang="zh-CN" b="0" i="1" smtClean="0">
                                   <a:latin typeface="Cambria Math" panose="02040503050406030204" pitchFamily="18" charset="0"/>
                                 </a:rPr>
                               </m:ctrlPr>
                             </m:sSupPr>
                             <m:e>
                               <m:r>
-                                <a:rPr lang="en-US" altLang="zh-CN" sz="2800" i="1">
+                                <a:rPr lang="en-US" altLang="zh-CN" b="0" i="1" smtClean="0">
                                   <a:latin typeface="Cambria Math" panose="02040503050406030204" pitchFamily="18" charset="0"/>
                                 </a:rPr>
                                 <m:t>𝑦</m:t>
@@ -10624,7 +10479,7 @@
                             </m:e>
                             <m:sup>
                               <m:r>
-                                <a:rPr lang="en-US" altLang="zh-CN" sz="2800" b="0" i="1" smtClean="0">
+                                <a:rPr lang="en-US" altLang="zh-CN" b="0" i="1" smtClean="0">
                                   <a:latin typeface="Cambria Math" panose="02040503050406030204" pitchFamily="18" charset="0"/>
                                 </a:rPr>
                                 <m:t>′</m:t>
@@ -10632,68 +10487,41 @@
                             </m:sup>
                           </m:sSup>
                           <m:r>
-                            <a:rPr lang="en-US" altLang="zh-CN" sz="2800" i="1">
+                            <a:rPr lang="en-US" altLang="zh-CN" b="0" i="1" smtClean="0">
                               <a:latin typeface="Cambria Math" panose="02040503050406030204" pitchFamily="18" charset="0"/>
                             </a:rPr>
                             <m:t>/</m:t>
                           </m:r>
                           <m:r>
-                            <m:rPr>
-                              <m:sty m:val="p"/>
-                            </m:rPr>
-                            <a:rPr lang="en-US" altLang="zh-CN" sz="2800">
-                              <a:latin typeface="Cambria Math" panose="02040503050406030204" pitchFamily="18" charset="0"/>
-                            </a:rPr>
-                            <m:t>d</m:t>
-                          </m:r>
-                          <m:r>
-                            <a:rPr lang="en-US" altLang="zh-CN" sz="2800" i="1">
-                              <a:latin typeface="Cambria Math" panose="02040503050406030204" pitchFamily="18" charset="0"/>
-                            </a:rPr>
-                            <m:t>𝑡</m:t>
+                            <a:rPr lang="en-US" altLang="zh-CN" b="0" i="1" smtClean="0">
+                              <a:latin typeface="Cambria Math" panose="02040503050406030204" pitchFamily="18" charset="0"/>
+                            </a:rPr>
+                            <m:t>𝑑𝑡</m:t>
                           </m:r>
                         </m:num>
                         <m:den>
                           <m:r>
-                            <m:rPr>
-                              <m:sty m:val="p"/>
-                            </m:rPr>
-                            <a:rPr lang="en-US" altLang="zh-CN" sz="2800">
-                              <a:latin typeface="Cambria Math" panose="02040503050406030204" pitchFamily="18" charset="0"/>
-                            </a:rPr>
-                            <m:t>d</m:t>
+                            <a:rPr lang="en-US" altLang="zh-CN" b="0" i="1" smtClean="0">
+                              <a:latin typeface="Cambria Math" panose="02040503050406030204" pitchFamily="18" charset="0"/>
+                            </a:rPr>
+                            <m:t>𝑑𝑥</m:t>
                           </m:r>
                           <m:r>
-                            <a:rPr lang="en-US" altLang="zh-CN" sz="2800" i="1">
-                              <a:latin typeface="Cambria Math" panose="02040503050406030204" pitchFamily="18" charset="0"/>
-                            </a:rPr>
-                            <m:t>𝑥</m:t>
-                          </m:r>
-                          <m:r>
-                            <a:rPr lang="en-US" altLang="zh-CN" sz="2800" i="1">
+                            <a:rPr lang="en-US" altLang="zh-CN" b="0" i="1" smtClean="0">
                               <a:latin typeface="Cambria Math" panose="02040503050406030204" pitchFamily="18" charset="0"/>
                             </a:rPr>
                             <m:t>/</m:t>
                           </m:r>
                           <m:r>
-                            <m:rPr>
-                              <m:sty m:val="p"/>
-                            </m:rPr>
-                            <a:rPr lang="en-US" altLang="zh-CN" sz="2800">
-                              <a:latin typeface="Cambria Math" panose="02040503050406030204" pitchFamily="18" charset="0"/>
-                            </a:rPr>
-                            <m:t>d</m:t>
-                          </m:r>
-                          <m:r>
-                            <a:rPr lang="en-US" altLang="zh-CN" sz="2800" i="1">
-                              <a:latin typeface="Cambria Math" panose="02040503050406030204" pitchFamily="18" charset="0"/>
-                            </a:rPr>
-                            <m:t>𝑡</m:t>
+                            <a:rPr lang="en-US" altLang="zh-CN" b="0" i="1" smtClean="0">
+                              <a:latin typeface="Cambria Math" panose="02040503050406030204" pitchFamily="18" charset="0"/>
+                            </a:rPr>
+                            <m:t>𝑑𝑡</m:t>
                           </m:r>
                         </m:den>
                       </m:f>
                       <m:r>
-                        <a:rPr lang="en-US" altLang="zh-CN" sz="2800" b="0" i="1" smtClean="0">
+                        <a:rPr lang="en-US" altLang="zh-CN" b="0" i="1" smtClean="0">
                           <a:latin typeface="Cambria Math" panose="02040503050406030204" pitchFamily="18" charset="0"/>
                         </a:rPr>
                         <m:t>=</m:t>
@@ -10701,7 +10529,7 @@
                       <m:f>
                         <m:fPr>
                           <m:ctrlPr>
-                            <a:rPr lang="en-US" altLang="zh-CN" sz="2800" b="0" i="1" smtClean="0">
+                            <a:rPr lang="en-US" altLang="zh-CN" b="0" i="1" smtClean="0">
                               <a:latin typeface="Cambria Math" panose="02040503050406030204" pitchFamily="18" charset="0"/>
                             </a:rPr>
                           </m:ctrlPr>
@@ -10710,14 +10538,14 @@
                           <m:f>
                             <m:fPr>
                               <m:ctrlPr>
-                                <a:rPr lang="en-US" altLang="zh-CN" sz="2800" b="0" i="1" smtClean="0">
+                                <a:rPr lang="en-US" altLang="zh-CN" b="0" i="1" smtClean="0">
                                   <a:latin typeface="Cambria Math" panose="02040503050406030204" pitchFamily="18" charset="0"/>
                                 </a:rPr>
                               </m:ctrlPr>
                             </m:fPr>
                             <m:num>
                               <m:r>
-                                <a:rPr lang="en-US" altLang="zh-CN" sz="2800" b="0" i="1" smtClean="0">
+                                <a:rPr lang="en-US" altLang="zh-CN" b="0" i="1" smtClean="0">
                                   <a:latin typeface="Cambria Math" panose="02040503050406030204" pitchFamily="18" charset="0"/>
                                 </a:rPr>
                                 <m:t>2</m:t>
@@ -10727,7 +10555,7 @@
                               <m:sSup>
                                 <m:sSupPr>
                                   <m:ctrlPr>
-                                    <a:rPr lang="en-US" altLang="zh-CN" sz="2800" b="0" i="1" smtClean="0">
+                                    <a:rPr lang="en-US" altLang="zh-CN" b="0" i="1" smtClean="0">
                                       <a:latin typeface="Cambria Math" panose="02040503050406030204" pitchFamily="18" charset="0"/>
                                     </a:rPr>
                                   </m:ctrlPr>
@@ -10736,7 +10564,7 @@
                                   <m:d>
                                     <m:dPr>
                                       <m:ctrlPr>
-                                        <a:rPr lang="en-US" altLang="zh-CN" sz="2800" b="0" i="1" smtClean="0">
+                                        <a:rPr lang="en-US" altLang="zh-CN" b="0" i="1" smtClean="0">
                                           <a:latin typeface="Cambria Math" panose="02040503050406030204" pitchFamily="18" charset="0"/>
                                         </a:rPr>
                                       </m:ctrlPr>
@@ -10745,14 +10573,14 @@
                                       <m:sSup>
                                         <m:sSupPr>
                                           <m:ctrlPr>
-                                            <a:rPr lang="en-US" altLang="zh-CN" sz="2800" b="0" i="1" smtClean="0">
+                                            <a:rPr lang="en-US" altLang="zh-CN" b="0" i="1" smtClean="0">
                                               <a:latin typeface="Cambria Math" panose="02040503050406030204" pitchFamily="18" charset="0"/>
                                             </a:rPr>
                                           </m:ctrlPr>
                                         </m:sSupPr>
                                         <m:e>
                                           <m:r>
-                                            <a:rPr lang="en-US" altLang="zh-CN" sz="2800" b="0" i="1" smtClean="0">
+                                            <a:rPr lang="en-US" altLang="zh-CN" b="0" i="1" smtClean="0">
                                               <a:latin typeface="Cambria Math" panose="02040503050406030204" pitchFamily="18" charset="0"/>
                                             </a:rPr>
                                             <m:t>𝑡</m:t>
@@ -10760,7 +10588,7 @@
                                         </m:e>
                                         <m:sup>
                                           <m:r>
-                                            <a:rPr lang="en-US" altLang="zh-CN" sz="2800" b="0" i="1" smtClean="0">
+                                            <a:rPr lang="en-US" altLang="zh-CN" b="0" i="1" smtClean="0">
                                               <a:latin typeface="Cambria Math" panose="02040503050406030204" pitchFamily="18" charset="0"/>
                                             </a:rPr>
                                             <m:t>2</m:t>
@@ -10768,7 +10596,7 @@
                                         </m:sup>
                                       </m:sSup>
                                       <m:r>
-                                        <a:rPr lang="en-US" altLang="zh-CN" sz="2800" b="0" i="1" smtClean="0">
+                                        <a:rPr lang="en-US" altLang="zh-CN" b="0" i="1" smtClean="0">
                                           <a:latin typeface="Cambria Math" panose="02040503050406030204" pitchFamily="18" charset="0"/>
                                         </a:rPr>
                                         <m:t>+1</m:t>
@@ -10778,7 +10606,7 @@
                                 </m:e>
                                 <m:sup>
                                   <m:r>
-                                    <a:rPr lang="en-US" altLang="zh-CN" sz="2800" b="0" i="1" smtClean="0">
+                                    <a:rPr lang="en-US" altLang="zh-CN" b="0" i="1" smtClean="0">
                                       <a:latin typeface="Cambria Math" panose="02040503050406030204" pitchFamily="18" charset="0"/>
                                     </a:rPr>
                                     <m:t>2</m:t>
@@ -10788,13 +10616,13 @@
                             </m:den>
                           </m:f>
                           <m:r>
-                            <a:rPr lang="en-US" altLang="zh-CN" sz="2800" b="0" i="1" smtClean="0">
+                            <a:rPr lang="en-US" altLang="zh-CN" b="0" i="1" smtClean="0">
                               <a:latin typeface="Cambria Math" panose="02040503050406030204" pitchFamily="18" charset="0"/>
                             </a:rPr>
                             <m:t>⋅2</m:t>
                           </m:r>
                           <m:r>
-                            <a:rPr lang="en-US" altLang="zh-CN" sz="2800" b="0" i="1" smtClean="0">
+                            <a:rPr lang="en-US" altLang="zh-CN" b="0" i="1" smtClean="0">
                               <a:latin typeface="Cambria Math" panose="02040503050406030204" pitchFamily="18" charset="0"/>
                             </a:rPr>
                             <m:t>𝑡</m:t>
@@ -10802,7 +10630,7 @@
                         </m:num>
                         <m:den>
                           <m:r>
-                            <a:rPr lang="en-US" altLang="zh-CN" sz="2800" b="0" i="1" smtClean="0">
+                            <a:rPr lang="en-US" altLang="zh-CN" b="0" i="1" smtClean="0">
                               <a:latin typeface="Cambria Math" panose="02040503050406030204" pitchFamily="18" charset="0"/>
                             </a:rPr>
                             <m:t>3</m:t>
@@ -10810,14 +10638,14 @@
                           <m:sSup>
                             <m:sSupPr>
                               <m:ctrlPr>
-                                <a:rPr lang="en-US" altLang="zh-CN" sz="2800" b="0" i="1" smtClean="0">
+                                <a:rPr lang="en-US" altLang="zh-CN" b="0" i="1" smtClean="0">
                                   <a:latin typeface="Cambria Math" panose="02040503050406030204" pitchFamily="18" charset="0"/>
                                 </a:rPr>
                               </m:ctrlPr>
                             </m:sSupPr>
                             <m:e>
                               <m:r>
-                                <a:rPr lang="en-US" altLang="zh-CN" sz="2800" b="0" i="1" smtClean="0">
+                                <a:rPr lang="en-US" altLang="zh-CN" b="0" i="1" smtClean="0">
                                   <a:latin typeface="Cambria Math" panose="02040503050406030204" pitchFamily="18" charset="0"/>
                                 </a:rPr>
                                 <m:t>𝑡</m:t>
@@ -10825,7 +10653,7 @@
                             </m:e>
                             <m:sup>
                               <m:r>
-                                <a:rPr lang="en-US" altLang="zh-CN" sz="2800" b="0" i="1" smtClean="0">
+                                <a:rPr lang="en-US" altLang="zh-CN" b="0" i="1" smtClean="0">
                                   <a:latin typeface="Cambria Math" panose="02040503050406030204" pitchFamily="18" charset="0"/>
                                 </a:rPr>
                                 <m:t>2</m:t>
@@ -10833,7 +10661,7 @@
                             </m:sup>
                           </m:sSup>
                           <m:r>
-                            <a:rPr lang="en-US" altLang="zh-CN" sz="2800" b="0" i="1" smtClean="0">
+                            <a:rPr lang="en-US" altLang="zh-CN" b="0" i="1" smtClean="0">
                               <a:latin typeface="Cambria Math" panose="02040503050406030204" pitchFamily="18" charset="0"/>
                             </a:rPr>
                             <m:t>+3</m:t>
@@ -10841,7 +10669,7 @@
                         </m:den>
                       </m:f>
                       <m:r>
-                        <a:rPr lang="en-US" altLang="zh-CN" sz="2800" b="0" i="1" smtClean="0">
+                        <a:rPr lang="en-US" altLang="zh-CN" b="0" i="1" smtClean="0">
                           <a:latin typeface="Cambria Math" panose="02040503050406030204" pitchFamily="18" charset="0"/>
                         </a:rPr>
                         <m:t>=</m:t>
@@ -10849,20 +10677,20 @@
                       <m:f>
                         <m:fPr>
                           <m:ctrlPr>
-                            <a:rPr lang="en-US" altLang="zh-CN" sz="2800" b="0" i="1" smtClean="0">
+                            <a:rPr lang="en-US" altLang="zh-CN" b="0" i="1" smtClean="0">
                               <a:latin typeface="Cambria Math" panose="02040503050406030204" pitchFamily="18" charset="0"/>
                             </a:rPr>
                           </m:ctrlPr>
                         </m:fPr>
                         <m:num>
                           <m:r>
-                            <a:rPr lang="en-US" altLang="zh-CN" sz="2800" b="0" i="1" smtClean="0">
+                            <a:rPr lang="en-US" altLang="zh-CN" b="0" i="1" smtClean="0">
                               <a:latin typeface="Cambria Math" panose="02040503050406030204" pitchFamily="18" charset="0"/>
                             </a:rPr>
                             <m:t>4</m:t>
                           </m:r>
                           <m:r>
-                            <a:rPr lang="en-US" altLang="zh-CN" sz="2800" b="0" i="1" smtClean="0">
+                            <a:rPr lang="en-US" altLang="zh-CN" b="0" i="1" smtClean="0">
                               <a:latin typeface="Cambria Math" panose="02040503050406030204" pitchFamily="18" charset="0"/>
                             </a:rPr>
                             <m:t>𝑡</m:t>
@@ -10870,7 +10698,7 @@
                         </m:num>
                         <m:den>
                           <m:r>
-                            <a:rPr lang="en-US" altLang="zh-CN" sz="2800" b="0" i="1" smtClean="0">
+                            <a:rPr lang="en-US" altLang="zh-CN" b="0" i="1" smtClean="0">
                               <a:latin typeface="Cambria Math" panose="02040503050406030204" pitchFamily="18" charset="0"/>
                             </a:rPr>
                             <m:t>3</m:t>
@@ -10878,7 +10706,7 @@
                           <m:sSup>
                             <m:sSupPr>
                               <m:ctrlPr>
-                                <a:rPr lang="en-US" altLang="zh-CN" sz="2800" b="0" i="1" smtClean="0">
+                                <a:rPr lang="en-US" altLang="zh-CN" b="0" i="1" smtClean="0">
                                   <a:latin typeface="Cambria Math" panose="02040503050406030204" pitchFamily="18" charset="0"/>
                                 </a:rPr>
                               </m:ctrlPr>
@@ -10887,7 +10715,7 @@
                               <m:d>
                                 <m:dPr>
                                   <m:ctrlPr>
-                                    <a:rPr lang="en-US" altLang="zh-CN" sz="2800" b="0" i="1" smtClean="0">
+                                    <a:rPr lang="en-US" altLang="zh-CN" b="0" i="1" smtClean="0">
                                       <a:latin typeface="Cambria Math" panose="02040503050406030204" pitchFamily="18" charset="0"/>
                                     </a:rPr>
                                   </m:ctrlPr>
@@ -10896,14 +10724,14 @@
                                   <m:sSup>
                                     <m:sSupPr>
                                       <m:ctrlPr>
-                                        <a:rPr lang="en-US" altLang="zh-CN" sz="2800" b="0" i="1" smtClean="0">
+                                        <a:rPr lang="en-US" altLang="zh-CN" b="0" i="1" smtClean="0">
                                           <a:latin typeface="Cambria Math" panose="02040503050406030204" pitchFamily="18" charset="0"/>
                                         </a:rPr>
                                       </m:ctrlPr>
                                     </m:sSupPr>
                                     <m:e>
                                       <m:r>
-                                        <a:rPr lang="en-US" altLang="zh-CN" sz="2800" b="0" i="1" smtClean="0">
+                                        <a:rPr lang="en-US" altLang="zh-CN" b="0" i="1" smtClean="0">
                                           <a:latin typeface="Cambria Math" panose="02040503050406030204" pitchFamily="18" charset="0"/>
                                         </a:rPr>
                                         <m:t>𝑡</m:t>
@@ -10911,7 +10739,7 @@
                                     </m:e>
                                     <m:sup>
                                       <m:r>
-                                        <a:rPr lang="en-US" altLang="zh-CN" sz="2800" b="0" i="1" smtClean="0">
+                                        <a:rPr lang="en-US" altLang="zh-CN" b="0" i="1" smtClean="0">
                                           <a:latin typeface="Cambria Math" panose="02040503050406030204" pitchFamily="18" charset="0"/>
                                         </a:rPr>
                                         <m:t>2</m:t>
@@ -10919,7 +10747,7 @@
                                     </m:sup>
                                   </m:sSup>
                                   <m:r>
-                                    <a:rPr lang="en-US" altLang="zh-CN" sz="2800" b="0" i="1" smtClean="0">
+                                    <a:rPr lang="en-US" altLang="zh-CN" b="0" i="1" smtClean="0">
                                       <a:latin typeface="Cambria Math" panose="02040503050406030204" pitchFamily="18" charset="0"/>
                                     </a:rPr>
                                     <m:t>+1</m:t>
@@ -10929,7 +10757,7 @@
                             </m:e>
                             <m:sup>
                               <m:r>
-                                <a:rPr lang="en-US" altLang="zh-CN" sz="2800" b="0" i="1" smtClean="0">
+                                <a:rPr lang="en-US" altLang="zh-CN" b="0" i="1" smtClean="0">
                                   <a:latin typeface="Cambria Math" panose="02040503050406030204" pitchFamily="18" charset="0"/>
                                 </a:rPr>
                                 <m:t>3</m:t>
@@ -10939,7 +10767,7 @@
                         </m:den>
                       </m:f>
                       <m:r>
-                        <a:rPr lang="en-US" altLang="zh-CN" sz="2800" b="0" i="1" smtClean="0">
+                        <a:rPr lang="en-US" altLang="zh-CN" b="0" i="1" smtClean="0">
                           <a:latin typeface="Cambria Math" panose="02040503050406030204" pitchFamily="18" charset="0"/>
                         </a:rPr>
                         <m:t>.</m:t>
@@ -11187,67 +11015,6 @@
                       </p:childTnLst>
                     </p:cTn>
                   </p:par>
-                  <p:par>
-                    <p:cTn id="18" fill="hold">
-                      <p:stCondLst>
-                        <p:cond delay="indefinite"/>
-                      </p:stCondLst>
-                      <p:childTnLst>
-                        <p:par>
-                          <p:cTn id="19" fill="hold">
-                            <p:stCondLst>
-                              <p:cond delay="0"/>
-                            </p:stCondLst>
-                            <p:childTnLst>
-                              <p:par>
-                                <p:cTn id="20" presetID="10" presetClass="entr" presetSubtype="0" fill="hold" grpId="0" nodeType="clickEffect">
-                                  <p:stCondLst>
-                                    <p:cond delay="0"/>
-                                  </p:stCondLst>
-                                  <p:childTnLst>
-                                    <p:set>
-                                      <p:cBhvr>
-                                        <p:cTn id="21" dur="1" fill="hold">
-                                          <p:stCondLst>
-                                            <p:cond delay="0"/>
-                                          </p:stCondLst>
-                                        </p:cTn>
-                                        <p:tgtEl>
-                                          <p:spTgt spid="4">
-                                            <p:txEl>
-                                              <p:pRg st="3" end="3"/>
-                                            </p:txEl>
-                                          </p:spTgt>
-                                        </p:tgtEl>
-                                        <p:attrNameLst>
-                                          <p:attrName>style.visibility</p:attrName>
-                                        </p:attrNameLst>
-                                      </p:cBhvr>
-                                      <p:to>
-                                        <p:strVal val="visible"/>
-                                      </p:to>
-                                    </p:set>
-                                    <p:animEffect transition="in" filter="fade">
-                                      <p:cBhvr>
-                                        <p:cTn id="22" dur="500"/>
-                                        <p:tgtEl>
-                                          <p:spTgt spid="4">
-                                            <p:txEl>
-                                              <p:pRg st="3" end="3"/>
-                                            </p:txEl>
-                                          </p:spTgt>
-                                        </p:tgtEl>
-                                      </p:cBhvr>
-                                    </p:animEffect>
-                                  </p:childTnLst>
-                                </p:cTn>
-                              </p:par>
-                            </p:childTnLst>
-                          </p:cTn>
-                        </p:par>
-                      </p:childTnLst>
-                    </p:cTn>
-                  </p:par>
                 </p:childTnLst>
               </p:cTn>
               <p:prevCondLst>
@@ -11308,12 +11075,12 @@
             <p:spPr/>
             <p:txBody>
               <a:bodyPr>
-                <a:noAutofit/>
+                <a:normAutofit/>
               </a:bodyPr>
               <a:lstStyle/>
               <a:p>
                 <a:r>
-                  <a:rPr lang="zh-CN" altLang="en-US" sz="2200" dirty="0" smtClean="0">
+                  <a:rPr lang="zh-CN" altLang="en-US" dirty="0" smtClean="0">
                     <a:solidFill>
                       <a:srgbClr val="0000FF"/>
                     </a:solidFill>
@@ -11321,11 +11088,11 @@
                   <a:t>例</a:t>
                 </a:r>
                 <a:r>
-                  <a:rPr lang="zh-CN" altLang="en-US" sz="2200" dirty="0" smtClean="0"/>
+                  <a:rPr lang="zh-CN" altLang="en-US" dirty="0" smtClean="0"/>
                   <a:t> </a:t>
                 </a:r>
                 <a:r>
-                  <a:rPr lang="zh-CN" altLang="en-US" sz="2200" dirty="0"/>
+                  <a:rPr lang="zh-CN" altLang="en-US" dirty="0"/>
                   <a:t>设 </a:t>
                 </a:r>
                 <a14:m>
@@ -11335,7 +11102,7 @@
                         <m:begChr m:val="{"/>
                         <m:endChr m:val=""/>
                         <m:ctrlPr>
-                          <a:rPr lang="en-US" altLang="zh-CN" sz="2200" b="0" i="1" smtClean="0">
+                          <a:rPr lang="en-US" altLang="zh-CN" b="0" i="1" smtClean="0">
                             <a:latin typeface="Cambria Math" panose="02040503050406030204" pitchFamily="18" charset="0"/>
                           </a:rPr>
                         </m:ctrlPr>
@@ -11344,38 +11111,38 @@
                         <m:eqArr>
                           <m:eqArrPr>
                             <m:ctrlPr>
-                              <a:rPr lang="en-US" altLang="zh-CN" sz="2200" b="0" i="1" smtClean="0">
+                              <a:rPr lang="en-US" altLang="zh-CN" b="0" i="1" smtClean="0">
                                 <a:latin typeface="Cambria Math" panose="02040503050406030204" pitchFamily="18" charset="0"/>
                               </a:rPr>
                             </m:ctrlPr>
                           </m:eqArrPr>
                           <m:e>
                             <m:r>
-                              <a:rPr lang="en-US" altLang="zh-CN" sz="2200" i="1">
+                              <a:rPr lang="en-US" altLang="zh-CN" i="1">
                                 <a:latin typeface="Cambria Math" panose="02040503050406030204" pitchFamily="18" charset="0"/>
                               </a:rPr>
                               <m:t>𝑥</m:t>
                             </m:r>
                             <m:r>
-                              <a:rPr lang="en-US" altLang="zh-CN" sz="2200" b="0" i="1" smtClean="0">
+                              <a:rPr lang="en-US" altLang="zh-CN" b="0" i="1" smtClean="0">
                                 <a:latin typeface="Cambria Math" panose="02040503050406030204" pitchFamily="18" charset="0"/>
                               </a:rPr>
                               <m:t>&amp;</m:t>
                             </m:r>
                             <m:r>
-                              <a:rPr lang="en-US" altLang="zh-CN" sz="2200" i="1">
+                              <a:rPr lang="en-US" altLang="zh-CN" i="1">
                                 <a:latin typeface="Cambria Math" panose="02040503050406030204" pitchFamily="18" charset="0"/>
                               </a:rPr>
                               <m:t>=</m:t>
                             </m:r>
                             <m:r>
-                              <a:rPr lang="en-US" altLang="zh-CN" sz="2200" b="0" i="1" smtClean="0">
+                              <a:rPr lang="en-US" altLang="zh-CN" b="0" i="1" smtClean="0">
                                 <a:latin typeface="Cambria Math" panose="02040503050406030204" pitchFamily="18" charset="0"/>
                               </a:rPr>
                               <m:t>&amp;</m:t>
                             </m:r>
                             <m:r>
-                              <a:rPr lang="en-US" altLang="zh-CN" sz="2200" i="1">
+                              <a:rPr lang="en-US" altLang="zh-CN" i="1">
                                 <a:latin typeface="Cambria Math" panose="02040503050406030204" pitchFamily="18" charset="0"/>
                               </a:rPr>
                               <m:t>𝑎</m:t>
@@ -11383,20 +11150,20 @@
                             <m:d>
                               <m:dPr>
                                 <m:ctrlPr>
-                                  <a:rPr lang="en-US" altLang="zh-CN" sz="2200" i="1">
+                                  <a:rPr lang="en-US" altLang="zh-CN" i="1">
                                     <a:latin typeface="Cambria Math" panose="02040503050406030204" pitchFamily="18" charset="0"/>
                                   </a:rPr>
                                 </m:ctrlPr>
                               </m:dPr>
                               <m:e>
                                 <m:r>
-                                  <a:rPr lang="en-US" altLang="zh-CN" sz="2200" i="1">
+                                  <a:rPr lang="en-US" altLang="zh-CN" i="1">
                                     <a:latin typeface="Cambria Math" panose="02040503050406030204" pitchFamily="18" charset="0"/>
                                   </a:rPr>
                                   <m:t>𝑡</m:t>
                                 </m:r>
                                 <m:r>
-                                  <a:rPr lang="en-US" altLang="zh-CN" sz="2200" i="1">
+                                  <a:rPr lang="en-US" altLang="zh-CN" i="1">
                                     <a:latin typeface="Cambria Math" panose="02040503050406030204" pitchFamily="18" charset="0"/>
                                   </a:rPr>
                                   <m:t>−</m:t>
@@ -11404,7 +11171,7 @@
                                 <m:func>
                                   <m:funcPr>
                                     <m:ctrlPr>
-                                      <a:rPr lang="en-US" altLang="zh-CN" sz="2200" i="1">
+                                      <a:rPr lang="en-US" altLang="zh-CN" i="1">
                                         <a:latin typeface="Cambria Math" panose="02040503050406030204" pitchFamily="18" charset="0"/>
                                       </a:rPr>
                                     </m:ctrlPr>
@@ -11414,7 +11181,7 @@
                                       <m:rPr>
                                         <m:sty m:val="p"/>
                                       </m:rPr>
-                                      <a:rPr lang="en-US" altLang="zh-CN" sz="2200">
+                                      <a:rPr lang="en-US" altLang="zh-CN">
                                         <a:latin typeface="Cambria Math" panose="02040503050406030204" pitchFamily="18" charset="0"/>
                                       </a:rPr>
                                       <m:t>sin</m:t>
@@ -11422,7 +11189,7 @@
                                   </m:fName>
                                   <m:e>
                                     <m:r>
-                                      <a:rPr lang="en-US" altLang="zh-CN" sz="2200" i="1">
+                                      <a:rPr lang="en-US" altLang="zh-CN" i="1">
                                         <a:latin typeface="Cambria Math" panose="02040503050406030204" pitchFamily="18" charset="0"/>
                                       </a:rPr>
                                       <m:t>𝑡</m:t>
@@ -11434,31 +11201,31 @@
                           </m:e>
                           <m:e>
                             <m:r>
-                              <a:rPr lang="en-US" altLang="zh-CN" sz="2200" i="1">
+                              <a:rPr lang="en-US" altLang="zh-CN" i="1">
                                 <a:latin typeface="Cambria Math" panose="02040503050406030204" pitchFamily="18" charset="0"/>
                               </a:rPr>
                               <m:t>𝑦</m:t>
                             </m:r>
                             <m:r>
-                              <a:rPr lang="en-US" altLang="zh-CN" sz="2200" b="0" i="1" smtClean="0">
+                              <a:rPr lang="en-US" altLang="zh-CN" b="0" i="1" smtClean="0">
                                 <a:latin typeface="Cambria Math" panose="02040503050406030204" pitchFamily="18" charset="0"/>
                               </a:rPr>
                               <m:t>&amp;</m:t>
                             </m:r>
                             <m:r>
-                              <a:rPr lang="en-US" altLang="zh-CN" sz="2200" i="1">
+                              <a:rPr lang="en-US" altLang="zh-CN" i="1">
                                 <a:latin typeface="Cambria Math" panose="02040503050406030204" pitchFamily="18" charset="0"/>
                               </a:rPr>
                               <m:t>=</m:t>
                             </m:r>
                             <m:r>
-                              <a:rPr lang="en-US" altLang="zh-CN" sz="2200" b="0" i="1" smtClean="0">
+                              <a:rPr lang="en-US" altLang="zh-CN" b="0" i="1" smtClean="0">
                                 <a:latin typeface="Cambria Math" panose="02040503050406030204" pitchFamily="18" charset="0"/>
                               </a:rPr>
                               <m:t>&amp;</m:t>
                             </m:r>
                             <m:r>
-                              <a:rPr lang="en-US" altLang="zh-CN" sz="2200" i="1">
+                              <a:rPr lang="en-US" altLang="zh-CN" i="1">
                                 <a:latin typeface="Cambria Math" panose="02040503050406030204" pitchFamily="18" charset="0"/>
                               </a:rPr>
                               <m:t>𝑎</m:t>
@@ -11466,14 +11233,14 @@
                             <m:d>
                               <m:dPr>
                                 <m:ctrlPr>
-                                  <a:rPr lang="en-US" altLang="zh-CN" sz="2200" i="1">
+                                  <a:rPr lang="en-US" altLang="zh-CN" i="1">
                                     <a:latin typeface="Cambria Math" panose="02040503050406030204" pitchFamily="18" charset="0"/>
                                   </a:rPr>
                                 </m:ctrlPr>
                               </m:dPr>
                               <m:e>
                                 <m:r>
-                                  <a:rPr lang="en-US" altLang="zh-CN" sz="2200" i="1">
+                                  <a:rPr lang="en-US" altLang="zh-CN" i="1">
                                     <a:latin typeface="Cambria Math" panose="02040503050406030204" pitchFamily="18" charset="0"/>
                                   </a:rPr>
                                   <m:t>1−</m:t>
@@ -11481,7 +11248,7 @@
                                 <m:func>
                                   <m:funcPr>
                                     <m:ctrlPr>
-                                      <a:rPr lang="en-US" altLang="zh-CN" sz="2200" i="1">
+                                      <a:rPr lang="en-US" altLang="zh-CN" i="1">
                                         <a:latin typeface="Cambria Math" panose="02040503050406030204" pitchFamily="18" charset="0"/>
                                       </a:rPr>
                                     </m:ctrlPr>
@@ -11491,7 +11258,7 @@
                                       <m:rPr>
                                         <m:sty m:val="p"/>
                                       </m:rPr>
-                                      <a:rPr lang="en-US" altLang="zh-CN" sz="2200">
+                                      <a:rPr lang="en-US" altLang="zh-CN">
                                         <a:latin typeface="Cambria Math" panose="02040503050406030204" pitchFamily="18" charset="0"/>
                                       </a:rPr>
                                       <m:t>cos</m:t>
@@ -11499,7 +11266,7 @@
                                   </m:fName>
                                   <m:e>
                                     <m:r>
-                                      <a:rPr lang="en-US" altLang="zh-CN" sz="2200" i="1">
+                                      <a:rPr lang="en-US" altLang="zh-CN" i="1">
                                         <a:latin typeface="Cambria Math" panose="02040503050406030204" pitchFamily="18" charset="0"/>
                                       </a:rPr>
                                       <m:t>𝑡</m:t>
@@ -11515,23 +11282,23 @@
                   </m:oMath>
                 </a14:m>
                 <a:r>
-                  <a:rPr lang="en-US" altLang="zh-CN" sz="2200" dirty="0"/>
+                  <a:rPr lang="en-US" altLang="zh-CN" dirty="0"/>
                   <a:t>, </a:t>
                 </a:r>
                 <a:r>
-                  <a:rPr lang="zh-CN" altLang="en-US" sz="2200" dirty="0"/>
+                  <a:rPr lang="zh-CN" altLang="en-US" dirty="0"/>
                   <a:t>求 </a:t>
                 </a:r>
                 <a14:m>
                   <m:oMath xmlns:m="http://schemas.openxmlformats.org/officeDocument/2006/math">
                     <m:r>
-                      <a:rPr lang="en-US" altLang="zh-CN" sz="2200" i="1">
+                      <a:rPr lang="en-US" altLang="zh-CN" i="1">
                         <a:latin typeface="Cambria Math" panose="02040503050406030204" pitchFamily="18" charset="0"/>
                       </a:rPr>
                       <m:t>𝑦</m:t>
                     </m:r>
                     <m:r>
-                      <a:rPr lang="en-US" altLang="zh-CN" sz="2200" i="1">
+                      <a:rPr lang="en-US" altLang="zh-CN" i="1">
                         <a:latin typeface="Cambria Math" panose="02040503050406030204" pitchFamily="18" charset="0"/>
                       </a:rPr>
                       <m:t>′′</m:t>
@@ -11539,13 +11306,13 @@
                   </m:oMath>
                 </a14:m>
                 <a:r>
-                  <a:rPr lang="en-US" altLang="zh-CN" sz="2200" dirty="0"/>
+                  <a:rPr lang="en-US" altLang="zh-CN" dirty="0"/>
                   <a:t>.</a:t>
                 </a:r>
               </a:p>
               <a:p>
                 <a:r>
-                  <a:rPr lang="zh-CN" altLang="en-US" sz="2200" dirty="0">
+                  <a:rPr lang="zh-CN" altLang="en-US" dirty="0">
                     <a:solidFill>
                       <a:srgbClr val="0000FF"/>
                     </a:solidFill>
@@ -11553,10 +11320,10 @@
                   <a:t>解</a:t>
                 </a:r>
                 <a:r>
-                  <a:rPr lang="zh-CN" altLang="en-US" sz="2200" dirty="0"/>
+                  <a:rPr lang="zh-CN" altLang="en-US" dirty="0"/>
                   <a:t> </a:t>
                 </a:r>
-                <a:endParaRPr lang="en-US" altLang="zh-CN" sz="2200" i="1" dirty="0" smtClean="0">
+                <a:endParaRPr lang="en-US" altLang="zh-CN" i="1" dirty="0" smtClean="0">
                   <a:latin typeface="Cambria Math" panose="02040503050406030204" pitchFamily="18" charset="0"/>
                 </a:endParaRPr>
               </a:p>
@@ -11573,14 +11340,14 @@
                       <m:sSup>
                         <m:sSupPr>
                           <m:ctrlPr>
-                            <a:rPr lang="en-US" altLang="zh-CN" sz="2200" i="1">
+                            <a:rPr lang="en-US" altLang="zh-CN" i="1">
                               <a:latin typeface="Cambria Math" panose="02040503050406030204" pitchFamily="18" charset="0"/>
                             </a:rPr>
                           </m:ctrlPr>
                         </m:sSupPr>
                         <m:e>
                           <m:r>
-                            <a:rPr lang="en-US" altLang="zh-CN" sz="2200" i="1">
+                            <a:rPr lang="en-US" altLang="zh-CN" i="1">
                               <a:latin typeface="Cambria Math" panose="02040503050406030204" pitchFamily="18" charset="0"/>
                             </a:rPr>
                             <m:t>𝑦</m:t>
@@ -11588,7 +11355,7 @@
                         </m:e>
                         <m:sup>
                           <m:r>
-                            <a:rPr lang="en-US" altLang="zh-CN" sz="2200" i="1">
+                            <a:rPr lang="en-US" altLang="zh-CN" i="1">
                               <a:latin typeface="Cambria Math" panose="02040503050406030204" pitchFamily="18" charset="0"/>
                             </a:rPr>
                             <m:t>′</m:t>
@@ -11596,7 +11363,10 @@
                         </m:sup>
                       </m:sSup>
                       <m:r>
-                        <a:rPr lang="en-US" altLang="zh-CN" sz="2200" i="1">
+                        <m:rPr>
+                          <m:aln/>
+                        </m:rPr>
+                        <a:rPr lang="en-US" altLang="zh-CN" i="1">
                           <a:latin typeface="Cambria Math" panose="02040503050406030204" pitchFamily="18" charset="0"/>
                         </a:rPr>
                         <m:t>=</m:t>
@@ -11604,90 +11374,54 @@
                       <m:f>
                         <m:fPr>
                           <m:ctrlPr>
-                            <a:rPr lang="en-US" altLang="zh-CN" sz="2200" i="1">
+                            <a:rPr lang="en-US" altLang="zh-CN" i="1">
                               <a:latin typeface="Cambria Math" panose="02040503050406030204" pitchFamily="18" charset="0"/>
                             </a:rPr>
                           </m:ctrlPr>
                         </m:fPr>
                         <m:num>
                           <m:r>
-                            <m:rPr>
-                              <m:sty m:val="p"/>
-                            </m:rPr>
-                            <a:rPr lang="en-US" altLang="zh-CN" sz="2200">
-                              <a:latin typeface="Cambria Math" panose="02040503050406030204" pitchFamily="18" charset="0"/>
-                            </a:rPr>
-                            <m:t>d</m:t>
+                            <a:rPr lang="en-US" altLang="zh-CN" b="0" i="1" smtClean="0">
+                              <a:latin typeface="Cambria Math" panose="02040503050406030204" pitchFamily="18" charset="0"/>
+                            </a:rPr>
+                            <m:t>𝑑𝑦</m:t>
                           </m:r>
                           <m:r>
-                            <a:rPr lang="en-US" altLang="zh-CN" sz="2200" i="1">
-                              <a:latin typeface="Cambria Math" panose="02040503050406030204" pitchFamily="18" charset="0"/>
-                            </a:rPr>
-                            <m:t>𝑦</m:t>
-                          </m:r>
-                          <m:r>
-                            <a:rPr lang="en-US" altLang="zh-CN" sz="2200" i="1">
+                            <a:rPr lang="en-US" altLang="zh-CN" b="0" i="1" smtClean="0">
                               <a:latin typeface="Cambria Math" panose="02040503050406030204" pitchFamily="18" charset="0"/>
                             </a:rPr>
                             <m:t>/</m:t>
                           </m:r>
                           <m:r>
-                            <m:rPr>
-                              <m:sty m:val="p"/>
-                            </m:rPr>
-                            <a:rPr lang="en-US" altLang="zh-CN" sz="2200">
-                              <a:latin typeface="Cambria Math" panose="02040503050406030204" pitchFamily="18" charset="0"/>
-                            </a:rPr>
-                            <m:t>d</m:t>
-                          </m:r>
-                          <m:r>
-                            <a:rPr lang="en-US" altLang="zh-CN" sz="2200" i="1">
-                              <a:latin typeface="Cambria Math" panose="02040503050406030204" pitchFamily="18" charset="0"/>
-                            </a:rPr>
-                            <m:t>𝑡</m:t>
+                            <a:rPr lang="en-US" altLang="zh-CN" b="0" i="1" smtClean="0">
+                              <a:latin typeface="Cambria Math" panose="02040503050406030204" pitchFamily="18" charset="0"/>
+                            </a:rPr>
+                            <m:t>𝑑𝑡</m:t>
                           </m:r>
                         </m:num>
                         <m:den>
                           <m:r>
-                            <m:rPr>
-                              <m:sty m:val="p"/>
-                            </m:rPr>
-                            <a:rPr lang="en-US" altLang="zh-CN" sz="2200">
-                              <a:latin typeface="Cambria Math" panose="02040503050406030204" pitchFamily="18" charset="0"/>
-                            </a:rPr>
-                            <m:t>d</m:t>
+                            <a:rPr lang="en-US" altLang="zh-CN" b="0" i="1" smtClean="0">
+                              <a:latin typeface="Cambria Math" panose="02040503050406030204" pitchFamily="18" charset="0"/>
+                            </a:rPr>
+                            <m:t>𝑑𝑥</m:t>
                           </m:r>
                           <m:r>
-                            <a:rPr lang="en-US" altLang="zh-CN" sz="2200" i="1">
-                              <a:latin typeface="Cambria Math" panose="02040503050406030204" pitchFamily="18" charset="0"/>
-                            </a:rPr>
-                            <m:t>𝑥</m:t>
-                          </m:r>
-                          <m:r>
-                            <a:rPr lang="en-US" altLang="zh-CN" sz="2200" i="1">
+                            <a:rPr lang="en-US" altLang="zh-CN" b="0" i="1" smtClean="0">
                               <a:latin typeface="Cambria Math" panose="02040503050406030204" pitchFamily="18" charset="0"/>
                             </a:rPr>
                             <m:t>/</m:t>
                           </m:r>
                           <m:r>
-                            <m:rPr>
-                              <m:sty m:val="p"/>
-                            </m:rPr>
-                            <a:rPr lang="en-US" altLang="zh-CN" sz="2200">
-                              <a:latin typeface="Cambria Math" panose="02040503050406030204" pitchFamily="18" charset="0"/>
-                            </a:rPr>
-                            <m:t>d</m:t>
-                          </m:r>
-                          <m:r>
-                            <a:rPr lang="en-US" altLang="zh-CN" sz="2200" i="1">
-                              <a:latin typeface="Cambria Math" panose="02040503050406030204" pitchFamily="18" charset="0"/>
-                            </a:rPr>
-                            <m:t>𝑡</m:t>
+                            <a:rPr lang="en-US" altLang="zh-CN" b="0" i="1" smtClean="0">
+                              <a:latin typeface="Cambria Math" panose="02040503050406030204" pitchFamily="18" charset="0"/>
+                            </a:rPr>
+                            <m:t>𝑑𝑡</m:t>
                           </m:r>
                         </m:den>
                       </m:f>
                       <m:r>
-                        <a:rPr lang="en-US" altLang="zh-CN" sz="2200" i="1">
+                        <a:rPr lang="en-US" altLang="zh-CN" i="1">
                           <a:latin typeface="Cambria Math" panose="02040503050406030204" pitchFamily="18" charset="0"/>
                         </a:rPr>
                         <m:t>=</m:t>
@@ -11695,14 +11429,14 @@
                       <m:f>
                         <m:fPr>
                           <m:ctrlPr>
-                            <a:rPr lang="en-US" altLang="zh-CN" sz="2200" i="1">
+                            <a:rPr lang="en-US" altLang="zh-CN" i="1">
                               <a:latin typeface="Cambria Math" panose="02040503050406030204" pitchFamily="18" charset="0"/>
                             </a:rPr>
                           </m:ctrlPr>
                         </m:fPr>
                         <m:num>
                           <m:r>
-                            <a:rPr lang="en-US" altLang="zh-CN" sz="2200" i="1">
+                            <a:rPr lang="en-US" altLang="zh-CN" i="1">
                               <a:latin typeface="Cambria Math" panose="02040503050406030204" pitchFamily="18" charset="0"/>
                             </a:rPr>
                             <m:t>𝑎</m:t>
@@ -11710,7 +11444,7 @@
                           <m:func>
                             <m:funcPr>
                               <m:ctrlPr>
-                                <a:rPr lang="en-US" altLang="zh-CN" sz="2200" i="1">
+                                <a:rPr lang="en-US" altLang="zh-CN" i="1">
                                   <a:latin typeface="Cambria Math" panose="02040503050406030204" pitchFamily="18" charset="0"/>
                                 </a:rPr>
                               </m:ctrlPr>
@@ -11720,7 +11454,7 @@
                                 <m:rPr>
                                   <m:sty m:val="p"/>
                                 </m:rPr>
-                                <a:rPr lang="en-US" altLang="zh-CN" sz="2200">
+                                <a:rPr lang="en-US" altLang="zh-CN">
                                   <a:latin typeface="Cambria Math" panose="02040503050406030204" pitchFamily="18" charset="0"/>
                                 </a:rPr>
                                 <m:t>sin</m:t>
@@ -11728,7 +11462,7 @@
                             </m:fName>
                             <m:e>
                               <m:r>
-                                <a:rPr lang="en-US" altLang="zh-CN" sz="2200" i="1">
+                                <a:rPr lang="en-US" altLang="zh-CN" i="1">
                                   <a:latin typeface="Cambria Math" panose="02040503050406030204" pitchFamily="18" charset="0"/>
                                 </a:rPr>
                                 <m:t>𝑡</m:t>
@@ -11738,7 +11472,7 @@
                         </m:num>
                         <m:den>
                           <m:r>
-                            <a:rPr lang="en-US" altLang="zh-CN" sz="2200" i="1">
+                            <a:rPr lang="en-US" altLang="zh-CN" i="1">
                               <a:latin typeface="Cambria Math" panose="02040503050406030204" pitchFamily="18" charset="0"/>
                             </a:rPr>
                             <m:t>𝑎</m:t>
@@ -11746,14 +11480,14 @@
                           <m:d>
                             <m:dPr>
                               <m:ctrlPr>
-                                <a:rPr lang="en-US" altLang="zh-CN" sz="2200" i="1">
+                                <a:rPr lang="en-US" altLang="zh-CN" i="1">
                                   <a:latin typeface="Cambria Math" panose="02040503050406030204" pitchFamily="18" charset="0"/>
                                 </a:rPr>
                               </m:ctrlPr>
                             </m:dPr>
                             <m:e>
                               <m:r>
-                                <a:rPr lang="en-US" altLang="zh-CN" sz="2200" i="1">
+                                <a:rPr lang="en-US" altLang="zh-CN" i="1">
                                   <a:latin typeface="Cambria Math" panose="02040503050406030204" pitchFamily="18" charset="0"/>
                                 </a:rPr>
                                 <m:t>1−</m:t>
@@ -11761,7 +11495,7 @@
                               <m:func>
                                 <m:funcPr>
                                   <m:ctrlPr>
-                                    <a:rPr lang="en-US" altLang="zh-CN" sz="2200" i="1">
+                                    <a:rPr lang="en-US" altLang="zh-CN" i="1">
                                       <a:latin typeface="Cambria Math" panose="02040503050406030204" pitchFamily="18" charset="0"/>
                                     </a:rPr>
                                   </m:ctrlPr>
@@ -11771,7 +11505,7 @@
                                     <m:rPr>
                                       <m:sty m:val="p"/>
                                     </m:rPr>
-                                    <a:rPr lang="en-US" altLang="zh-CN" sz="2200">
+                                    <a:rPr lang="en-US" altLang="zh-CN">
                                       <a:latin typeface="Cambria Math" panose="02040503050406030204" pitchFamily="18" charset="0"/>
                                     </a:rPr>
                                     <m:t>cos</m:t>
@@ -11779,7 +11513,7 @@
                                 </m:fName>
                                 <m:e>
                                   <m:r>
-                                    <a:rPr lang="en-US" altLang="zh-CN" sz="2200" i="1">
+                                    <a:rPr lang="en-US" altLang="zh-CN" i="1">
                                       <a:latin typeface="Cambria Math" panose="02040503050406030204" pitchFamily="18" charset="0"/>
                                     </a:rPr>
                                     <m:t>𝑡</m:t>
@@ -11791,7 +11525,7 @@
                         </m:den>
                       </m:f>
                       <m:r>
-                        <a:rPr lang="en-US" altLang="zh-CN" sz="2200" i="1">
+                        <a:rPr lang="en-US" altLang="zh-CN" i="1">
                           <a:latin typeface="Cambria Math" panose="02040503050406030204" pitchFamily="18" charset="0"/>
                         </a:rPr>
                         <m:t>=</m:t>
@@ -11799,7 +11533,7 @@
                       <m:f>
                         <m:fPr>
                           <m:ctrlPr>
-                            <a:rPr lang="en-US" altLang="zh-CN" sz="2200" i="1">
+                            <a:rPr lang="en-US" altLang="zh-CN" i="1">
                               <a:latin typeface="Cambria Math" panose="02040503050406030204" pitchFamily="18" charset="0"/>
                             </a:rPr>
                           </m:ctrlPr>
@@ -11808,7 +11542,7 @@
                           <m:func>
                             <m:funcPr>
                               <m:ctrlPr>
-                                <a:rPr lang="en-US" altLang="zh-CN" sz="2200" i="1">
+                                <a:rPr lang="en-US" altLang="zh-CN" i="1">
                                   <a:latin typeface="Cambria Math" panose="02040503050406030204" pitchFamily="18" charset="0"/>
                                 </a:rPr>
                               </m:ctrlPr>
@@ -11818,7 +11552,7 @@
                                 <m:rPr>
                                   <m:sty m:val="p"/>
                                 </m:rPr>
-                                <a:rPr lang="en-US" altLang="zh-CN" sz="2200">
+                                <a:rPr lang="en-US" altLang="zh-CN">
                                   <a:latin typeface="Cambria Math" panose="02040503050406030204" pitchFamily="18" charset="0"/>
                                 </a:rPr>
                                 <m:t>sin</m:t>
@@ -11826,7 +11560,7 @@
                             </m:fName>
                             <m:e>
                               <m:r>
-                                <a:rPr lang="en-US" altLang="zh-CN" sz="2200" i="1">
+                                <a:rPr lang="en-US" altLang="zh-CN" i="1">
                                   <a:latin typeface="Cambria Math" panose="02040503050406030204" pitchFamily="18" charset="0"/>
                                 </a:rPr>
                                 <m:t>𝑡</m:t>
@@ -11836,7 +11570,7 @@
                         </m:num>
                         <m:den>
                           <m:r>
-                            <a:rPr lang="en-US" altLang="zh-CN" sz="2200" i="1">
+                            <a:rPr lang="en-US" altLang="zh-CN" i="1">
                               <a:latin typeface="Cambria Math" panose="02040503050406030204" pitchFamily="18" charset="0"/>
                             </a:rPr>
                             <m:t>1−</m:t>
@@ -11844,7 +11578,7 @@
                           <m:func>
                             <m:funcPr>
                               <m:ctrlPr>
-                                <a:rPr lang="en-US" altLang="zh-CN" sz="2200" i="1">
+                                <a:rPr lang="en-US" altLang="zh-CN" i="1">
                                   <a:latin typeface="Cambria Math" panose="02040503050406030204" pitchFamily="18" charset="0"/>
                                 </a:rPr>
                               </m:ctrlPr>
@@ -11854,7 +11588,7 @@
                                 <m:rPr>
                                   <m:sty m:val="p"/>
                                 </m:rPr>
-                                <a:rPr lang="en-US" altLang="zh-CN" sz="2200">
+                                <a:rPr lang="en-US" altLang="zh-CN">
                                   <a:latin typeface="Cambria Math" panose="02040503050406030204" pitchFamily="18" charset="0"/>
                                 </a:rPr>
                                 <m:t>cos</m:t>
@@ -11862,7 +11596,7 @@
                             </m:fName>
                             <m:e>
                               <m:r>
-                                <a:rPr lang="en-US" altLang="zh-CN" sz="2200" i="1">
+                                <a:rPr lang="en-US" altLang="zh-CN" i="1">
                                   <a:latin typeface="Cambria Math" panose="02040503050406030204" pitchFamily="18" charset="0"/>
                                 </a:rPr>
                                 <m:t>𝑡</m:t>
@@ -11872,39 +11606,24 @@
                         </m:den>
                       </m:f>
                       <m:r>
-                        <a:rPr lang="en-US" altLang="zh-CN" sz="2200">
+                        <a:rPr lang="en-US" altLang="zh-CN">
                           <a:latin typeface="Cambria Math" panose="02040503050406030204" pitchFamily="18" charset="0"/>
                         </a:rPr>
                         <m:t>,</m:t>
                       </m:r>
                     </m:oMath>
-                  </m:oMathPara>
-                </a14:m>
-                <a:endParaRPr lang="en-US" altLang="zh-CN" sz="2200" b="0" i="0" dirty="0" smtClean="0">
-                  <a:latin typeface="Cambria Math" panose="02040503050406030204" pitchFamily="18" charset="0"/>
-                </a:endParaRPr>
-              </a:p>
-              <a:p>
-                <a:pPr marL="0" indent="0">
-                  <a:buNone/>
-                </a:pPr>
-                <a14:m>
-                  <m:oMathPara xmlns:m="http://schemas.openxmlformats.org/officeDocument/2006/math">
-                    <m:oMathParaPr>
-                      <m:jc m:val="centerGroup"/>
-                    </m:oMathParaPr>
                     <m:oMath xmlns:m="http://schemas.openxmlformats.org/officeDocument/2006/math">
                       <m:sSup>
                         <m:sSupPr>
                           <m:ctrlPr>
-                            <a:rPr lang="en-US" altLang="zh-CN" sz="2200" b="0" i="1" smtClean="0">
+                            <a:rPr lang="en-US" altLang="zh-CN" b="0" i="1" smtClean="0">
                               <a:latin typeface="Cambria Math" panose="02040503050406030204" pitchFamily="18" charset="0"/>
                             </a:rPr>
                           </m:ctrlPr>
                         </m:sSupPr>
                         <m:e>
                           <m:r>
-                            <a:rPr lang="en-US" altLang="zh-CN" sz="2200" b="0" i="1" smtClean="0">
+                            <a:rPr lang="en-US" altLang="zh-CN" b="0" i="1" smtClean="0">
                               <a:latin typeface="Cambria Math" panose="02040503050406030204" pitchFamily="18" charset="0"/>
                             </a:rPr>
                             <m:t>𝑦</m:t>
@@ -11912,7 +11631,7 @@
                         </m:e>
                         <m:sup>
                           <m:r>
-                            <a:rPr lang="en-US" altLang="zh-CN" sz="2200" b="0" i="1" smtClean="0">
+                            <a:rPr lang="en-US" altLang="zh-CN" b="0" i="1" smtClean="0">
                               <a:latin typeface="Cambria Math" panose="02040503050406030204" pitchFamily="18" charset="0"/>
                             </a:rPr>
                             <m:t>′′</m:t>
@@ -11923,7 +11642,7 @@
                         <m:rPr>
                           <m:aln/>
                         </m:rPr>
-                        <a:rPr lang="en-US" altLang="zh-CN" sz="2200" b="0" i="1" smtClean="0">
+                        <a:rPr lang="en-US" altLang="zh-CN" b="0" i="1" smtClean="0">
                           <a:latin typeface="Cambria Math" panose="02040503050406030204" pitchFamily="18" charset="0"/>
                         </a:rPr>
                         <m:t>=</m:t>
@@ -11931,32 +11650,29 @@
                       <m:f>
                         <m:fPr>
                           <m:ctrlPr>
-                            <a:rPr lang="en-US" altLang="zh-CN" sz="2200" i="1">
+                            <a:rPr lang="en-US" altLang="zh-CN" i="1">
                               <a:latin typeface="Cambria Math" panose="02040503050406030204" pitchFamily="18" charset="0"/>
                             </a:rPr>
                           </m:ctrlPr>
                         </m:fPr>
                         <m:num>
                           <m:r>
-                            <m:rPr>
-                              <m:sty m:val="p"/>
-                            </m:rPr>
-                            <a:rPr lang="en-US" altLang="zh-CN" sz="2200">
-                              <a:latin typeface="Cambria Math" panose="02040503050406030204" pitchFamily="18" charset="0"/>
-                            </a:rPr>
-                            <m:t>d</m:t>
+                            <a:rPr lang="en-US" altLang="zh-CN" i="1">
+                              <a:latin typeface="Cambria Math" panose="02040503050406030204" pitchFamily="18" charset="0"/>
+                            </a:rPr>
+                            <m:t>𝑑</m:t>
                           </m:r>
                           <m:sSup>
                             <m:sSupPr>
                               <m:ctrlPr>
-                                <a:rPr lang="en-US" altLang="zh-CN" sz="2200" i="1">
+                                <a:rPr lang="en-US" altLang="zh-CN" i="1">
                                   <a:latin typeface="Cambria Math" panose="02040503050406030204" pitchFamily="18" charset="0"/>
                                 </a:rPr>
                               </m:ctrlPr>
                             </m:sSupPr>
                             <m:e>
                               <m:r>
-                                <a:rPr lang="en-US" altLang="zh-CN" sz="2200" i="1">
+                                <a:rPr lang="en-US" altLang="zh-CN" i="1">
                                   <a:latin typeface="Cambria Math" panose="02040503050406030204" pitchFamily="18" charset="0"/>
                                 </a:rPr>
                                 <m:t>𝑦</m:t>
@@ -11964,7 +11680,7 @@
                             </m:e>
                             <m:sup>
                               <m:r>
-                                <a:rPr lang="en-US" altLang="zh-CN" sz="2200" i="1">
+                                <a:rPr lang="en-US" altLang="zh-CN" i="1">
                                   <a:latin typeface="Cambria Math" panose="02040503050406030204" pitchFamily="18" charset="0"/>
                                 </a:rPr>
                                 <m:t>′</m:t>
@@ -11972,68 +11688,41 @@
                             </m:sup>
                           </m:sSup>
                           <m:r>
-                            <a:rPr lang="en-US" altLang="zh-CN" sz="2200" b="0" i="1" smtClean="0">
+                            <a:rPr lang="en-US" altLang="zh-CN" b="0" i="1" smtClean="0">
                               <a:latin typeface="Cambria Math" panose="02040503050406030204" pitchFamily="18" charset="0"/>
                             </a:rPr>
                             <m:t>/</m:t>
                           </m:r>
                           <m:r>
-                            <m:rPr>
-                              <m:sty m:val="p"/>
-                            </m:rPr>
-                            <a:rPr lang="en-US" altLang="zh-CN" sz="2200" b="0" i="0" smtClean="0">
-                              <a:latin typeface="Cambria Math" panose="02040503050406030204" pitchFamily="18" charset="0"/>
-                            </a:rPr>
-                            <m:t>d</m:t>
-                          </m:r>
-                          <m:r>
-                            <a:rPr lang="en-US" altLang="zh-CN" sz="2200" b="0" i="1" smtClean="0">
-                              <a:latin typeface="Cambria Math" panose="02040503050406030204" pitchFamily="18" charset="0"/>
-                            </a:rPr>
-                            <m:t>𝑡</m:t>
+                            <a:rPr lang="en-US" altLang="zh-CN" b="0" i="1" smtClean="0">
+                              <a:latin typeface="Cambria Math" panose="02040503050406030204" pitchFamily="18" charset="0"/>
+                            </a:rPr>
+                            <m:t>𝑑𝑡</m:t>
                           </m:r>
                         </m:num>
                         <m:den>
                           <m:r>
-                            <m:rPr>
-                              <m:sty m:val="p"/>
-                            </m:rPr>
-                            <a:rPr lang="en-US" altLang="zh-CN" sz="2200">
-                              <a:latin typeface="Cambria Math" panose="02040503050406030204" pitchFamily="18" charset="0"/>
-                            </a:rPr>
-                            <m:t>d</m:t>
+                            <a:rPr lang="en-US" altLang="zh-CN" i="1">
+                              <a:latin typeface="Cambria Math" panose="02040503050406030204" pitchFamily="18" charset="0"/>
+                            </a:rPr>
+                            <m:t>𝑑𝑥</m:t>
                           </m:r>
                           <m:r>
-                            <a:rPr lang="en-US" altLang="zh-CN" sz="2200" i="1">
-                              <a:latin typeface="Cambria Math" panose="02040503050406030204" pitchFamily="18" charset="0"/>
-                            </a:rPr>
-                            <m:t>𝑥</m:t>
-                          </m:r>
-                          <m:r>
-                            <a:rPr lang="en-US" altLang="zh-CN" sz="2200" i="1">
+                            <a:rPr lang="en-US" altLang="zh-CN" i="1">
                               <a:latin typeface="Cambria Math" panose="02040503050406030204" pitchFamily="18" charset="0"/>
                             </a:rPr>
                             <m:t>/</m:t>
                           </m:r>
                           <m:r>
-                            <m:rPr>
-                              <m:sty m:val="p"/>
-                            </m:rPr>
-                            <a:rPr lang="en-US" altLang="zh-CN" sz="2200" i="0">
-                              <a:latin typeface="Cambria Math" panose="02040503050406030204" pitchFamily="18" charset="0"/>
-                            </a:rPr>
-                            <m:t>d</m:t>
-                          </m:r>
-                          <m:r>
-                            <a:rPr lang="en-US" altLang="zh-CN" sz="2200" i="1">
-                              <a:latin typeface="Cambria Math" panose="02040503050406030204" pitchFamily="18" charset="0"/>
-                            </a:rPr>
-                            <m:t>𝑡</m:t>
+                            <a:rPr lang="en-US" altLang="zh-CN" i="1">
+                              <a:latin typeface="Cambria Math" panose="02040503050406030204" pitchFamily="18" charset="0"/>
+                            </a:rPr>
+                            <m:t>𝑑𝑡</m:t>
                           </m:r>
                         </m:den>
                       </m:f>
                       <m:r>
-                        <a:rPr lang="en-US" altLang="zh-CN" sz="2200" i="1">
+                        <a:rPr lang="en-US" altLang="zh-CN" i="1">
                           <a:latin typeface="Cambria Math" panose="02040503050406030204" pitchFamily="18" charset="0"/>
                         </a:rPr>
                         <m:t>=</m:t>
@@ -12041,14 +11730,14 @@
                       <m:f>
                         <m:fPr>
                           <m:ctrlPr>
-                            <a:rPr lang="en-US" altLang="zh-CN" sz="2200" i="1">
+                            <a:rPr lang="en-US" altLang="zh-CN" i="1">
                               <a:latin typeface="Cambria Math" panose="02040503050406030204" pitchFamily="18" charset="0"/>
                             </a:rPr>
                           </m:ctrlPr>
                         </m:fPr>
                         <m:num>
                           <m:r>
-                            <a:rPr lang="en-US" altLang="zh-CN" sz="2200" i="1">
+                            <a:rPr lang="en-US" altLang="zh-CN" i="1">
                               <a:latin typeface="Cambria Math" panose="02040503050406030204" pitchFamily="18" charset="0"/>
                             </a:rPr>
                             <m:t>[</m:t>
@@ -12056,7 +11745,7 @@
                           <m:func>
                             <m:funcPr>
                               <m:ctrlPr>
-                                <a:rPr lang="en-US" altLang="zh-CN" sz="2200" i="1">
+                                <a:rPr lang="en-US" altLang="zh-CN" i="1">
                                   <a:latin typeface="Cambria Math" panose="02040503050406030204" pitchFamily="18" charset="0"/>
                                 </a:rPr>
                               </m:ctrlPr>
@@ -12066,7 +11755,7 @@
                                 <m:rPr>
                                   <m:sty m:val="p"/>
                                 </m:rPr>
-                                <a:rPr lang="en-US" altLang="zh-CN" sz="2200">
+                                <a:rPr lang="en-US" altLang="zh-CN">
                                   <a:latin typeface="Cambria Math" panose="02040503050406030204" pitchFamily="18" charset="0"/>
                                 </a:rPr>
                                 <m:t>cos</m:t>
@@ -12074,7 +11763,7 @@
                             </m:fName>
                             <m:e>
                               <m:r>
-                                <a:rPr lang="en-US" altLang="zh-CN" sz="2200" i="1">
+                                <a:rPr lang="en-US" altLang="zh-CN" i="1">
                                   <a:latin typeface="Cambria Math" panose="02040503050406030204" pitchFamily="18" charset="0"/>
                                 </a:rPr>
                                 <m:t>𝑡</m:t>
@@ -12084,14 +11773,14 @@
                           <m:d>
                             <m:dPr>
                               <m:ctrlPr>
-                                <a:rPr lang="en-US" altLang="zh-CN" sz="2200" i="1">
+                                <a:rPr lang="en-US" altLang="zh-CN" i="1">
                                   <a:latin typeface="Cambria Math" panose="02040503050406030204" pitchFamily="18" charset="0"/>
                                 </a:rPr>
                               </m:ctrlPr>
                             </m:dPr>
                             <m:e>
                               <m:r>
-                                <a:rPr lang="en-US" altLang="zh-CN" sz="2200" i="1">
+                                <a:rPr lang="en-US" altLang="zh-CN" i="1">
                                   <a:latin typeface="Cambria Math" panose="02040503050406030204" pitchFamily="18" charset="0"/>
                                 </a:rPr>
                                 <m:t>1−</m:t>
@@ -12099,7 +11788,7 @@
                               <m:func>
                                 <m:funcPr>
                                   <m:ctrlPr>
-                                    <a:rPr lang="en-US" altLang="zh-CN" sz="2200" i="1">
+                                    <a:rPr lang="en-US" altLang="zh-CN" i="1">
                                       <a:latin typeface="Cambria Math" panose="02040503050406030204" pitchFamily="18" charset="0"/>
                                     </a:rPr>
                                   </m:ctrlPr>
@@ -12109,7 +11798,7 @@
                                     <m:rPr>
                                       <m:sty m:val="p"/>
                                     </m:rPr>
-                                    <a:rPr lang="en-US" altLang="zh-CN" sz="2200">
+                                    <a:rPr lang="en-US" altLang="zh-CN">
                                       <a:latin typeface="Cambria Math" panose="02040503050406030204" pitchFamily="18" charset="0"/>
                                     </a:rPr>
                                     <m:t>cos</m:t>
@@ -12117,7 +11806,7 @@
                                 </m:fName>
                                 <m:e>
                                   <m:r>
-                                    <a:rPr lang="en-US" altLang="zh-CN" sz="2200" i="1">
+                                    <a:rPr lang="en-US" altLang="zh-CN" i="1">
                                       <a:latin typeface="Cambria Math" panose="02040503050406030204" pitchFamily="18" charset="0"/>
                                     </a:rPr>
                                     <m:t>𝑡</m:t>
@@ -12127,7 +11816,7 @@
                             </m:e>
                           </m:d>
                           <m:r>
-                            <a:rPr lang="en-US" altLang="zh-CN" sz="2200" i="1">
+                            <a:rPr lang="en-US" altLang="zh-CN" i="1">
                               <a:latin typeface="Cambria Math" panose="02040503050406030204" pitchFamily="18" charset="0"/>
                             </a:rPr>
                             <m:t>−</m:t>
@@ -12135,7 +11824,7 @@
                           <m:func>
                             <m:funcPr>
                               <m:ctrlPr>
-                                <a:rPr lang="en-US" altLang="zh-CN" sz="2200" i="1">
+                                <a:rPr lang="en-US" altLang="zh-CN" i="1">
                                   <a:latin typeface="Cambria Math" panose="02040503050406030204" pitchFamily="18" charset="0"/>
                                 </a:rPr>
                               </m:ctrlPr>
@@ -12145,7 +11834,7 @@
                                 <m:rPr>
                                   <m:sty m:val="p"/>
                                 </m:rPr>
-                                <a:rPr lang="en-US" altLang="zh-CN" sz="2200">
+                                <a:rPr lang="en-US" altLang="zh-CN">
                                   <a:latin typeface="Cambria Math" panose="02040503050406030204" pitchFamily="18" charset="0"/>
                                 </a:rPr>
                                 <m:t>sin</m:t>
@@ -12153,7 +11842,7 @@
                             </m:fName>
                             <m:e>
                               <m:r>
-                                <a:rPr lang="en-US" altLang="zh-CN" sz="2200" i="1">
+                                <a:rPr lang="en-US" altLang="zh-CN" i="1">
                                   <a:latin typeface="Cambria Math" panose="02040503050406030204" pitchFamily="18" charset="0"/>
                                 </a:rPr>
                                 <m:t>𝑡</m:t>
@@ -12161,7 +11850,7 @@
                             </m:e>
                           </m:func>
                           <m:r>
-                            <a:rPr lang="en-US" altLang="zh-CN" sz="2200" i="1">
+                            <a:rPr lang="en-US" altLang="zh-CN" i="1">
                               <a:latin typeface="Cambria Math" panose="02040503050406030204" pitchFamily="18" charset="0"/>
                             </a:rPr>
                             <m:t>⋅</m:t>
@@ -12169,7 +11858,7 @@
                           <m:func>
                             <m:funcPr>
                               <m:ctrlPr>
-                                <a:rPr lang="en-US" altLang="zh-CN" sz="2200" i="1">
+                                <a:rPr lang="en-US" altLang="zh-CN" i="1">
                                   <a:latin typeface="Cambria Math" panose="02040503050406030204" pitchFamily="18" charset="0"/>
                                 </a:rPr>
                               </m:ctrlPr>
@@ -12179,7 +11868,7 @@
                                 <m:rPr>
                                   <m:sty m:val="p"/>
                                 </m:rPr>
-                                <a:rPr lang="en-US" altLang="zh-CN" sz="2200">
+                                <a:rPr lang="en-US" altLang="zh-CN">
                                   <a:latin typeface="Cambria Math" panose="02040503050406030204" pitchFamily="18" charset="0"/>
                                 </a:rPr>
                                 <m:t>sin</m:t>
@@ -12187,7 +11876,7 @@
                             </m:fName>
                             <m:e>
                               <m:r>
-                                <a:rPr lang="en-US" altLang="zh-CN" sz="2200" i="1">
+                                <a:rPr lang="en-US" altLang="zh-CN" i="1">
                                   <a:latin typeface="Cambria Math" panose="02040503050406030204" pitchFamily="18" charset="0"/>
                                 </a:rPr>
                                 <m:t>𝑡</m:t>
@@ -12195,7 +11884,7 @@
                             </m:e>
                           </m:func>
                           <m:r>
-                            <a:rPr lang="en-US" altLang="zh-CN" sz="2200" i="1">
+                            <a:rPr lang="en-US" altLang="zh-CN" i="1">
                               <a:latin typeface="Cambria Math" panose="02040503050406030204" pitchFamily="18" charset="0"/>
                             </a:rPr>
                             <m:t>]</m:t>
@@ -12203,7 +11892,7 @@
                           <m:sSup>
                             <m:sSupPr>
                               <m:ctrlPr>
-                                <a:rPr lang="en-US" altLang="zh-CN" sz="2200" i="1">
+                                <a:rPr lang="en-US" altLang="zh-CN" i="1">
                                   <a:latin typeface="Cambria Math" panose="02040503050406030204" pitchFamily="18" charset="0"/>
                                 </a:rPr>
                               </m:ctrlPr>
@@ -12212,14 +11901,14 @@
                               <m:d>
                                 <m:dPr>
                                   <m:ctrlPr>
-                                    <a:rPr lang="en-US" altLang="zh-CN" sz="2200" i="1">
+                                    <a:rPr lang="en-US" altLang="zh-CN" i="1">
                                       <a:latin typeface="Cambria Math" panose="02040503050406030204" pitchFamily="18" charset="0"/>
                                     </a:rPr>
                                   </m:ctrlPr>
                                 </m:dPr>
                                 <m:e>
                                   <m:r>
-                                    <a:rPr lang="en-US" altLang="zh-CN" sz="2200" i="1">
+                                    <a:rPr lang="en-US" altLang="zh-CN" i="1">
                                       <a:latin typeface="Cambria Math" panose="02040503050406030204" pitchFamily="18" charset="0"/>
                                     </a:rPr>
                                     <m:t>1−</m:t>
@@ -12227,7 +11916,7 @@
                                   <m:func>
                                     <m:funcPr>
                                       <m:ctrlPr>
-                                        <a:rPr lang="en-US" altLang="zh-CN" sz="2200" i="1">
+                                        <a:rPr lang="en-US" altLang="zh-CN" i="1">
                                           <a:latin typeface="Cambria Math" panose="02040503050406030204" pitchFamily="18" charset="0"/>
                                         </a:rPr>
                                       </m:ctrlPr>
@@ -12237,7 +11926,7 @@
                                         <m:rPr>
                                           <m:sty m:val="p"/>
                                         </m:rPr>
-                                        <a:rPr lang="en-US" altLang="zh-CN" sz="2200">
+                                        <a:rPr lang="en-US" altLang="zh-CN">
                                           <a:latin typeface="Cambria Math" panose="02040503050406030204" pitchFamily="18" charset="0"/>
                                         </a:rPr>
                                         <m:t>cos</m:t>
@@ -12245,7 +11934,7 @@
                                     </m:fName>
                                     <m:e>
                                       <m:r>
-                                        <a:rPr lang="en-US" altLang="zh-CN" sz="2200" i="1">
+                                        <a:rPr lang="en-US" altLang="zh-CN" i="1">
                                           <a:latin typeface="Cambria Math" panose="02040503050406030204" pitchFamily="18" charset="0"/>
                                         </a:rPr>
                                         <m:t>𝑡</m:t>
@@ -12257,7 +11946,7 @@
                             </m:e>
                             <m:sup>
                               <m:r>
-                                <a:rPr lang="en-US" altLang="zh-CN" sz="2200" i="1">
+                                <a:rPr lang="en-US" altLang="zh-CN" i="1">
                                   <a:latin typeface="Cambria Math" panose="02040503050406030204" pitchFamily="18" charset="0"/>
                                 </a:rPr>
                                 <m:t>−2</m:t>
@@ -12267,7 +11956,7 @@
                         </m:num>
                         <m:den>
                           <m:r>
-                            <a:rPr lang="en-US" altLang="zh-CN" sz="2200" i="1">
+                            <a:rPr lang="en-US" altLang="zh-CN" i="1">
                               <a:latin typeface="Cambria Math" panose="02040503050406030204" pitchFamily="18" charset="0"/>
                             </a:rPr>
                             <m:t>𝑎</m:t>
@@ -12275,14 +11964,14 @@
                           <m:d>
                             <m:dPr>
                               <m:ctrlPr>
-                                <a:rPr lang="en-US" altLang="zh-CN" sz="2200" i="1">
+                                <a:rPr lang="en-US" altLang="zh-CN" i="1">
                                   <a:latin typeface="Cambria Math" panose="02040503050406030204" pitchFamily="18" charset="0"/>
                                 </a:rPr>
                               </m:ctrlPr>
                             </m:dPr>
                             <m:e>
                               <m:r>
-                                <a:rPr lang="en-US" altLang="zh-CN" sz="2200" i="1">
+                                <a:rPr lang="en-US" altLang="zh-CN" i="1">
                                   <a:latin typeface="Cambria Math" panose="02040503050406030204" pitchFamily="18" charset="0"/>
                                 </a:rPr>
                                 <m:t>1−</m:t>
@@ -12290,7 +11979,7 @@
                               <m:func>
                                 <m:funcPr>
                                   <m:ctrlPr>
-                                    <a:rPr lang="en-US" altLang="zh-CN" sz="2200" i="1">
+                                    <a:rPr lang="en-US" altLang="zh-CN" i="1">
                                       <a:latin typeface="Cambria Math" panose="02040503050406030204" pitchFamily="18" charset="0"/>
                                     </a:rPr>
                                   </m:ctrlPr>
@@ -12300,7 +11989,7 @@
                                     <m:rPr>
                                       <m:sty m:val="p"/>
                                     </m:rPr>
-                                    <a:rPr lang="en-US" altLang="zh-CN" sz="2200">
+                                    <a:rPr lang="en-US" altLang="zh-CN">
                                       <a:latin typeface="Cambria Math" panose="02040503050406030204" pitchFamily="18" charset="0"/>
                                     </a:rPr>
                                     <m:t>cos</m:t>
@@ -12308,7 +11997,7 @@
                                 </m:fName>
                                 <m:e>
                                   <m:r>
-                                    <a:rPr lang="en-US" altLang="zh-CN" sz="2200" i="1">
+                                    <a:rPr lang="en-US" altLang="zh-CN" i="1">
                                       <a:latin typeface="Cambria Math" panose="02040503050406030204" pitchFamily="18" charset="0"/>
                                     </a:rPr>
                                     <m:t>𝑡</m:t>
@@ -12325,7 +12014,7 @@
                         <m:rPr>
                           <m:aln/>
                         </m:rPr>
-                        <a:rPr lang="en-US" altLang="zh-CN" sz="2200" i="1">
+                        <a:rPr lang="en-US" altLang="zh-CN" i="1">
                           <a:latin typeface="Cambria Math" panose="02040503050406030204" pitchFamily="18" charset="0"/>
                         </a:rPr>
                         <m:t>=</m:t>
@@ -12333,7 +12022,7 @@
                       <m:f>
                         <m:fPr>
                           <m:ctrlPr>
-                            <a:rPr lang="en-US" altLang="zh-CN" sz="2200" i="1">
+                            <a:rPr lang="en-US" altLang="zh-CN" i="1">
                               <a:latin typeface="Cambria Math" panose="02040503050406030204" pitchFamily="18" charset="0"/>
                             </a:rPr>
                           </m:ctrlPr>
@@ -12342,7 +12031,7 @@
                           <m:func>
                             <m:funcPr>
                               <m:ctrlPr>
-                                <a:rPr lang="en-US" altLang="zh-CN" sz="2200" i="1">
+                                <a:rPr lang="en-US" altLang="zh-CN" i="1">
                                   <a:latin typeface="Cambria Math" panose="02040503050406030204" pitchFamily="18" charset="0"/>
                                 </a:rPr>
                               </m:ctrlPr>
@@ -12352,7 +12041,7 @@
                                 <m:rPr>
                                   <m:sty m:val="p"/>
                                 </m:rPr>
-                                <a:rPr lang="en-US" altLang="zh-CN" sz="2200">
+                                <a:rPr lang="en-US" altLang="zh-CN">
                                   <a:latin typeface="Cambria Math" panose="02040503050406030204" pitchFamily="18" charset="0"/>
                                 </a:rPr>
                                 <m:t>cos</m:t>
@@ -12360,7 +12049,7 @@
                             </m:fName>
                             <m:e>
                               <m:r>
-                                <a:rPr lang="en-US" altLang="zh-CN" sz="2200" i="1">
+                                <a:rPr lang="en-US" altLang="zh-CN" i="1">
                                   <a:latin typeface="Cambria Math" panose="02040503050406030204" pitchFamily="18" charset="0"/>
                                 </a:rPr>
                                 <m:t>𝑡</m:t>
@@ -12368,7 +12057,7 @@
                             </m:e>
                           </m:func>
                           <m:r>
-                            <a:rPr lang="en-US" altLang="zh-CN" sz="2200" i="1">
+                            <a:rPr lang="en-US" altLang="zh-CN" i="1">
                               <a:latin typeface="Cambria Math" panose="02040503050406030204" pitchFamily="18" charset="0"/>
                             </a:rPr>
                             <m:t>−1</m:t>
@@ -12376,7 +12065,7 @@
                         </m:num>
                         <m:den>
                           <m:r>
-                            <a:rPr lang="en-US" altLang="zh-CN" sz="2200" i="1">
+                            <a:rPr lang="en-US" altLang="zh-CN" i="1">
                               <a:latin typeface="Cambria Math" panose="02040503050406030204" pitchFamily="18" charset="0"/>
                             </a:rPr>
                             <m:t>𝑎</m:t>
@@ -12384,7 +12073,7 @@
                           <m:sSup>
                             <m:sSupPr>
                               <m:ctrlPr>
-                                <a:rPr lang="en-US" altLang="zh-CN" sz="2200" i="1">
+                                <a:rPr lang="en-US" altLang="zh-CN" i="1">
                                   <a:latin typeface="Cambria Math" panose="02040503050406030204" pitchFamily="18" charset="0"/>
                                 </a:rPr>
                               </m:ctrlPr>
@@ -12393,14 +12082,14 @@
                               <m:d>
                                 <m:dPr>
                                   <m:ctrlPr>
-                                    <a:rPr lang="en-US" altLang="zh-CN" sz="2200" i="1">
+                                    <a:rPr lang="en-US" altLang="zh-CN" i="1">
                                       <a:latin typeface="Cambria Math" panose="02040503050406030204" pitchFamily="18" charset="0"/>
                                     </a:rPr>
                                   </m:ctrlPr>
                                 </m:dPr>
                                 <m:e>
                                   <m:r>
-                                    <a:rPr lang="en-US" altLang="zh-CN" sz="2200" i="1">
+                                    <a:rPr lang="en-US" altLang="zh-CN" i="1">
                                       <a:latin typeface="Cambria Math" panose="02040503050406030204" pitchFamily="18" charset="0"/>
                                     </a:rPr>
                                     <m:t>1−</m:t>
@@ -12408,7 +12097,7 @@
                                   <m:func>
                                     <m:funcPr>
                                       <m:ctrlPr>
-                                        <a:rPr lang="en-US" altLang="zh-CN" sz="2200" i="1">
+                                        <a:rPr lang="en-US" altLang="zh-CN" i="1">
                                           <a:latin typeface="Cambria Math" panose="02040503050406030204" pitchFamily="18" charset="0"/>
                                         </a:rPr>
                                       </m:ctrlPr>
@@ -12418,7 +12107,7 @@
                                         <m:rPr>
                                           <m:sty m:val="p"/>
                                         </m:rPr>
-                                        <a:rPr lang="en-US" altLang="zh-CN" sz="2200">
+                                        <a:rPr lang="en-US" altLang="zh-CN">
                                           <a:latin typeface="Cambria Math" panose="02040503050406030204" pitchFamily="18" charset="0"/>
                                         </a:rPr>
                                         <m:t>cos</m:t>
@@ -12426,7 +12115,7 @@
                                     </m:fName>
                                     <m:e>
                                       <m:r>
-                                        <a:rPr lang="en-US" altLang="zh-CN" sz="2200" i="1">
+                                        <a:rPr lang="en-US" altLang="zh-CN" i="1">
                                           <a:latin typeface="Cambria Math" panose="02040503050406030204" pitchFamily="18" charset="0"/>
                                         </a:rPr>
                                         <m:t>𝑡</m:t>
@@ -12438,7 +12127,7 @@
                             </m:e>
                             <m:sup>
                               <m:r>
-                                <a:rPr lang="en-US" altLang="zh-CN" sz="2200" i="1">
+                                <a:rPr lang="en-US" altLang="zh-CN" i="1">
                                   <a:latin typeface="Cambria Math" panose="02040503050406030204" pitchFamily="18" charset="0"/>
                                 </a:rPr>
                                 <m:t>3</m:t>
@@ -12448,13 +12137,13 @@
                         </m:den>
                       </m:f>
                       <m:r>
-                        <a:rPr lang="en-US" altLang="zh-CN" sz="2200">
+                        <a:rPr lang="en-US" altLang="zh-CN">
                           <a:latin typeface="Cambria Math" panose="02040503050406030204" pitchFamily="18" charset="0"/>
                         </a:rPr>
                         <m:t>=</m:t>
                       </m:r>
                       <m:r>
-                        <a:rPr lang="en-US" altLang="zh-CN" sz="2200" i="1">
+                        <a:rPr lang="en-US" altLang="zh-CN" i="1">
                           <a:latin typeface="Cambria Math" panose="02040503050406030204" pitchFamily="18" charset="0"/>
                         </a:rPr>
                         <m:t>−</m:t>
@@ -12462,14 +12151,14 @@
                       <m:f>
                         <m:fPr>
                           <m:ctrlPr>
-                            <a:rPr lang="en-US" altLang="zh-CN" sz="2200" i="1">
+                            <a:rPr lang="en-US" altLang="zh-CN" i="1">
                               <a:latin typeface="Cambria Math" panose="02040503050406030204" pitchFamily="18" charset="0"/>
                             </a:rPr>
                           </m:ctrlPr>
                         </m:fPr>
                         <m:num>
                           <m:r>
-                            <a:rPr lang="en-US" altLang="zh-CN" sz="2200" i="1">
+                            <a:rPr lang="en-US" altLang="zh-CN" i="1">
                               <a:latin typeface="Cambria Math" panose="02040503050406030204" pitchFamily="18" charset="0"/>
                             </a:rPr>
                             <m:t>1</m:t>
@@ -12479,7 +12168,7 @@
                           <m:sSup>
                             <m:sSupPr>
                               <m:ctrlPr>
-                                <a:rPr lang="en-US" altLang="zh-CN" sz="2200" i="1">
+                                <a:rPr lang="en-US" altLang="zh-CN" i="1">
                                   <a:latin typeface="Cambria Math" panose="02040503050406030204" pitchFamily="18" charset="0"/>
                                 </a:rPr>
                               </m:ctrlPr>
@@ -12488,14 +12177,14 @@
                               <m:d>
                                 <m:dPr>
                                   <m:ctrlPr>
-                                    <a:rPr lang="en-US" altLang="zh-CN" sz="2200" i="1">
+                                    <a:rPr lang="en-US" altLang="zh-CN" i="1">
                                       <a:latin typeface="Cambria Math" panose="02040503050406030204" pitchFamily="18" charset="0"/>
                                     </a:rPr>
                                   </m:ctrlPr>
                                 </m:dPr>
                                 <m:e>
                                   <m:r>
-                                    <a:rPr lang="en-US" altLang="zh-CN" sz="2200" i="1">
+                                    <a:rPr lang="en-US" altLang="zh-CN" i="1">
                                       <a:latin typeface="Cambria Math" panose="02040503050406030204" pitchFamily="18" charset="0"/>
                                     </a:rPr>
                                     <m:t>1−</m:t>
@@ -12503,7 +12192,7 @@
                                   <m:func>
                                     <m:funcPr>
                                       <m:ctrlPr>
-                                        <a:rPr lang="en-US" altLang="zh-CN" sz="2200" i="1">
+                                        <a:rPr lang="en-US" altLang="zh-CN" i="1">
                                           <a:latin typeface="Cambria Math" panose="02040503050406030204" pitchFamily="18" charset="0"/>
                                         </a:rPr>
                                       </m:ctrlPr>
@@ -12513,7 +12202,7 @@
                                         <m:rPr>
                                           <m:sty m:val="p"/>
                                         </m:rPr>
-                                        <a:rPr lang="en-US" altLang="zh-CN" sz="2200">
+                                        <a:rPr lang="en-US" altLang="zh-CN">
                                           <a:latin typeface="Cambria Math" panose="02040503050406030204" pitchFamily="18" charset="0"/>
                                         </a:rPr>
                                         <m:t>cos</m:t>
@@ -12521,7 +12210,7 @@
                                     </m:fName>
                                     <m:e>
                                       <m:r>
-                                        <a:rPr lang="en-US" altLang="zh-CN" sz="2200" i="1">
+                                        <a:rPr lang="en-US" altLang="zh-CN" i="1">
                                           <a:latin typeface="Cambria Math" panose="02040503050406030204" pitchFamily="18" charset="0"/>
                                         </a:rPr>
                                         <m:t>𝑡</m:t>
@@ -12533,7 +12222,7 @@
                             </m:e>
                             <m:sup>
                               <m:r>
-                                <a:rPr lang="en-US" altLang="zh-CN" sz="2200" i="1">
+                                <a:rPr lang="en-US" altLang="zh-CN" i="1">
                                   <a:latin typeface="Cambria Math" panose="02040503050406030204" pitchFamily="18" charset="0"/>
                                 </a:rPr>
                                 <m:t>2</m:t>
@@ -12543,7 +12232,7 @@
                         </m:den>
                       </m:f>
                       <m:r>
-                        <a:rPr lang="en-US" altLang="zh-CN" sz="2200" i="1">
+                        <a:rPr lang="en-US" altLang="zh-CN" i="1">
                           <a:latin typeface="Cambria Math" panose="02040503050406030204" pitchFamily="18" charset="0"/>
                         </a:rPr>
                         <m:t>.</m:t>
@@ -12551,7 +12240,7 @@
                     </m:oMath>
                   </m:oMathPara>
                 </a14:m>
-                <a:endParaRPr lang="en-US" altLang="zh-CN" sz="2200" dirty="0"/>
+                <a:endParaRPr lang="en-US" altLang="zh-CN" dirty="0"/>
               </a:p>
             </p:txBody>
           </p:sp>
@@ -12571,7 +12260,7 @@
               <a:blipFill>
                 <a:blip r:embed="rId2"/>
                 <a:stretch>
-                  <a:fillRect l="-621"/>
+                  <a:fillRect l="-734"/>
                 </a:stretch>
               </a:blipFill>
             </p:spPr>
@@ -12791,67 +12480,6 @@
                       </p:childTnLst>
                     </p:cTn>
                   </p:par>
-                  <p:par>
-                    <p:cTn id="18" fill="hold">
-                      <p:stCondLst>
-                        <p:cond delay="indefinite"/>
-                      </p:stCondLst>
-                      <p:childTnLst>
-                        <p:par>
-                          <p:cTn id="19" fill="hold">
-                            <p:stCondLst>
-                              <p:cond delay="0"/>
-                            </p:stCondLst>
-                            <p:childTnLst>
-                              <p:par>
-                                <p:cTn id="20" presetID="10" presetClass="entr" presetSubtype="0" fill="hold" grpId="0" nodeType="clickEffect">
-                                  <p:stCondLst>
-                                    <p:cond delay="0"/>
-                                  </p:stCondLst>
-                                  <p:childTnLst>
-                                    <p:set>
-                                      <p:cBhvr>
-                                        <p:cTn id="21" dur="1" fill="hold">
-                                          <p:stCondLst>
-                                            <p:cond delay="0"/>
-                                          </p:stCondLst>
-                                        </p:cTn>
-                                        <p:tgtEl>
-                                          <p:spTgt spid="4">
-                                            <p:txEl>
-                                              <p:pRg st="3" end="3"/>
-                                            </p:txEl>
-                                          </p:spTgt>
-                                        </p:tgtEl>
-                                        <p:attrNameLst>
-                                          <p:attrName>style.visibility</p:attrName>
-                                        </p:attrNameLst>
-                                      </p:cBhvr>
-                                      <p:to>
-                                        <p:strVal val="visible"/>
-                                      </p:to>
-                                    </p:set>
-                                    <p:animEffect transition="in" filter="fade">
-                                      <p:cBhvr>
-                                        <p:cTn id="22" dur="500"/>
-                                        <p:tgtEl>
-                                          <p:spTgt spid="4">
-                                            <p:txEl>
-                                              <p:pRg st="3" end="3"/>
-                                            </p:txEl>
-                                          </p:spTgt>
-                                        </p:tgtEl>
-                                      </p:cBhvr>
-                                    </p:animEffect>
-                                  </p:childTnLst>
-                                </p:cTn>
-                              </p:par>
-                            </p:childTnLst>
-                          </p:cTn>
-                        </p:par>
-                      </p:childTnLst>
-                    </p:cTn>
-                  </p:par>
                 </p:childTnLst>
               </p:cTn>
               <p:prevCondLst>
@@ -13196,17 +12824,16 @@
                       </m:fPr>
                       <m:num>
                         <m:r>
-                          <m:rPr>
-                            <m:sty m:val="p"/>
-                          </m:rPr>
-                          <a:rPr lang="en-US" altLang="zh-CN" sz="2800">
+                          <a:rPr lang="en-US" altLang="zh-CN" sz="2800" i="1">
                             <a:solidFill>
                               <a:schemeClr val="tx1"/>
                             </a:solidFill>
                             <a:latin typeface="Cambria Math" panose="02040503050406030204" pitchFamily="18" charset="0"/>
                           </a:rPr>
-                          <m:t>d</m:t>
+                          <m:t>𝑑𝑦</m:t>
                         </m:r>
+                      </m:num>
+                      <m:den>
                         <m:r>
                           <a:rPr lang="en-US" altLang="zh-CN" sz="2800" i="1">
                             <a:solidFill>
@@ -13214,30 +12841,7 @@
                             </a:solidFill>
                             <a:latin typeface="Cambria Math" panose="02040503050406030204" pitchFamily="18" charset="0"/>
                           </a:rPr>
-                          <m:t>𝑦</m:t>
-                        </m:r>
-                      </m:num>
-                      <m:den>
-                        <m:r>
-                          <m:rPr>
-                            <m:sty m:val="p"/>
-                          </m:rPr>
-                          <a:rPr lang="en-US" altLang="zh-CN" sz="2800">
-                            <a:solidFill>
-                              <a:schemeClr val="tx1"/>
-                            </a:solidFill>
-                            <a:latin typeface="Cambria Math" panose="02040503050406030204" pitchFamily="18" charset="0"/>
-                          </a:rPr>
-                          <m:t>d</m:t>
-                        </m:r>
-                        <m:r>
-                          <a:rPr lang="en-US" altLang="zh-CN" sz="2800" i="1">
-                            <a:solidFill>
-                              <a:schemeClr val="tx1"/>
-                            </a:solidFill>
-                            <a:latin typeface="Cambria Math" panose="02040503050406030204" pitchFamily="18" charset="0"/>
-                          </a:rPr>
-                          <m:t>𝑥</m:t>
+                          <m:t>𝑑𝑥</m:t>
                         </m:r>
                       </m:den>
                     </m:f>
@@ -13263,16 +12867,13 @@
                       </m:fPr>
                       <m:num>
                         <m:r>
-                          <m:rPr>
-                            <m:sty m:val="p"/>
-                          </m:rPr>
-                          <a:rPr lang="en-US" altLang="zh-CN" sz="2800">
+                          <a:rPr lang="en-US" altLang="zh-CN" sz="2800" i="1">
                             <a:solidFill>
                               <a:schemeClr val="tx1"/>
                             </a:solidFill>
                             <a:latin typeface="Cambria Math" panose="02040503050406030204" pitchFamily="18" charset="0"/>
                           </a:rPr>
-                          <m:t>d</m:t>
+                          <m:t>𝑑𝑦</m:t>
                         </m:r>
                         <m:r>
                           <a:rPr lang="en-US" altLang="zh-CN" sz="2800" i="1">
@@ -13281,7 +12882,7 @@
                             </a:solidFill>
                             <a:latin typeface="Cambria Math" panose="02040503050406030204" pitchFamily="18" charset="0"/>
                           </a:rPr>
-                          <m:t>𝑦</m:t>
+                          <m:t>/</m:t>
                         </m:r>
                         <m:r>
                           <a:rPr lang="en-US" altLang="zh-CN" sz="2800" i="1">
@@ -13290,19 +12891,18 @@
                             </a:solidFill>
                             <a:latin typeface="Cambria Math" panose="02040503050406030204" pitchFamily="18" charset="0"/>
                           </a:rPr>
-                          <m:t>/</m:t>
+                          <m:t>𝑑𝑡</m:t>
                         </m:r>
+                      </m:num>
+                      <m:den>
                         <m:r>
-                          <m:rPr>
-                            <m:sty m:val="p"/>
-                          </m:rPr>
-                          <a:rPr lang="en-US" altLang="zh-CN" sz="2800">
+                          <a:rPr lang="en-US" altLang="zh-CN" sz="2800" i="1">
                             <a:solidFill>
                               <a:schemeClr val="tx1"/>
                             </a:solidFill>
                             <a:latin typeface="Cambria Math" panose="02040503050406030204" pitchFamily="18" charset="0"/>
                           </a:rPr>
-                          <m:t>d</m:t>
+                          <m:t>𝑑𝑥</m:t>
                         </m:r>
                         <m:r>
                           <a:rPr lang="en-US" altLang="zh-CN" sz="2800" i="1">
@@ -13311,21 +12911,7 @@
                             </a:solidFill>
                             <a:latin typeface="Cambria Math" panose="02040503050406030204" pitchFamily="18" charset="0"/>
                           </a:rPr>
-                          <m:t>𝑡</m:t>
-                        </m:r>
-                      </m:num>
-                      <m:den>
-                        <m:r>
-                          <m:rPr>
-                            <m:sty m:val="p"/>
-                          </m:rPr>
-                          <a:rPr lang="en-US" altLang="zh-CN" sz="2800">
-                            <a:solidFill>
-                              <a:schemeClr val="tx1"/>
-                            </a:solidFill>
-                            <a:latin typeface="Cambria Math" panose="02040503050406030204" pitchFamily="18" charset="0"/>
-                          </a:rPr>
-                          <m:t>d</m:t>
+                          <m:t>/</m:t>
                         </m:r>
                         <m:r>
                           <a:rPr lang="en-US" altLang="zh-CN" sz="2800" i="1">
@@ -13334,37 +12920,7 @@
                             </a:solidFill>
                             <a:latin typeface="Cambria Math" panose="02040503050406030204" pitchFamily="18" charset="0"/>
                           </a:rPr>
-                          <m:t>𝑥</m:t>
-                        </m:r>
-                        <m:r>
-                          <a:rPr lang="en-US" altLang="zh-CN" sz="2800" i="1">
-                            <a:solidFill>
-                              <a:schemeClr val="tx1"/>
-                            </a:solidFill>
-                            <a:latin typeface="Cambria Math" panose="02040503050406030204" pitchFamily="18" charset="0"/>
-                          </a:rPr>
-                          <m:t>/</m:t>
-                        </m:r>
-                        <m:r>
-                          <m:rPr>
-                            <m:sty m:val="p"/>
-                          </m:rPr>
-                          <a:rPr lang="en-US" altLang="zh-CN" sz="2800">
-                            <a:solidFill>
-                              <a:schemeClr val="tx1"/>
-                            </a:solidFill>
-                            <a:latin typeface="Cambria Math" panose="02040503050406030204" pitchFamily="18" charset="0"/>
-                          </a:rPr>
-                          <m:t>d</m:t>
-                        </m:r>
-                        <m:r>
-                          <a:rPr lang="en-US" altLang="zh-CN" sz="2800" i="1">
-                            <a:solidFill>
-                              <a:schemeClr val="tx1"/>
-                            </a:solidFill>
-                            <a:latin typeface="Cambria Math" panose="02040503050406030204" pitchFamily="18" charset="0"/>
-                          </a:rPr>
-                          <m:t>𝑡</m:t>
+                          <m:t>𝑑𝑡</m:t>
                         </m:r>
                       </m:den>
                     </m:f>
@@ -14285,7 +13841,7 @@
               <a:blipFill>
                 <a:blip r:embed="rId2"/>
                 <a:stretch>
-                  <a:fillRect l="-734" r="-2709"/>
+                  <a:fillRect l="-734"/>
                 </a:stretch>
               </a:blipFill>
             </p:spPr>
@@ -15221,36 +14777,18 @@
                         </m:fPr>
                         <m:num>
                           <m:r>
-                            <m:rPr>
-                              <m:sty m:val="p"/>
-                            </m:rPr>
-                            <a:rPr lang="en-US" altLang="zh-CN">
-                              <a:latin typeface="Cambria Math" panose="02040503050406030204" pitchFamily="18" charset="0"/>
-                            </a:rPr>
-                            <m:t>d</m:t>
-                          </m:r>
-                          <m:r>
                             <a:rPr lang="en-US" altLang="zh-CN" i="1">
                               <a:latin typeface="Cambria Math" panose="02040503050406030204" pitchFamily="18" charset="0"/>
                             </a:rPr>
-                            <m:t>𝑦</m:t>
+                            <m:t>𝑑𝑦</m:t>
                           </m:r>
                         </m:num>
                         <m:den>
                           <m:r>
-                            <m:rPr>
-                              <m:sty m:val="p"/>
-                            </m:rPr>
-                            <a:rPr lang="en-US" altLang="zh-CN">
-                              <a:latin typeface="Cambria Math" panose="02040503050406030204" pitchFamily="18" charset="0"/>
-                            </a:rPr>
-                            <m:t>d</m:t>
-                          </m:r>
-                          <m:r>
                             <a:rPr lang="en-US" altLang="zh-CN" i="1">
                               <a:latin typeface="Cambria Math" panose="02040503050406030204" pitchFamily="18" charset="0"/>
                             </a:rPr>
-                            <m:t>𝑥</m:t>
+                            <m:t>𝑑𝑥</m:t>
                           </m:r>
                         </m:den>
                       </m:f>
@@ -15270,34 +14808,22 @@
                         </m:fPr>
                         <m:num>
                           <m:r>
-                            <m:rPr>
-                              <m:sty m:val="p"/>
-                            </m:rPr>
-                            <a:rPr lang="en-US" altLang="zh-CN">
-                              <a:latin typeface="Cambria Math" panose="02040503050406030204" pitchFamily="18" charset="0"/>
-                            </a:rPr>
-                            <m:t>d</m:t>
+                            <a:rPr lang="en-US" altLang="zh-CN" i="1">
+                              <a:latin typeface="Cambria Math" panose="02040503050406030204" pitchFamily="18" charset="0"/>
+                            </a:rPr>
+                            <m:t>𝑑𝑦</m:t>
                           </m:r>
                           <m:r>
                             <a:rPr lang="en-US" altLang="zh-CN" i="1">
                               <a:latin typeface="Cambria Math" panose="02040503050406030204" pitchFamily="18" charset="0"/>
                             </a:rPr>
-                            <m:t>𝑦</m:t>
+                            <m:t>/</m:t>
                           </m:r>
                           <m:r>
                             <a:rPr lang="en-US" altLang="zh-CN" i="1">
                               <a:latin typeface="Cambria Math" panose="02040503050406030204" pitchFamily="18" charset="0"/>
                             </a:rPr>
-                            <m:t>/</m:t>
-                          </m:r>
-                          <m:r>
-                            <m:rPr>
-                              <m:sty m:val="p"/>
-                            </m:rPr>
-                            <a:rPr lang="en-US" altLang="zh-CN">
-                              <a:latin typeface="Cambria Math" panose="02040503050406030204" pitchFamily="18" charset="0"/>
-                            </a:rPr>
-                            <m:t>d</m:t>
+                            <m:t>𝑑</m:t>
                           </m:r>
                           <m:r>
                             <a:rPr lang="en-US" altLang="zh-CN" i="1">
@@ -15308,34 +14834,22 @@
                         </m:num>
                         <m:den>
                           <m:r>
-                            <m:rPr>
-                              <m:sty m:val="p"/>
-                            </m:rPr>
-                            <a:rPr lang="en-US" altLang="zh-CN">
-                              <a:latin typeface="Cambria Math" panose="02040503050406030204" pitchFamily="18" charset="0"/>
-                            </a:rPr>
-                            <m:t>d</m:t>
+                            <a:rPr lang="en-US" altLang="zh-CN" i="1">
+                              <a:latin typeface="Cambria Math" panose="02040503050406030204" pitchFamily="18" charset="0"/>
+                            </a:rPr>
+                            <m:t>𝑑𝑥</m:t>
                           </m:r>
                           <m:r>
                             <a:rPr lang="en-US" altLang="zh-CN" i="1">
                               <a:latin typeface="Cambria Math" panose="02040503050406030204" pitchFamily="18" charset="0"/>
                             </a:rPr>
-                            <m:t>𝑥</m:t>
+                            <m:t>/</m:t>
                           </m:r>
                           <m:r>
                             <a:rPr lang="en-US" altLang="zh-CN" i="1">
                               <a:latin typeface="Cambria Math" panose="02040503050406030204" pitchFamily="18" charset="0"/>
                             </a:rPr>
-                            <m:t>/</m:t>
-                          </m:r>
-                          <m:r>
-                            <m:rPr>
-                              <m:sty m:val="p"/>
-                            </m:rPr>
-                            <a:rPr lang="en-US" altLang="zh-CN">
-                              <a:latin typeface="Cambria Math" panose="02040503050406030204" pitchFamily="18" charset="0"/>
-                            </a:rPr>
-                            <m:t>d</m:t>
+                            <m:t>𝑑</m:t>
                           </m:r>
                           <m:r>
                             <a:rPr lang="en-US" altLang="zh-CN" i="1">
@@ -16876,36 +16390,18 @@
                       </m:fPr>
                       <m:num>
                         <m:r>
-                          <m:rPr>
-                            <m:sty m:val="p"/>
-                          </m:rPr>
-                          <a:rPr lang="en-US" altLang="zh-CN">
-                            <a:latin typeface="Cambria Math" panose="02040503050406030204" pitchFamily="18" charset="0"/>
-                          </a:rPr>
-                          <m:t>d</m:t>
-                        </m:r>
-                        <m:r>
                           <a:rPr lang="en-US" altLang="zh-CN" i="1">
                             <a:latin typeface="Cambria Math" panose="02040503050406030204" pitchFamily="18" charset="0"/>
                           </a:rPr>
-                          <m:t>𝑦</m:t>
+                          <m:t>𝑑𝑦</m:t>
                         </m:r>
                       </m:num>
                       <m:den>
                         <m:r>
-                          <m:rPr>
-                            <m:sty m:val="p"/>
-                          </m:rPr>
-                          <a:rPr lang="en-US" altLang="zh-CN">
-                            <a:latin typeface="Cambria Math" panose="02040503050406030204" pitchFamily="18" charset="0"/>
-                          </a:rPr>
-                          <m:t>d</m:t>
-                        </m:r>
-                        <m:r>
                           <a:rPr lang="en-US" altLang="zh-CN" i="1">
                             <a:latin typeface="Cambria Math" panose="02040503050406030204" pitchFamily="18" charset="0"/>
                           </a:rPr>
-                          <m:t>𝑥</m:t>
+                          <m:t>𝑑𝑥</m:t>
                         </m:r>
                       </m:den>
                     </m:f>
@@ -16925,34 +16421,22 @@
                       </m:fPr>
                       <m:num>
                         <m:r>
-                          <m:rPr>
-                            <m:sty m:val="p"/>
-                          </m:rPr>
-                          <a:rPr lang="en-US" altLang="zh-CN">
-                            <a:latin typeface="Cambria Math" panose="02040503050406030204" pitchFamily="18" charset="0"/>
-                          </a:rPr>
-                          <m:t>d</m:t>
+                          <a:rPr lang="en-US" altLang="zh-CN" i="1">
+                            <a:latin typeface="Cambria Math" panose="02040503050406030204" pitchFamily="18" charset="0"/>
+                          </a:rPr>
+                          <m:t>𝑑𝑦</m:t>
                         </m:r>
                         <m:r>
                           <a:rPr lang="en-US" altLang="zh-CN" i="1">
                             <a:latin typeface="Cambria Math" panose="02040503050406030204" pitchFamily="18" charset="0"/>
                           </a:rPr>
-                          <m:t>𝑦</m:t>
+                          <m:t>/</m:t>
                         </m:r>
                         <m:r>
                           <a:rPr lang="en-US" altLang="zh-CN" i="1">
                             <a:latin typeface="Cambria Math" panose="02040503050406030204" pitchFamily="18" charset="0"/>
                           </a:rPr>
-                          <m:t>/</m:t>
-                        </m:r>
-                        <m:r>
-                          <m:rPr>
-                            <m:sty m:val="p"/>
-                          </m:rPr>
-                          <a:rPr lang="en-US" altLang="zh-CN">
-                            <a:latin typeface="Cambria Math" panose="02040503050406030204" pitchFamily="18" charset="0"/>
-                          </a:rPr>
-                          <m:t>d</m:t>
+                          <m:t>𝑑</m:t>
                         </m:r>
                         <m:r>
                           <a:rPr lang="en-US" altLang="zh-CN" i="1">
@@ -16963,34 +16447,22 @@
                       </m:num>
                       <m:den>
                         <m:r>
-                          <m:rPr>
-                            <m:sty m:val="p"/>
-                          </m:rPr>
-                          <a:rPr lang="en-US" altLang="zh-CN">
-                            <a:latin typeface="Cambria Math" panose="02040503050406030204" pitchFamily="18" charset="0"/>
-                          </a:rPr>
-                          <m:t>d</m:t>
+                          <a:rPr lang="en-US" altLang="zh-CN" i="1">
+                            <a:latin typeface="Cambria Math" panose="02040503050406030204" pitchFamily="18" charset="0"/>
+                          </a:rPr>
+                          <m:t>𝑑𝑥</m:t>
                         </m:r>
                         <m:r>
                           <a:rPr lang="en-US" altLang="zh-CN" i="1">
                             <a:latin typeface="Cambria Math" panose="02040503050406030204" pitchFamily="18" charset="0"/>
                           </a:rPr>
-                          <m:t>𝑥</m:t>
+                          <m:t>/</m:t>
                         </m:r>
                         <m:r>
                           <a:rPr lang="en-US" altLang="zh-CN" i="1">
                             <a:latin typeface="Cambria Math" panose="02040503050406030204" pitchFamily="18" charset="0"/>
                           </a:rPr>
-                          <m:t>/</m:t>
-                        </m:r>
-                        <m:r>
-                          <m:rPr>
-                            <m:sty m:val="p"/>
-                          </m:rPr>
-                          <a:rPr lang="en-US" altLang="zh-CN">
-                            <a:latin typeface="Cambria Math" panose="02040503050406030204" pitchFamily="18" charset="0"/>
-                          </a:rPr>
-                          <m:t>d</m:t>
+                          <m:t>𝑑</m:t>
                         </m:r>
                         <m:r>
                           <a:rPr lang="en-US" altLang="zh-CN" i="1">
@@ -18946,8 +18418,8 @@
           <a:chExt cx="0" cy="0"/>
         </a:xfrm>
       </p:grpSpPr>
-      <mc:AlternateContent xmlns:mc="http://schemas.openxmlformats.org/markup-compatibility/2006" xmlns:a14="http://schemas.microsoft.com/office/drawing/2010/main">
-        <mc:Choice Requires="a14">
+      <mc:AlternateContent xmlns:mc="http://schemas.openxmlformats.org/markup-compatibility/2006">
+        <mc:Choice xmlns:a14="http://schemas.microsoft.com/office/drawing/2010/main" Requires="a14">
           <p:sp>
             <p:nvSpPr>
               <p:cNvPr id="4" name="文本占位符 3"/>
@@ -18961,7 +18433,7 @@
             <p:spPr/>
             <p:txBody>
               <a:bodyPr>
-                <a:normAutofit/>
+                <a:normAutofit lnSpcReduction="10000"/>
               </a:bodyPr>
               <a:lstStyle/>
               <a:p>
@@ -19308,19 +18780,10 @@
                         </m:fPr>
                         <m:num>
                           <m:r>
-                            <m:rPr>
-                              <m:sty m:val="p"/>
-                            </m:rPr>
-                            <a:rPr lang="en-US" altLang="zh-CN" b="0" i="0" smtClean="0">
-                              <a:latin typeface="Cambria Math" panose="02040503050406030204" pitchFamily="18" charset="0"/>
-                            </a:rPr>
-                            <m:t>d</m:t>
-                          </m:r>
-                          <m:r>
                             <a:rPr lang="en-US" altLang="zh-CN" b="0" i="1" smtClean="0">
                               <a:latin typeface="Cambria Math" panose="02040503050406030204" pitchFamily="18" charset="0"/>
                             </a:rPr>
-                            <m:t>𝐹</m:t>
+                            <m:t>𝑑𝐹</m:t>
                           </m:r>
                           <m:d>
                             <m:dPr>
@@ -19373,19 +18836,10 @@
                         </m:num>
                         <m:den>
                           <m:r>
-                            <m:rPr>
-                              <m:sty m:val="p"/>
-                            </m:rPr>
-                            <a:rPr lang="en-US" altLang="zh-CN" b="0" i="0" smtClean="0">
-                              <a:latin typeface="Cambria Math" panose="02040503050406030204" pitchFamily="18" charset="0"/>
-                            </a:rPr>
-                            <m:t>d</m:t>
-                          </m:r>
-                          <m:r>
                             <a:rPr lang="en-US" altLang="zh-CN" b="0" i="1" smtClean="0">
                               <a:latin typeface="Cambria Math" panose="02040503050406030204" pitchFamily="18" charset="0"/>
                             </a:rPr>
-                            <m:t>𝑥</m:t>
+                            <m:t>𝑑𝑥</m:t>
                           </m:r>
                         </m:den>
                       </m:f>
@@ -19417,19 +18871,10 @@
                         </m:fPr>
                         <m:num>
                           <m:r>
-                            <m:rPr>
-                              <m:sty m:val="p"/>
-                            </m:rPr>
-                            <a:rPr lang="en-US" altLang="zh-CN">
-                              <a:latin typeface="Cambria Math" panose="02040503050406030204" pitchFamily="18" charset="0"/>
-                            </a:rPr>
-                            <m:t>d</m:t>
-                          </m:r>
-                          <m:r>
                             <a:rPr lang="en-US" altLang="zh-CN" i="1">
                               <a:latin typeface="Cambria Math" panose="02040503050406030204" pitchFamily="18" charset="0"/>
                             </a:rPr>
-                            <m:t>𝐹</m:t>
+                            <m:t>𝑑𝐹</m:t>
                           </m:r>
                           <m:d>
                             <m:dPr>
@@ -19465,19 +18910,10 @@
                         </m:num>
                         <m:den>
                           <m:r>
-                            <m:rPr>
-                              <m:sty m:val="p"/>
-                            </m:rPr>
-                            <a:rPr lang="en-US" altLang="zh-CN">
-                              <a:latin typeface="Cambria Math" panose="02040503050406030204" pitchFamily="18" charset="0"/>
-                            </a:rPr>
-                            <m:t>d</m:t>
-                          </m:r>
-                          <m:r>
                             <a:rPr lang="en-US" altLang="zh-CN" i="1">
                               <a:latin typeface="Cambria Math" panose="02040503050406030204" pitchFamily="18" charset="0"/>
                             </a:rPr>
-                            <m:t>𝑥</m:t>
+                            <m:t>𝑑𝑥</m:t>
                           </m:r>
                         </m:den>
                       </m:f>
@@ -19520,13 +18956,10 @@
                       </m:fPr>
                       <m:num>
                         <m:r>
-                          <m:rPr>
-                            <m:sty m:val="p"/>
-                          </m:rPr>
-                          <a:rPr lang="en-US" altLang="zh-CN">
-                            <a:latin typeface="Cambria Math" panose="02040503050406030204" pitchFamily="18" charset="0"/>
-                          </a:rPr>
-                          <m:t>d</m:t>
+                          <a:rPr lang="en-US" altLang="zh-CN" i="1">
+                            <a:latin typeface="Cambria Math" panose="02040503050406030204" pitchFamily="18" charset="0"/>
+                          </a:rPr>
+                          <m:t>𝑑</m:t>
                         </m:r>
                         <m:r>
                           <a:rPr lang="en-US" altLang="zh-CN" b="0" i="1" smtClean="0">
@@ -19537,19 +18970,10 @@
                       </m:num>
                       <m:den>
                         <m:r>
-                          <m:rPr>
-                            <m:sty m:val="p"/>
-                          </m:rPr>
-                          <a:rPr lang="en-US" altLang="zh-CN">
-                            <a:latin typeface="Cambria Math" panose="02040503050406030204" pitchFamily="18" charset="0"/>
-                          </a:rPr>
-                          <m:t>d</m:t>
-                        </m:r>
-                        <m:r>
                           <a:rPr lang="en-US" altLang="zh-CN" i="1">
                             <a:latin typeface="Cambria Math" panose="02040503050406030204" pitchFamily="18" charset="0"/>
                           </a:rPr>
-                          <m:t>𝑥</m:t>
+                          <m:t>𝑑𝑥</m:t>
                         </m:r>
                       </m:den>
                     </m:f>
@@ -19737,10 +19161,112 @@
                   <a:t>.</a:t>
                 </a:r>
               </a:p>
+              <a:p>
+                <a:pPr>
+                  <a:lnSpc>
+                    <a:spcPct val="110000"/>
+                  </a:lnSpc>
+                </a:pPr>
+                <a:r>
+                  <a:rPr lang="zh-CN" altLang="en-US" dirty="0" smtClean="0"/>
+                  <a:t>即便</a:t>
+                </a:r>
+                <a:r>
+                  <a:rPr lang="zh-CN" altLang="en-US" dirty="0"/>
+                  <a:t>从</a:t>
+                </a:r>
+                <a:r>
+                  <a:rPr lang="zh-CN" altLang="en-US" dirty="0" smtClean="0"/>
+                  <a:t> </a:t>
+                </a:r>
+                <a14:m>
+                  <m:oMath xmlns:m="http://schemas.openxmlformats.org/officeDocument/2006/math">
+                    <m:r>
+                      <a:rPr lang="en-US" altLang="zh-CN" i="1">
+                        <a:latin typeface="Cambria Math" panose="02040503050406030204" pitchFamily="18" charset="0"/>
+                      </a:rPr>
+                      <m:t>𝐹</m:t>
+                    </m:r>
+                    <m:d>
+                      <m:dPr>
+                        <m:ctrlPr>
+                          <a:rPr lang="en-US" altLang="zh-CN" i="1">
+                            <a:latin typeface="Cambria Math" panose="02040503050406030204" pitchFamily="18" charset="0"/>
+                          </a:rPr>
+                        </m:ctrlPr>
+                      </m:dPr>
+                      <m:e>
+                        <m:r>
+                          <a:rPr lang="en-US" altLang="zh-CN" i="1">
+                            <a:latin typeface="Cambria Math" panose="02040503050406030204" pitchFamily="18" charset="0"/>
+                          </a:rPr>
+                          <m:t>𝑥</m:t>
+                        </m:r>
+                        <m:r>
+                          <a:rPr lang="en-US" altLang="zh-CN" i="1">
+                            <a:latin typeface="Cambria Math" panose="02040503050406030204" pitchFamily="18" charset="0"/>
+                          </a:rPr>
+                          <m:t>,</m:t>
+                        </m:r>
+                        <m:r>
+                          <a:rPr lang="en-US" altLang="zh-CN" i="1">
+                            <a:latin typeface="Cambria Math" panose="02040503050406030204" pitchFamily="18" charset="0"/>
+                          </a:rPr>
+                          <m:t>𝑦</m:t>
+                        </m:r>
+                      </m:e>
+                    </m:d>
+                    <m:r>
+                      <a:rPr lang="en-US" altLang="zh-CN" i="1">
+                        <a:latin typeface="Cambria Math" panose="02040503050406030204" pitchFamily="18" charset="0"/>
+                      </a:rPr>
+                      <m:t>=0</m:t>
+                    </m:r>
+                  </m:oMath>
+                </a14:m>
+                <a:r>
+                  <a:rPr lang="zh-CN" altLang="en-US" dirty="0"/>
+                  <a:t> </a:t>
+                </a:r>
+                <a:r>
+                  <a:rPr lang="zh-CN" altLang="en-US" dirty="0" smtClean="0"/>
+                  <a:t>确定的 </a:t>
+                </a:r>
+                <a14:m>
+                  <m:oMath xmlns:m="http://schemas.openxmlformats.org/officeDocument/2006/math">
+                    <m:r>
+                      <a:rPr lang="en-US" altLang="zh-CN" b="0" i="1" smtClean="0">
+                        <a:latin typeface="Cambria Math" panose="02040503050406030204" pitchFamily="18" charset="0"/>
+                      </a:rPr>
+                      <m:t>𝑦</m:t>
+                    </m:r>
+                  </m:oMath>
+                </a14:m>
+                <a:r>
+                  <a:rPr lang="en-US" altLang="zh-CN" dirty="0" smtClean="0"/>
+                  <a:t> </a:t>
+                </a:r>
+                <a:r>
+                  <a:rPr lang="zh-CN" altLang="en-US" dirty="0" smtClean="0"/>
+                  <a:t>是一个多值函数</a:t>
+                </a:r>
+                <a:r>
+                  <a:rPr lang="en-US" altLang="zh-CN" dirty="0" smtClean="0"/>
+                  <a:t>, </a:t>
+                </a:r>
+                <a:r>
+                  <a:rPr lang="zh-CN" altLang="en-US" dirty="0" smtClean="0"/>
+                  <a:t>我们也可以用此方法确定所有导数存在的点处的导数值</a:t>
+                </a:r>
+                <a:r>
+                  <a:rPr lang="en-US" altLang="zh-CN" dirty="0" smtClean="0"/>
+                  <a:t>.</a:t>
+                </a:r>
+              </a:p>
             </p:txBody>
           </p:sp>
         </mc:Choice>
-        <mc:Fallback xmlns="">
+        <mc:Fallback>
           <p:sp>
             <p:nvSpPr>
               <p:cNvPr id="4" name="文本占位符 3"/>
@@ -19755,7 +19281,7 @@
               <a:blipFill>
                 <a:blip r:embed="rId2"/>
                 <a:stretch>
-                  <a:fillRect l="-734" t="-700"/>
+                  <a:fillRect l="-734" b="-234"/>
                 </a:stretch>
               </a:blipFill>
             </p:spPr>
@@ -20097,6 +19623,67 @@
                       </p:childTnLst>
                     </p:cTn>
                   </p:par>
+                  <p:par>
+                    <p:cTn id="28" fill="hold">
+                      <p:stCondLst>
+                        <p:cond delay="indefinite"/>
+                      </p:stCondLst>
+                      <p:childTnLst>
+                        <p:par>
+                          <p:cTn id="29" fill="hold">
+                            <p:stCondLst>
+                              <p:cond delay="0"/>
+                            </p:stCondLst>
+                            <p:childTnLst>
+                              <p:par>
+                                <p:cTn id="30" presetID="10" presetClass="entr" presetSubtype="0" fill="hold" grpId="0" nodeType="clickEffect">
+                                  <p:stCondLst>
+                                    <p:cond delay="0"/>
+                                  </p:stCondLst>
+                                  <p:childTnLst>
+                                    <p:set>
+                                      <p:cBhvr>
+                                        <p:cTn id="31" dur="1" fill="hold">
+                                          <p:stCondLst>
+                                            <p:cond delay="0"/>
+                                          </p:stCondLst>
+                                        </p:cTn>
+                                        <p:tgtEl>
+                                          <p:spTgt spid="4">
+                                            <p:txEl>
+                                              <p:pRg st="5" end="5"/>
+                                            </p:txEl>
+                                          </p:spTgt>
+                                        </p:tgtEl>
+                                        <p:attrNameLst>
+                                          <p:attrName>style.visibility</p:attrName>
+                                        </p:attrNameLst>
+                                      </p:cBhvr>
+                                      <p:to>
+                                        <p:strVal val="visible"/>
+                                      </p:to>
+                                    </p:set>
+                                    <p:animEffect transition="in" filter="fade">
+                                      <p:cBhvr>
+                                        <p:cTn id="32" dur="500"/>
+                                        <p:tgtEl>
+                                          <p:spTgt spid="4">
+                                            <p:txEl>
+                                              <p:pRg st="5" end="5"/>
+                                            </p:txEl>
+                                          </p:spTgt>
+                                        </p:tgtEl>
+                                      </p:cBhvr>
+                                    </p:animEffect>
+                                  </p:childTnLst>
+                                </p:cTn>
+                              </p:par>
+                            </p:childTnLst>
+                          </p:cTn>
+                        </p:par>
+                      </p:childTnLst>
+                    </p:cTn>
+                  </p:par>
                 </p:childTnLst>
               </p:cTn>
               <p:prevCondLst>
@@ -20142,8 +19729,8 @@
           <a:chExt cx="0" cy="0"/>
         </a:xfrm>
       </p:grpSpPr>
-      <mc:AlternateContent xmlns:mc="http://schemas.openxmlformats.org/markup-compatibility/2006" xmlns:a14="http://schemas.microsoft.com/office/drawing/2010/main">
-        <mc:Choice Requires="a14">
+      <mc:AlternateContent xmlns:mc="http://schemas.openxmlformats.org/markup-compatibility/2006">
+        <mc:Choice xmlns:a14="http://schemas.microsoft.com/office/drawing/2010/main" Requires="a14">
           <p:sp>
             <p:nvSpPr>
               <p:cNvPr id="4" name="文本占位符 3"/>
@@ -20259,36 +19846,18 @@
                       </m:fPr>
                       <m:num>
                         <m:r>
-                          <m:rPr>
-                            <m:sty m:val="p"/>
-                          </m:rPr>
-                          <a:rPr lang="en-US" altLang="zh-CN">
-                            <a:latin typeface="Cambria Math" panose="02040503050406030204" pitchFamily="18" charset="0"/>
-                          </a:rPr>
-                          <m:t>d</m:t>
-                        </m:r>
-                        <m:r>
                           <a:rPr lang="en-US" altLang="zh-CN" i="1">
                             <a:latin typeface="Cambria Math" panose="02040503050406030204" pitchFamily="18" charset="0"/>
                           </a:rPr>
-                          <m:t>𝑦</m:t>
+                          <m:t>𝑑𝑦</m:t>
                         </m:r>
                       </m:num>
                       <m:den>
                         <m:r>
-                          <m:rPr>
-                            <m:sty m:val="p"/>
-                          </m:rPr>
-                          <a:rPr lang="en-US" altLang="zh-CN">
-                            <a:latin typeface="Cambria Math" panose="02040503050406030204" pitchFamily="18" charset="0"/>
-                          </a:rPr>
-                          <m:t>d</m:t>
-                        </m:r>
-                        <m:r>
                           <a:rPr lang="en-US" altLang="zh-CN" i="1">
                             <a:latin typeface="Cambria Math" panose="02040503050406030204" pitchFamily="18" charset="0"/>
                           </a:rPr>
-                          <m:t>𝑥</m:t>
+                          <m:t>𝑑𝑥</m:t>
                         </m:r>
                       </m:den>
                     </m:f>
@@ -20389,36 +19958,18 @@
                       </m:fPr>
                       <m:num>
                         <m:r>
-                          <m:rPr>
-                            <m:sty m:val="p"/>
-                          </m:rPr>
-                          <a:rPr lang="en-US" altLang="zh-CN">
-                            <a:latin typeface="Cambria Math" panose="02040503050406030204" pitchFamily="18" charset="0"/>
-                          </a:rPr>
-                          <m:t>d</m:t>
-                        </m:r>
-                        <m:r>
                           <a:rPr lang="en-US" altLang="zh-CN" i="1">
                             <a:latin typeface="Cambria Math" panose="02040503050406030204" pitchFamily="18" charset="0"/>
                           </a:rPr>
-                          <m:t>𝑦</m:t>
+                          <m:t>𝑑𝑦</m:t>
                         </m:r>
                       </m:num>
                       <m:den>
                         <m:r>
-                          <m:rPr>
-                            <m:sty m:val="p"/>
-                          </m:rPr>
-                          <a:rPr lang="en-US" altLang="zh-CN">
-                            <a:latin typeface="Cambria Math" panose="02040503050406030204" pitchFamily="18" charset="0"/>
-                          </a:rPr>
-                          <m:t>d</m:t>
-                        </m:r>
-                        <m:r>
                           <a:rPr lang="en-US" altLang="zh-CN" i="1">
                             <a:latin typeface="Cambria Math" panose="02040503050406030204" pitchFamily="18" charset="0"/>
                           </a:rPr>
-                          <m:t>𝑥</m:t>
+                          <m:t>𝑑𝑥</m:t>
                         </m:r>
                       </m:den>
                     </m:f>
@@ -20455,36 +20006,18 @@
                       </m:fPr>
                       <m:num>
                         <m:r>
-                          <m:rPr>
-                            <m:sty m:val="p"/>
-                          </m:rPr>
-                          <a:rPr lang="en-US" altLang="zh-CN">
-                            <a:latin typeface="Cambria Math" panose="02040503050406030204" pitchFamily="18" charset="0"/>
-                          </a:rPr>
-                          <m:t>d</m:t>
-                        </m:r>
-                        <m:r>
                           <a:rPr lang="en-US" altLang="zh-CN" i="1">
                             <a:latin typeface="Cambria Math" panose="02040503050406030204" pitchFamily="18" charset="0"/>
                           </a:rPr>
-                          <m:t>𝑦</m:t>
+                          <m:t>𝑑𝑦</m:t>
                         </m:r>
                       </m:num>
                       <m:den>
                         <m:r>
-                          <m:rPr>
-                            <m:sty m:val="p"/>
-                          </m:rPr>
-                          <a:rPr lang="en-US" altLang="zh-CN">
-                            <a:latin typeface="Cambria Math" panose="02040503050406030204" pitchFamily="18" charset="0"/>
-                          </a:rPr>
-                          <m:t>d</m:t>
-                        </m:r>
-                        <m:r>
                           <a:rPr lang="en-US" altLang="zh-CN" i="1">
                             <a:latin typeface="Cambria Math" panose="02040503050406030204" pitchFamily="18" charset="0"/>
                           </a:rPr>
-                          <m:t>𝑥</m:t>
+                          <m:t>𝑑𝑥</m:t>
                         </m:r>
                       </m:den>
                     </m:f>
@@ -20578,30 +20111,18 @@
                       </m:fPr>
                       <m:num>
                         <m:r>
-                          <m:rPr>
-                            <m:sty m:val="p"/>
-                          </m:rPr>
-                          <a:rPr lang="en-US" altLang="zh-CN">
-                            <a:latin typeface="Cambria Math" panose="02040503050406030204" pitchFamily="18" charset="0"/>
-                          </a:rPr>
-                          <m:t>d</m:t>
+                          <a:rPr lang="en-US" altLang="zh-CN" i="1">
+                            <a:latin typeface="Cambria Math" panose="02040503050406030204" pitchFamily="18" charset="0"/>
+                          </a:rPr>
+                          <m:t>𝑑</m:t>
                         </m:r>
                       </m:num>
                       <m:den>
                         <m:r>
-                          <m:rPr>
-                            <m:sty m:val="p"/>
-                          </m:rPr>
-                          <a:rPr lang="en-US" altLang="zh-CN">
-                            <a:latin typeface="Cambria Math" panose="02040503050406030204" pitchFamily="18" charset="0"/>
-                          </a:rPr>
-                          <m:t>d</m:t>
-                        </m:r>
-                        <m:r>
                           <a:rPr lang="en-US" altLang="zh-CN" i="1">
                             <a:latin typeface="Cambria Math" panose="02040503050406030204" pitchFamily="18" charset="0"/>
                           </a:rPr>
-                          <m:t>𝑥</m:t>
+                          <m:t>𝑑𝑥</m:t>
                         </m:r>
                       </m:den>
                     </m:f>
@@ -20748,30 +20269,18 @@
                       </m:fPr>
                       <m:num>
                         <m:r>
-                          <m:rPr>
-                            <m:sty m:val="p"/>
-                          </m:rPr>
-                          <a:rPr lang="en-US" altLang="zh-CN">
-                            <a:latin typeface="Cambria Math" panose="02040503050406030204" pitchFamily="18" charset="0"/>
-                          </a:rPr>
-                          <m:t>d</m:t>
+                          <a:rPr lang="en-US" altLang="zh-CN" i="1">
+                            <a:latin typeface="Cambria Math" panose="02040503050406030204" pitchFamily="18" charset="0"/>
+                          </a:rPr>
+                          <m:t>𝑑</m:t>
                         </m:r>
                       </m:num>
                       <m:den>
                         <m:r>
-                          <m:rPr>
-                            <m:sty m:val="p"/>
-                          </m:rPr>
-                          <a:rPr lang="en-US" altLang="zh-CN">
-                            <a:latin typeface="Cambria Math" panose="02040503050406030204" pitchFamily="18" charset="0"/>
-                          </a:rPr>
-                          <m:t>d</m:t>
-                        </m:r>
-                        <m:r>
                           <a:rPr lang="en-US" altLang="zh-CN" i="1">
                             <a:latin typeface="Cambria Math" panose="02040503050406030204" pitchFamily="18" charset="0"/>
                           </a:rPr>
-                          <m:t>𝑦</m:t>
+                          <m:t>𝑑𝑦</m:t>
                         </m:r>
                       </m:den>
                     </m:f>
@@ -21254,7 +20763,7 @@
             </p:txBody>
           </p:sp>
         </mc:Choice>
-        <mc:Fallback xmlns="">
+        <mc:Fallback>
           <p:sp>
             <p:nvSpPr>
               <p:cNvPr id="4" name="文本占位符 3"/>
@@ -21839,8 +21348,8 @@
           <a:chExt cx="0" cy="0"/>
         </a:xfrm>
       </p:grpSpPr>
-      <mc:AlternateContent xmlns:mc="http://schemas.openxmlformats.org/markup-compatibility/2006">
-        <mc:Choice xmlns:a14="http://schemas.microsoft.com/office/drawing/2010/main" Requires="a14">
+      <mc:AlternateContent xmlns:mc="http://schemas.openxmlformats.org/markup-compatibility/2006" xmlns:a14="http://schemas.microsoft.com/office/drawing/2010/main">
+        <mc:Choice Requires="a14">
           <p:sp>
             <p:nvSpPr>
               <p:cNvPr id="4" name="文本占位符 3"/>
@@ -22582,7 +22091,7 @@
             </p:txBody>
           </p:sp>
         </mc:Choice>
-        <mc:Fallback>
+        <mc:Fallback xmlns="">
           <p:sp>
             <p:nvSpPr>
               <p:cNvPr id="4" name="文本占位符 3"/>
@@ -24484,36 +23993,18 @@
                       </m:fPr>
                       <m:num>
                         <m:r>
-                          <m:rPr>
-                            <m:sty m:val="p"/>
-                          </m:rPr>
-                          <a:rPr lang="en-US" altLang="zh-CN">
-                            <a:latin typeface="Cambria Math" panose="02040503050406030204" pitchFamily="18" charset="0"/>
-                          </a:rPr>
-                          <m:t>d</m:t>
-                        </m:r>
-                        <m:r>
                           <a:rPr lang="en-US" altLang="zh-CN" i="1">
                             <a:latin typeface="Cambria Math" panose="02040503050406030204" pitchFamily="18" charset="0"/>
                           </a:rPr>
-                          <m:t>𝑦</m:t>
+                          <m:t>𝑑𝑦</m:t>
                         </m:r>
                       </m:num>
                       <m:den>
                         <m:r>
-                          <m:rPr>
-                            <m:sty m:val="p"/>
-                          </m:rPr>
-                          <a:rPr lang="en-US" altLang="zh-CN">
-                            <a:latin typeface="Cambria Math" panose="02040503050406030204" pitchFamily="18" charset="0"/>
-                          </a:rPr>
-                          <m:t>d</m:t>
-                        </m:r>
-                        <m:r>
                           <a:rPr lang="en-US" altLang="zh-CN" i="1">
                             <a:latin typeface="Cambria Math" panose="02040503050406030204" pitchFamily="18" charset="0"/>
                           </a:rPr>
-                          <m:t>𝑥</m:t>
+                          <m:t>𝑑𝑥</m:t>
                         </m:r>
                       </m:den>
                     </m:f>
@@ -25036,19 +24527,7 @@
                       <a:rPr lang="en-US" altLang="zh-CN" b="0" i="1" smtClean="0">
                         <a:latin typeface="Cambria Math" panose="02040503050406030204" pitchFamily="18" charset="0"/>
                       </a:rPr>
-                      <m:t>−</m:t>
-                    </m:r>
-                    <m:r>
-                      <a:rPr lang="en-US" altLang="zh-CN" b="0" i="1" smtClean="0">
-                        <a:latin typeface="Cambria Math" panose="02040503050406030204" pitchFamily="18" charset="0"/>
-                      </a:rPr>
-                      <m:t>𝑦</m:t>
-                    </m:r>
-                    <m:r>
-                      <a:rPr lang="en-US" altLang="zh-CN" b="0" i="1" smtClean="0">
-                        <a:latin typeface="Cambria Math" panose="02040503050406030204" pitchFamily="18" charset="0"/>
-                      </a:rPr>
-                      <m:t>+1=</m:t>
+                      <m:t>1=</m:t>
                     </m:r>
                     <m:sSup>
                       <m:sSupPr>
@@ -25205,8 +24684,8 @@
         </p:nvSpPr>
         <p:spPr>
           <a:xfrm>
-            <a:off x="4842233" y="3763642"/>
-            <a:ext cx="1080120" cy="461665"/>
+            <a:off x="4842233" y="3729778"/>
+            <a:ext cx="389671" cy="461665"/>
           </a:xfrm>
           <a:prstGeom prst="rect">
             <a:avLst/>
@@ -25840,18 +25319,15 @@
                           </m:sSupPr>
                           <m:e>
                             <m:r>
-                              <m:rPr>
-                                <m:sty m:val="p"/>
-                              </m:rPr>
-                              <a:rPr lang="en-US" altLang="zh-CN">
+                              <a:rPr lang="en-US" altLang="zh-CN" i="1">
                                 <a:latin typeface="Cambria Math" panose="02040503050406030204" pitchFamily="18" charset="0"/>
                               </a:rPr>
-                              <m:t>d</m:t>
+                              <m:t>𝑑</m:t>
                             </m:r>
                           </m:e>
                           <m:sup>
                             <m:r>
-                              <a:rPr lang="en-US" altLang="zh-CN" b="0" i="0" smtClean="0">
+                              <a:rPr lang="en-US" altLang="zh-CN" b="0" i="1" smtClean="0">
                                 <a:latin typeface="Cambria Math" panose="02040503050406030204" pitchFamily="18" charset="0"/>
                               </a:rPr>
                               <m:t>2</m:t>
@@ -25867,13 +25343,10 @@
                       </m:num>
                       <m:den>
                         <m:r>
-                          <m:rPr>
-                            <m:sty m:val="p"/>
-                          </m:rPr>
-                          <a:rPr lang="en-US" altLang="zh-CN">
-                            <a:latin typeface="Cambria Math" panose="02040503050406030204" pitchFamily="18" charset="0"/>
-                          </a:rPr>
-                          <m:t>d</m:t>
+                          <a:rPr lang="en-US" altLang="zh-CN" i="1">
+                            <a:latin typeface="Cambria Math" panose="02040503050406030204" pitchFamily="18" charset="0"/>
+                          </a:rPr>
+                          <m:t>𝑑</m:t>
                         </m:r>
                         <m:sSup>
                           <m:sSupPr>
@@ -27473,8 +26946,8 @@
           <a:chExt cx="0" cy="0"/>
         </a:xfrm>
       </p:grpSpPr>
-      <mc:AlternateContent xmlns:mc="http://schemas.openxmlformats.org/markup-compatibility/2006">
-        <mc:Choice xmlns:a14="http://schemas.microsoft.com/office/drawing/2010/main" Requires="a14">
+      <mc:AlternateContent xmlns:mc="http://schemas.openxmlformats.org/markup-compatibility/2006" xmlns:a14="http://schemas.microsoft.com/office/drawing/2010/main">
+        <mc:Choice Requires="a14">
           <p:sp>
             <p:nvSpPr>
               <p:cNvPr id="4" name="文本占位符 3"/>
@@ -27790,12 +27263,20 @@
               </a:p>
               <a:p>
                 <a:r>
+                  <a:rPr lang="zh-CN" altLang="en-US" dirty="0" smtClean="0">
+                    <a:solidFill>
+                      <a:srgbClr val="00B050"/>
+                    </a:solidFill>
+                  </a:rPr>
+                  <a:t>对数</a:t>
+                </a:r>
+                <a:r>
                   <a:rPr lang="zh-CN" altLang="en-US" dirty="0">
                     <a:solidFill>
                       <a:srgbClr val="00B050"/>
                     </a:solidFill>
                   </a:rPr>
-                  <a:t>对数求导法</a:t>
+                  <a:t>求导法</a:t>
                 </a:r>
                 <a:endParaRPr lang="en-US" altLang="zh-CN" dirty="0">
                   <a:solidFill>
@@ -28109,7 +27590,7 @@
             </p:txBody>
           </p:sp>
         </mc:Choice>
-        <mc:Fallback>
+        <mc:Fallback xmlns="">
           <p:sp>
             <p:nvSpPr>
               <p:cNvPr id="4" name="文本占位符 3"/>
@@ -28450,8 +27931,8 @@
           <a:chExt cx="0" cy="0"/>
         </a:xfrm>
       </p:grpSpPr>
-      <mc:AlternateContent xmlns:mc="http://schemas.openxmlformats.org/markup-compatibility/2006">
-        <mc:Choice xmlns:a14="http://schemas.microsoft.com/office/drawing/2010/main" Requires="a14">
+      <mc:AlternateContent xmlns:mc="http://schemas.openxmlformats.org/markup-compatibility/2006" xmlns:a14="http://schemas.microsoft.com/office/drawing/2010/main">
+        <mc:Choice Requires="a14">
           <p:sp>
             <p:nvSpPr>
               <p:cNvPr id="4" name="文本占位符 3"/>
@@ -29853,7 +29334,7 @@
             </p:txBody>
           </p:sp>
         </mc:Choice>
-        <mc:Fallback>
+        <mc:Fallback xmlns="">
           <p:sp>
             <p:nvSpPr>
               <p:cNvPr id="4" name="文本占位符 3"/>
